--- a/Licenta2019UrsuCristian-Andrei/RCruncher.pptx
+++ b/Licenta2019UrsuCristian-Andrei/RCruncher.pptx
@@ -19,6 +19,7 @@
     <p:sldId id="267" r:id="rId13"/>
     <p:sldId id="268" r:id="rId14"/>
     <p:sldId id="269" r:id="rId15"/>
+    <p:sldId id="270" r:id="rId16"/>
   </p:sldIdLst>
   <p:sldSz cx="12192000" cy="6858000"/>
   <p:notesSz cx="6858000" cy="9144000"/>
@@ -117,6 +118,11 @@
       </a:defRPr>
     </a:lvl9pPr>
   </p:defaultTextStyle>
+  <p:extLst>
+    <p:ext uri="{EFAFB233-063F-42B5-8137-9DF3F51BA10A}">
+      <p15:sldGuideLst xmlns:p15="http://schemas.microsoft.com/office/powerpoint/2012/main"/>
+    </p:ext>
+  </p:extLst>
 </p:presentation>
 </file>
 
@@ -267,7 +273,7 @@
           <a:p>
             <a:fld id="{FC11D2D4-B333-4FEB-8465-4F54198D0FD8}" type="datetimeFigureOut">
               <a:rPr lang="en-US" smtClean="0"/>
-              <a:t>7/1/2019</a:t>
+              <a:t>7/2/2019</a:t>
             </a:fld>
             <a:endParaRPr lang="en-US"/>
           </a:p>
@@ -465,7 +471,7 @@
           <a:p>
             <a:fld id="{FC11D2D4-B333-4FEB-8465-4F54198D0FD8}" type="datetimeFigureOut">
               <a:rPr lang="en-US" smtClean="0"/>
-              <a:t>7/1/2019</a:t>
+              <a:t>7/2/2019</a:t>
             </a:fld>
             <a:endParaRPr lang="en-US"/>
           </a:p>
@@ -673,7 +679,7 @@
           <a:p>
             <a:fld id="{FC11D2D4-B333-4FEB-8465-4F54198D0FD8}" type="datetimeFigureOut">
               <a:rPr lang="en-US" smtClean="0"/>
-              <a:t>7/1/2019</a:t>
+              <a:t>7/2/2019</a:t>
             </a:fld>
             <a:endParaRPr lang="en-US"/>
           </a:p>
@@ -871,7 +877,7 @@
           <a:p>
             <a:fld id="{FC11D2D4-B333-4FEB-8465-4F54198D0FD8}" type="datetimeFigureOut">
               <a:rPr lang="en-US" smtClean="0"/>
-              <a:t>7/1/2019</a:t>
+              <a:t>7/2/2019</a:t>
             </a:fld>
             <a:endParaRPr lang="en-US"/>
           </a:p>
@@ -1146,7 +1152,7 @@
           <a:p>
             <a:fld id="{FC11D2D4-B333-4FEB-8465-4F54198D0FD8}" type="datetimeFigureOut">
               <a:rPr lang="en-US" smtClean="0"/>
-              <a:t>7/1/2019</a:t>
+              <a:t>7/2/2019</a:t>
             </a:fld>
             <a:endParaRPr lang="en-US"/>
           </a:p>
@@ -1411,7 +1417,7 @@
           <a:p>
             <a:fld id="{FC11D2D4-B333-4FEB-8465-4F54198D0FD8}" type="datetimeFigureOut">
               <a:rPr lang="en-US" smtClean="0"/>
-              <a:t>7/1/2019</a:t>
+              <a:t>7/2/2019</a:t>
             </a:fld>
             <a:endParaRPr lang="en-US"/>
           </a:p>
@@ -1823,7 +1829,7 @@
           <a:p>
             <a:fld id="{FC11D2D4-B333-4FEB-8465-4F54198D0FD8}" type="datetimeFigureOut">
               <a:rPr lang="en-US" smtClean="0"/>
-              <a:t>7/1/2019</a:t>
+              <a:t>7/2/2019</a:t>
             </a:fld>
             <a:endParaRPr lang="en-US"/>
           </a:p>
@@ -1964,7 +1970,7 @@
           <a:p>
             <a:fld id="{FC11D2D4-B333-4FEB-8465-4F54198D0FD8}" type="datetimeFigureOut">
               <a:rPr lang="en-US" smtClean="0"/>
-              <a:t>7/1/2019</a:t>
+              <a:t>7/2/2019</a:t>
             </a:fld>
             <a:endParaRPr lang="en-US"/>
           </a:p>
@@ -2077,7 +2083,7 @@
           <a:p>
             <a:fld id="{FC11D2D4-B333-4FEB-8465-4F54198D0FD8}" type="datetimeFigureOut">
               <a:rPr lang="en-US" smtClean="0"/>
-              <a:t>7/1/2019</a:t>
+              <a:t>7/2/2019</a:t>
             </a:fld>
             <a:endParaRPr lang="en-US"/>
           </a:p>
@@ -2388,7 +2394,7 @@
           <a:p>
             <a:fld id="{FC11D2D4-B333-4FEB-8465-4F54198D0FD8}" type="datetimeFigureOut">
               <a:rPr lang="en-US" smtClean="0"/>
-              <a:t>7/1/2019</a:t>
+              <a:t>7/2/2019</a:t>
             </a:fld>
             <a:endParaRPr lang="en-US"/>
           </a:p>
@@ -2676,7 +2682,7 @@
           <a:p>
             <a:fld id="{FC11D2D4-B333-4FEB-8465-4F54198D0FD8}" type="datetimeFigureOut">
               <a:rPr lang="en-US" smtClean="0"/>
-              <a:t>7/1/2019</a:t>
+              <a:t>7/2/2019</a:t>
             </a:fld>
             <a:endParaRPr lang="en-US"/>
           </a:p>
@@ -2917,7 +2923,7 @@
           <a:p>
             <a:fld id="{FC11D2D4-B333-4FEB-8465-4F54198D0FD8}" type="datetimeFigureOut">
               <a:rPr lang="en-US" smtClean="0"/>
-              <a:t>7/1/2019</a:t>
+              <a:t>7/2/2019</a:t>
             </a:fld>
             <a:endParaRPr lang="en-US"/>
           </a:p>
@@ -3946,29 +3952,8 @@
             </a:r>
             <a:r>
               <a:rPr lang="en-US" dirty="0"/>
-              <a:t> de date </a:t>
-            </a:r>
-            <a:r>
-              <a:rPr lang="en-US" dirty="0" err="1"/>
-              <a:t>si</a:t>
-            </a:r>
-            <a:r>
-              <a:rPr lang="en-US" dirty="0"/>
-              <a:t> </a:t>
-            </a:r>
-            <a:r>
-              <a:rPr lang="en-US" dirty="0" err="1"/>
-              <a:t>conexiunea</a:t>
-            </a:r>
-            <a:r>
-              <a:rPr lang="en-US" dirty="0"/>
-              <a:t> cu </a:t>
-            </a:r>
-            <a:r>
-              <a:rPr lang="en-US" dirty="0" err="1"/>
-              <a:t>aceasta</a:t>
-            </a:r>
-            <a:endParaRPr lang="en-US" dirty="0"/>
+              <a:t> de date</a:t>
+            </a:r>
           </a:p>
         </p:txBody>
       </p:sp>
@@ -4186,23 +4171,15 @@
           <a:p>
             <a:r>
               <a:rPr lang="en-US" dirty="0" err="1"/>
-              <a:t>Clientul</a:t>
-            </a:r>
-            <a:r>
-              <a:rPr lang="en-US" dirty="0"/>
-              <a:t> </a:t>
-            </a:r>
-            <a:r>
-              <a:rPr lang="en-US" dirty="0" err="1"/>
-              <a:t>si</a:t>
-            </a:r>
-            <a:r>
-              <a:rPr lang="en-US" dirty="0"/>
-              <a:t> </a:t>
-            </a:r>
-            <a:r>
-              <a:rPr lang="en-US" dirty="0" err="1"/>
-              <a:t>arhitectura</a:t>
+              <a:t>Arhitectura</a:t>
+            </a:r>
+            <a:r>
+              <a:rPr lang="en-US" dirty="0"/>
+              <a:t> </a:t>
+            </a:r>
+            <a:r>
+              <a:rPr lang="en-US" dirty="0" err="1"/>
+              <a:t>clientului</a:t>
             </a:r>
             <a:endParaRPr lang="en-US" dirty="0"/>
           </a:p>
@@ -4637,6 +4614,122 @@
 </p:sld>
 </file>
 
+<file path=ppt/slides/slide15.xml><?xml version="1.0" encoding="utf-8"?>
+<p:sld xmlns:a="http://schemas.openxmlformats.org/drawingml/2006/main" xmlns:r="http://schemas.openxmlformats.org/officeDocument/2006/relationships" xmlns:p="http://schemas.openxmlformats.org/presentationml/2006/main">
+  <p:cSld>
+    <p:spTree>
+      <p:nvGrpSpPr>
+        <p:cNvPr id="1" name=""/>
+        <p:cNvGrpSpPr/>
+        <p:nvPr/>
+      </p:nvGrpSpPr>
+      <p:grpSpPr>
+        <a:xfrm>
+          <a:off x="0" y="0"/>
+          <a:ext cx="0" cy="0"/>
+          <a:chOff x="0" y="0"/>
+          <a:chExt cx="0" cy="0"/>
+        </a:xfrm>
+      </p:grpSpPr>
+      <p:sp>
+        <p:nvSpPr>
+          <p:cNvPr id="2" name="Title 1">
+            <a:extLst>
+              <a:ext uri="{FF2B5EF4-FFF2-40B4-BE49-F238E27FC236}">
+                <a16:creationId xmlns:a16="http://schemas.microsoft.com/office/drawing/2014/main" id="{B968A892-FD79-44B7-A53F-C1E0E477DBF7}"/>
+              </a:ext>
+            </a:extLst>
+          </p:cNvPr>
+          <p:cNvSpPr>
+            <a:spLocks noGrp="1"/>
+          </p:cNvSpPr>
+          <p:nvPr>
+            <p:ph type="title"/>
+          </p:nvPr>
+        </p:nvSpPr>
+        <p:spPr/>
+        <p:txBody>
+          <a:bodyPr/>
+          <a:lstStyle/>
+          <a:p>
+            <a:r>
+              <a:rPr lang="en-US" dirty="0" err="1"/>
+              <a:t>Multumesc</a:t>
+            </a:r>
+            <a:r>
+              <a:rPr lang="en-US" dirty="0"/>
+              <a:t> </a:t>
+            </a:r>
+            <a:r>
+              <a:rPr lang="en-US" dirty="0" err="1"/>
+              <a:t>pentru</a:t>
+            </a:r>
+            <a:r>
+              <a:rPr lang="en-US" dirty="0"/>
+              <a:t> </a:t>
+            </a:r>
+            <a:r>
+              <a:rPr lang="en-US" dirty="0" err="1"/>
+              <a:t>atentie</a:t>
+            </a:r>
+            <a:endParaRPr lang="en-US" dirty="0"/>
+          </a:p>
+        </p:txBody>
+      </p:sp>
+      <p:sp>
+        <p:nvSpPr>
+          <p:cNvPr id="3" name="Content Placeholder 2">
+            <a:extLst>
+              <a:ext uri="{FF2B5EF4-FFF2-40B4-BE49-F238E27FC236}">
+                <a16:creationId xmlns:a16="http://schemas.microsoft.com/office/drawing/2014/main" id="{942ACE07-6E2B-40DC-8FF3-AA9D099FA488}"/>
+              </a:ext>
+            </a:extLst>
+          </p:cNvPr>
+          <p:cNvSpPr>
+            <a:spLocks noGrp="1"/>
+          </p:cNvSpPr>
+          <p:nvPr>
+            <p:ph idx="1"/>
+          </p:nvPr>
+        </p:nvSpPr>
+        <p:spPr/>
+        <p:txBody>
+          <a:bodyPr/>
+          <a:lstStyle/>
+          <a:p>
+            <a:pPr marL="0" indent="0" algn="ctr">
+              <a:buNone/>
+            </a:pPr>
+            <a:r>
+              <a:rPr lang="en-US" dirty="0" err="1"/>
+              <a:t>Intrebari</a:t>
+            </a:r>
+            <a:r>
+              <a:rPr lang="en-US" dirty="0"/>
+              <a:t>?</a:t>
+            </a:r>
+          </a:p>
+          <a:p>
+            <a:pPr marL="0" indent="0">
+              <a:buNone/>
+            </a:pPr>
+            <a:endParaRPr lang="en-US" dirty="0"/>
+          </a:p>
+        </p:txBody>
+      </p:sp>
+    </p:spTree>
+    <p:extLst>
+      <p:ext uri="{BB962C8B-B14F-4D97-AF65-F5344CB8AC3E}">
+        <p14:creationId xmlns:p14="http://schemas.microsoft.com/office/powerpoint/2010/main" val="3130575500"/>
+      </p:ext>
+    </p:extLst>
+  </p:cSld>
+  <p:clrMapOvr>
+    <a:masterClrMapping/>
+  </p:clrMapOvr>
+</p:sld>
+</file>
+
 <file path=ppt/slides/slide2.xml><?xml version="1.0" encoding="utf-8"?>
 <p:sld xmlns:a="http://schemas.openxmlformats.org/drawingml/2006/main" xmlns:r="http://schemas.openxmlformats.org/officeDocument/2006/relationships" xmlns:p="http://schemas.openxmlformats.org/presentationml/2006/main">
   <p:cSld>
@@ -5035,82 +5128,14 @@
           </a:p>
           <a:p>
             <a:r>
-              <a:rPr lang="en-US" dirty="0" err="1"/>
-              <a:t>Poate</a:t>
-            </a:r>
-            <a:r>
-              <a:rPr lang="en-US" dirty="0"/>
-              <a:t> fi </a:t>
-            </a:r>
-            <a:r>
-              <a:rPr lang="en-US" dirty="0" err="1"/>
-              <a:t>folosita</a:t>
-            </a:r>
-            <a:r>
-              <a:rPr lang="en-US" dirty="0"/>
-              <a:t> </a:t>
-            </a:r>
-            <a:r>
-              <a:rPr lang="en-US" dirty="0" err="1"/>
-              <a:t>si</a:t>
-            </a:r>
-            <a:r>
-              <a:rPr lang="en-US" dirty="0"/>
-              <a:t> </a:t>
-            </a:r>
-            <a:r>
-              <a:rPr lang="en-US" dirty="0" err="1"/>
-              <a:t>pentru</a:t>
-            </a:r>
-            <a:r>
-              <a:rPr lang="en-US" dirty="0"/>
-              <a:t> o </a:t>
-            </a:r>
-            <a:r>
-              <a:rPr lang="en-US" dirty="0" err="1"/>
-              <a:t>singura</a:t>
-            </a:r>
-            <a:r>
-              <a:rPr lang="en-US" dirty="0"/>
-              <a:t> </a:t>
-            </a:r>
-            <a:r>
-              <a:rPr lang="en-US" dirty="0" err="1"/>
-              <a:t>utilizare</a:t>
-            </a:r>
-            <a:r>
-              <a:rPr lang="en-US" dirty="0"/>
-              <a:t> din </a:t>
-            </a:r>
-            <a:r>
-              <a:rPr lang="en-US" dirty="0" err="1"/>
-              <a:t>pricina</a:t>
-            </a:r>
-            <a:r>
-              <a:rPr lang="en-US" dirty="0"/>
-              <a:t> </a:t>
-            </a:r>
-            <a:r>
-              <a:rPr lang="en-US" dirty="0" err="1"/>
-              <a:t>datelor</a:t>
-            </a:r>
-            <a:r>
-              <a:rPr lang="en-US" dirty="0"/>
-              <a:t> cu </a:t>
-            </a:r>
-            <a:r>
-              <a:rPr lang="en-US" dirty="0" err="1"/>
-              <a:t>caracter</a:t>
-            </a:r>
-            <a:r>
-              <a:rPr lang="en-US" dirty="0"/>
-              <a:t> public</a:t>
-            </a:r>
-          </a:p>
-          <a:p>
-            <a:r>
-              <a:rPr lang="en-US" dirty="0" err="1"/>
-              <a:t>Orice</a:t>
+              <a:rPr lang="it-IT" dirty="0"/>
+              <a:t>poate fi folosita asupra postarilor reddit publice</a:t>
+            </a:r>
+          </a:p>
+          <a:p>
+            <a:r>
+              <a:rPr lang="en-US" dirty="0" err="1"/>
+              <a:t>Oricine</a:t>
             </a:r>
             <a:r>
               <a:rPr lang="en-US" dirty="0"/>
@@ -5580,9 +5605,12 @@
             </a:r>
             <a:r>
               <a:rPr lang="en-US" dirty="0" err="1"/>
-              <a:t>controalere</a:t>
-            </a:r>
-            <a:endParaRPr lang="en-US" dirty="0"/>
+              <a:t>obiecte</a:t>
+            </a:r>
+            <a:r>
+              <a:rPr lang="en-US" dirty="0"/>
+              <a:t> de tip controller</a:t>
+            </a:r>
           </a:p>
           <a:p>
             <a:pPr lvl="2"/>
@@ -5774,7 +5802,7 @@
             </a:r>
             <a:r>
               <a:rPr lang="en-US" dirty="0" err="1"/>
-              <a:t>acesta</a:t>
+              <a:t>domeniu</a:t>
             </a:r>
             <a:endParaRPr lang="en-US" dirty="0"/>
           </a:p>
@@ -6174,6 +6202,13 @@
                   <a:rPr lang="en-US" dirty="0"/>
                   <a:t>(self-organizing map)</a:t>
                 </a:r>
+              </a:p>
+              <a:p>
+                <a:pPr>
+                  <a:buFont typeface="Wingdings" panose="05000000000000000000" pitchFamily="2" charset="2"/>
+                  <a:buChar char="Ø"/>
+                </a:pPr>
+                <a:endParaRPr lang="en-US" dirty="0"/>
               </a:p>
               <a:p>
                 <a:pPr lvl="1"/>
@@ -6270,7 +6305,9 @@
                     <m:f>
                       <m:fPr>
                         <m:ctrlPr>
-                          <a:rPr lang="en-US" i="1"/>
+                          <a:rPr lang="en-US" i="1">
+                            <a:latin typeface="Cambria Math" panose="02040503050406030204" pitchFamily="18" charset="0"/>
+                          </a:rPr>
                         </m:ctrlPr>
                       </m:fPr>
                       <m:num>
@@ -6279,74 +6316,100 @@
                             <m:chr m:val="∑"/>
                             <m:limLoc m:val="undOvr"/>
                             <m:ctrlPr>
-                              <a:rPr lang="en-US" i="1"/>
+                              <a:rPr lang="en-US" i="1">
+                                <a:latin typeface="Cambria Math" panose="02040503050406030204" pitchFamily="18" charset="0"/>
+                              </a:rPr>
                             </m:ctrlPr>
                           </m:naryPr>
                           <m:sub>
                             <m:r>
-                              <a:rPr lang="en-US" i="1"/>
+                              <a:rPr lang="en-US" i="1">
+                                <a:latin typeface="Cambria Math" panose="02040503050406030204" pitchFamily="18" charset="0"/>
+                              </a:rPr>
                               <m:t>𝑖</m:t>
                             </m:r>
                             <m:r>
-                              <a:rPr lang="en-US" i="1"/>
+                              <a:rPr lang="en-US" i="1">
+                                <a:latin typeface="Cambria Math" panose="02040503050406030204" pitchFamily="18" charset="0"/>
+                              </a:rPr>
                               <m:t>=0</m:t>
                             </m:r>
                           </m:sub>
                           <m:sup>
                             <m:r>
-                              <a:rPr lang="en-US" i="1"/>
+                              <a:rPr lang="en-US" i="1">
+                                <a:latin typeface="Cambria Math" panose="02040503050406030204" pitchFamily="18" charset="0"/>
+                              </a:rPr>
                               <m:t>𝑛</m:t>
                             </m:r>
                           </m:sup>
                           <m:e>
                             <m:r>
-                              <a:rPr lang="en-US" i="1"/>
+                              <a:rPr lang="en-US" i="1">
+                                <a:latin typeface="Cambria Math" panose="02040503050406030204" pitchFamily="18" charset="0"/>
+                              </a:rPr>
                               <m:t>|</m:t>
                             </m:r>
                             <m:sSub>
                               <m:sSubPr>
                                 <m:ctrlPr>
-                                  <a:rPr lang="en-US" i="1"/>
+                                  <a:rPr lang="en-US" i="1">
+                                    <a:latin typeface="Cambria Math" panose="02040503050406030204" pitchFamily="18" charset="0"/>
+                                  </a:rPr>
                                 </m:ctrlPr>
                               </m:sSubPr>
                               <m:e>
                                 <m:r>
-                                  <a:rPr lang="en-US" i="1"/>
+                                  <a:rPr lang="en-US" i="1">
+                                    <a:latin typeface="Cambria Math" panose="02040503050406030204" pitchFamily="18" charset="0"/>
+                                  </a:rPr>
                                   <m:t>𝑝</m:t>
                                 </m:r>
                               </m:e>
                               <m:sub>
                                 <m:r>
-                                  <a:rPr lang="en-US" i="1"/>
+                                  <a:rPr lang="en-US" i="1">
+                                    <a:latin typeface="Cambria Math" panose="02040503050406030204" pitchFamily="18" charset="0"/>
+                                  </a:rPr>
                                   <m:t>𝑖</m:t>
                                 </m:r>
                               </m:sub>
                             </m:sSub>
                             <m:r>
-                              <a:rPr lang="en-US" i="1"/>
+                              <a:rPr lang="en-US" i="1">
+                                <a:latin typeface="Cambria Math" panose="02040503050406030204" pitchFamily="18" charset="0"/>
+                              </a:rPr>
                               <m:t>−</m:t>
                             </m:r>
                             <m:sSub>
                               <m:sSubPr>
                                 <m:ctrlPr>
-                                  <a:rPr lang="en-US" i="1"/>
+                                  <a:rPr lang="en-US" i="1">
+                                    <a:latin typeface="Cambria Math" panose="02040503050406030204" pitchFamily="18" charset="0"/>
+                                  </a:rPr>
                                 </m:ctrlPr>
                               </m:sSubPr>
                               <m:e>
                                 <m:r>
-                                  <a:rPr lang="en-US" i="1"/>
+                                  <a:rPr lang="en-US" i="1">
+                                    <a:latin typeface="Cambria Math" panose="02040503050406030204" pitchFamily="18" charset="0"/>
+                                  </a:rPr>
                                   <m:t>𝑞</m:t>
                                 </m:r>
                               </m:e>
                               <m:sub>
                                 <m:r>
-                                  <a:rPr lang="en-US" i="1"/>
+                                  <a:rPr lang="en-US" i="1">
+                                    <a:latin typeface="Cambria Math" panose="02040503050406030204" pitchFamily="18" charset="0"/>
+                                  </a:rPr>
                                   <m:t>𝑖</m:t>
                                 </m:r>
                               </m:sub>
                             </m:sSub>
                             <m:r>
-                              <a:rPr lang="en-US" i="1"/>
+                              <a:rPr lang="en-US" i="1">
+                                <a:latin typeface="Cambria Math" panose="02040503050406030204" pitchFamily="18" charset="0"/>
+                              </a:rPr>
                               <m:t>|</m:t>
                             </m:r>
                           </m:e>
@@ -6358,74 +6421,100 @@
                             <m:chr m:val="∑"/>
                             <m:limLoc m:val="undOvr"/>
                             <m:ctrlPr>
-                              <a:rPr lang="en-US" i="1"/>
+                              <a:rPr lang="en-US" i="1">
+                                <a:latin typeface="Cambria Math" panose="02040503050406030204" pitchFamily="18" charset="0"/>
+                              </a:rPr>
                             </m:ctrlPr>
                           </m:naryPr>
                           <m:sub>
                             <m:r>
-                              <a:rPr lang="en-US" i="1"/>
+                              <a:rPr lang="en-US" i="1">
+                                <a:latin typeface="Cambria Math" panose="02040503050406030204" pitchFamily="18" charset="0"/>
+                              </a:rPr>
                               <m:t>𝑖</m:t>
                             </m:r>
                             <m:r>
-                              <a:rPr lang="en-US" i="1"/>
+                              <a:rPr lang="en-US" i="1">
+                                <a:latin typeface="Cambria Math" panose="02040503050406030204" pitchFamily="18" charset="0"/>
+                              </a:rPr>
                               <m:t>=0</m:t>
                             </m:r>
                           </m:sub>
                           <m:sup>
                             <m:r>
-                              <a:rPr lang="en-US" i="1"/>
+                              <a:rPr lang="en-US" i="1">
+                                <a:latin typeface="Cambria Math" panose="02040503050406030204" pitchFamily="18" charset="0"/>
+                              </a:rPr>
                               <m:t>𝑛</m:t>
                             </m:r>
                           </m:sup>
                           <m:e>
                             <m:r>
-                              <a:rPr lang="en-US" i="1"/>
+                              <a:rPr lang="en-US" i="1">
+                                <a:latin typeface="Cambria Math" panose="02040503050406030204" pitchFamily="18" charset="0"/>
+                              </a:rPr>
                               <m:t>(</m:t>
                             </m:r>
                             <m:sSub>
                               <m:sSubPr>
                                 <m:ctrlPr>
-                                  <a:rPr lang="en-US" i="1"/>
+                                  <a:rPr lang="en-US" i="1">
+                                    <a:latin typeface="Cambria Math" panose="02040503050406030204" pitchFamily="18" charset="0"/>
+                                  </a:rPr>
                                 </m:ctrlPr>
                               </m:sSubPr>
                               <m:e>
                                 <m:r>
-                                  <a:rPr lang="en-US" i="1"/>
+                                  <a:rPr lang="en-US" i="1">
+                                    <a:latin typeface="Cambria Math" panose="02040503050406030204" pitchFamily="18" charset="0"/>
+                                  </a:rPr>
                                   <m:t>𝑝</m:t>
                                 </m:r>
                               </m:e>
                               <m:sub>
                                 <m:r>
-                                  <a:rPr lang="en-US" i="1"/>
+                                  <a:rPr lang="en-US" i="1">
+                                    <a:latin typeface="Cambria Math" panose="02040503050406030204" pitchFamily="18" charset="0"/>
+                                  </a:rPr>
                                   <m:t>𝑖</m:t>
                                 </m:r>
                               </m:sub>
                             </m:sSub>
                             <m:r>
-                              <a:rPr lang="en-US" i="1"/>
+                              <a:rPr lang="en-US" i="1">
+                                <a:latin typeface="Cambria Math" panose="02040503050406030204" pitchFamily="18" charset="0"/>
+                              </a:rPr>
                               <m:t>+</m:t>
                             </m:r>
                             <m:sSub>
                               <m:sSubPr>
                                 <m:ctrlPr>
-                                  <a:rPr lang="en-US" i="1"/>
+                                  <a:rPr lang="en-US" i="1">
+                                    <a:latin typeface="Cambria Math" panose="02040503050406030204" pitchFamily="18" charset="0"/>
+                                  </a:rPr>
                                 </m:ctrlPr>
                               </m:sSubPr>
                               <m:e>
                                 <m:r>
-                                  <a:rPr lang="en-US" i="1"/>
+                                  <a:rPr lang="en-US" i="1">
+                                    <a:latin typeface="Cambria Math" panose="02040503050406030204" pitchFamily="18" charset="0"/>
+                                  </a:rPr>
                                   <m:t>𝑞</m:t>
                                 </m:r>
                               </m:e>
                               <m:sub>
                                 <m:r>
-                                  <a:rPr lang="en-US" i="1"/>
+                                  <a:rPr lang="en-US" i="1">
+                                    <a:latin typeface="Cambria Math" panose="02040503050406030204" pitchFamily="18" charset="0"/>
+                                  </a:rPr>
                                   <m:t>𝑖</m:t>
                                 </m:r>
                               </m:sub>
                             </m:sSub>
                             <m:r>
-                              <a:rPr lang="en-US" i="1"/>
+                              <a:rPr lang="en-US" i="1">
+                                <a:latin typeface="Cambria Math" panose="02040503050406030204" pitchFamily="18" charset="0"/>
+                              </a:rPr>
                               <m:t>)</m:t>
                             </m:r>
                           </m:e>
@@ -6440,7 +6529,11 @@
                 <a:pPr lvl="1"/>
                 <a:r>
                   <a:rPr lang="it-IT" dirty="0"/>
-                  <a:t>Ofera predictii si recomandari pentru utilizatori in fuctie de pozitia in retea, retea reprezentata ca o matrice de 100 * 100</a:t>
+                  <a:t>Ofera predictii si recomandari pentru utilizatori in fuctie de pozitia in retea, </a:t>
+                </a:r>
+                <a:r>
+                  <a:rPr lang="pt-BR" dirty="0"/>
+                  <a:t>retea reprezentata printr-o matrice de 100 * 100</a:t>
                 </a:r>
                 <a:endParaRPr lang="en-US" dirty="0"/>
               </a:p>

--- a/Licenta2019UrsuCristian-Andrei/RCruncher.pptx
+++ b/Licenta2019UrsuCristian-Andrei/RCruncher.pptx
@@ -2,7 +2,7 @@
 <file path=ppt/presentation.xml><?xml version="1.0" encoding="utf-8"?>
 <p:presentation xmlns:a="http://schemas.openxmlformats.org/drawingml/2006/main" xmlns:r="http://schemas.openxmlformats.org/officeDocument/2006/relationships" xmlns:p="http://schemas.openxmlformats.org/presentationml/2006/main" saveSubsetFonts="1">
   <p:sldMasterIdLst>
-    <p:sldMasterId id="2147483648" r:id="rId1"/>
+    <p:sldMasterId id="2147483660" r:id="rId1"/>
   </p:sldMasterIdLst>
   <p:sldIdLst>
     <p:sldId id="256" r:id="rId2"/>
@@ -27,7 +27,7 @@
     <a:defPPr>
       <a:defRPr lang="en-US"/>
     </a:defPPr>
-    <a:lvl1pPr marL="0" algn="l" defTabSz="914400" rtl="0" eaLnBrk="1" latinLnBrk="0" hangingPunct="1">
+    <a:lvl1pPr marL="0" algn="l" defTabSz="457200" rtl="0" eaLnBrk="1" latinLnBrk="0" hangingPunct="1">
       <a:defRPr sz="1800" kern="1200">
         <a:solidFill>
           <a:schemeClr val="tx1"/>
@@ -37,7 +37,7 @@
         <a:cs typeface="+mn-cs"/>
       </a:defRPr>
     </a:lvl1pPr>
-    <a:lvl2pPr marL="457200" algn="l" defTabSz="914400" rtl="0" eaLnBrk="1" latinLnBrk="0" hangingPunct="1">
+    <a:lvl2pPr marL="457200" algn="l" defTabSz="457200" rtl="0" eaLnBrk="1" latinLnBrk="0" hangingPunct="1">
       <a:defRPr sz="1800" kern="1200">
         <a:solidFill>
           <a:schemeClr val="tx1"/>
@@ -47,7 +47,7 @@
         <a:cs typeface="+mn-cs"/>
       </a:defRPr>
     </a:lvl2pPr>
-    <a:lvl3pPr marL="914400" algn="l" defTabSz="914400" rtl="0" eaLnBrk="1" latinLnBrk="0" hangingPunct="1">
+    <a:lvl3pPr marL="914400" algn="l" defTabSz="457200" rtl="0" eaLnBrk="1" latinLnBrk="0" hangingPunct="1">
       <a:defRPr sz="1800" kern="1200">
         <a:solidFill>
           <a:schemeClr val="tx1"/>
@@ -57,7 +57,7 @@
         <a:cs typeface="+mn-cs"/>
       </a:defRPr>
     </a:lvl3pPr>
-    <a:lvl4pPr marL="1371600" algn="l" defTabSz="914400" rtl="0" eaLnBrk="1" latinLnBrk="0" hangingPunct="1">
+    <a:lvl4pPr marL="1371600" algn="l" defTabSz="457200" rtl="0" eaLnBrk="1" latinLnBrk="0" hangingPunct="1">
       <a:defRPr sz="1800" kern="1200">
         <a:solidFill>
           <a:schemeClr val="tx1"/>
@@ -67,7 +67,7 @@
         <a:cs typeface="+mn-cs"/>
       </a:defRPr>
     </a:lvl4pPr>
-    <a:lvl5pPr marL="1828800" algn="l" defTabSz="914400" rtl="0" eaLnBrk="1" latinLnBrk="0" hangingPunct="1">
+    <a:lvl5pPr marL="1828800" algn="l" defTabSz="457200" rtl="0" eaLnBrk="1" latinLnBrk="0" hangingPunct="1">
       <a:defRPr sz="1800" kern="1200">
         <a:solidFill>
           <a:schemeClr val="tx1"/>
@@ -77,7 +77,7 @@
         <a:cs typeface="+mn-cs"/>
       </a:defRPr>
     </a:lvl5pPr>
-    <a:lvl6pPr marL="2286000" algn="l" defTabSz="914400" rtl="0" eaLnBrk="1" latinLnBrk="0" hangingPunct="1">
+    <a:lvl6pPr marL="2286000" algn="l" defTabSz="457200" rtl="0" eaLnBrk="1" latinLnBrk="0" hangingPunct="1">
       <a:defRPr sz="1800" kern="1200">
         <a:solidFill>
           <a:schemeClr val="tx1"/>
@@ -87,7 +87,7 @@
         <a:cs typeface="+mn-cs"/>
       </a:defRPr>
     </a:lvl6pPr>
-    <a:lvl7pPr marL="2743200" algn="l" defTabSz="914400" rtl="0" eaLnBrk="1" latinLnBrk="0" hangingPunct="1">
+    <a:lvl7pPr marL="2743200" algn="l" defTabSz="457200" rtl="0" eaLnBrk="1" latinLnBrk="0" hangingPunct="1">
       <a:defRPr sz="1800" kern="1200">
         <a:solidFill>
           <a:schemeClr val="tx1"/>
@@ -97,7 +97,7 @@
         <a:cs typeface="+mn-cs"/>
       </a:defRPr>
     </a:lvl7pPr>
-    <a:lvl8pPr marL="3200400" algn="l" defTabSz="914400" rtl="0" eaLnBrk="1" latinLnBrk="0" hangingPunct="1">
+    <a:lvl8pPr marL="3200400" algn="l" defTabSz="457200" rtl="0" eaLnBrk="1" latinLnBrk="0" hangingPunct="1">
       <a:defRPr sz="1800" kern="1200">
         <a:solidFill>
           <a:schemeClr val="tx1"/>
@@ -107,7 +107,7 @@
         <a:cs typeface="+mn-cs"/>
       </a:defRPr>
     </a:lvl8pPr>
-    <a:lvl9pPr marL="3657600" algn="l" defTabSz="914400" rtl="0" eaLnBrk="1" latinLnBrk="0" hangingPunct="1">
+    <a:lvl9pPr marL="3657600" algn="l" defTabSz="457200" rtl="0" eaLnBrk="1" latinLnBrk="0" hangingPunct="1">
       <a:defRPr sz="1800" kern="1200">
         <a:solidFill>
           <a:schemeClr val="tx1"/>
@@ -145,13 +145,7 @@
       </p:grpSpPr>
       <p:sp>
         <p:nvSpPr>
-          <p:cNvPr id="2" name="Title 1">
-            <a:extLst>
-              <a:ext uri="{FF2B5EF4-FFF2-40B4-BE49-F238E27FC236}">
-                <a16:creationId xmlns:a16="http://schemas.microsoft.com/office/drawing/2014/main" id="{C62E1DF7-9B85-43D3-A927-053D2C40C932}"/>
-              </a:ext>
-            </a:extLst>
-          </p:cNvPr>
+          <p:cNvPr id="2" name="Title 1"/>
           <p:cNvSpPr>
             <a:spLocks noGrp="1"/>
           </p:cNvSpPr>
@@ -161,15 +155,15 @@
         </p:nvSpPr>
         <p:spPr>
           <a:xfrm>
-            <a:off x="1524000" y="1122363"/>
-            <a:ext cx="9144000" cy="2387600"/>
+            <a:off x="1154955" y="1447800"/>
+            <a:ext cx="8825658" cy="3329581"/>
           </a:xfrm>
         </p:spPr>
         <p:txBody>
           <a:bodyPr anchor="b"/>
           <a:lstStyle>
-            <a:lvl1pPr algn="ctr">
-              <a:defRPr sz="6000"/>
+            <a:lvl1pPr>
+              <a:defRPr sz="7200"/>
             </a:lvl1pPr>
           </a:lstStyle>
           <a:p>
@@ -177,18 +171,13 @@
               <a:rPr lang="en-US"/>
               <a:t>Click to edit Master title style</a:t>
             </a:r>
-          </a:p>
-        </p:txBody>
-      </p:sp>
-      <p:sp>
-        <p:nvSpPr>
-          <p:cNvPr id="3" name="Subtitle 2">
-            <a:extLst>
-              <a:ext uri="{FF2B5EF4-FFF2-40B4-BE49-F238E27FC236}">
-                <a16:creationId xmlns:a16="http://schemas.microsoft.com/office/drawing/2014/main" id="{7F38D35C-8926-4D24-90D6-F3ECCE729CC2}"/>
-              </a:ext>
-            </a:extLst>
-          </p:cNvPr>
+            <a:endParaRPr lang="en-US" dirty="0"/>
+          </a:p>
+        </p:txBody>
+      </p:sp>
+      <p:sp>
+        <p:nvSpPr>
+          <p:cNvPr id="3" name="Subtitle 2"/>
           <p:cNvSpPr>
             <a:spLocks noGrp="1"/>
           </p:cNvSpPr>
@@ -198,48 +187,103 @@
         </p:nvSpPr>
         <p:spPr>
           <a:xfrm>
-            <a:off x="1524000" y="3602038"/>
-            <a:ext cx="9144000" cy="1655762"/>
+            <a:off x="1154955" y="4777380"/>
+            <a:ext cx="8825658" cy="861420"/>
           </a:xfrm>
         </p:spPr>
         <p:txBody>
-          <a:bodyPr/>
+          <a:bodyPr anchor="t"/>
           <a:lstStyle>
-            <a:lvl1pPr marL="0" indent="0" algn="ctr">
-              <a:buNone/>
-              <a:defRPr sz="2400"/>
+            <a:lvl1pPr marL="0" indent="0" algn="l">
+              <a:buNone/>
+              <a:defRPr cap="all">
+                <a:solidFill>
+                  <a:schemeClr val="bg2">
+                    <a:lumMod val="40000"/>
+                    <a:lumOff val="60000"/>
+                  </a:schemeClr>
+                </a:solidFill>
+              </a:defRPr>
             </a:lvl1pPr>
             <a:lvl2pPr marL="457200" indent="0" algn="ctr">
               <a:buNone/>
-              <a:defRPr sz="2000"/>
+              <a:defRPr>
+                <a:solidFill>
+                  <a:schemeClr val="tx1">
+                    <a:tint val="75000"/>
+                  </a:schemeClr>
+                </a:solidFill>
+              </a:defRPr>
             </a:lvl2pPr>
             <a:lvl3pPr marL="914400" indent="0" algn="ctr">
               <a:buNone/>
-              <a:defRPr sz="1800"/>
+              <a:defRPr>
+                <a:solidFill>
+                  <a:schemeClr val="tx1">
+                    <a:tint val="75000"/>
+                  </a:schemeClr>
+                </a:solidFill>
+              </a:defRPr>
             </a:lvl3pPr>
             <a:lvl4pPr marL="1371600" indent="0" algn="ctr">
               <a:buNone/>
-              <a:defRPr sz="1600"/>
+              <a:defRPr>
+                <a:solidFill>
+                  <a:schemeClr val="tx1">
+                    <a:tint val="75000"/>
+                  </a:schemeClr>
+                </a:solidFill>
+              </a:defRPr>
             </a:lvl4pPr>
             <a:lvl5pPr marL="1828800" indent="0" algn="ctr">
               <a:buNone/>
-              <a:defRPr sz="1600"/>
+              <a:defRPr>
+                <a:solidFill>
+                  <a:schemeClr val="tx1">
+                    <a:tint val="75000"/>
+                  </a:schemeClr>
+                </a:solidFill>
+              </a:defRPr>
             </a:lvl5pPr>
             <a:lvl6pPr marL="2286000" indent="0" algn="ctr">
               <a:buNone/>
-              <a:defRPr sz="1600"/>
+              <a:defRPr>
+                <a:solidFill>
+                  <a:schemeClr val="tx1">
+                    <a:tint val="75000"/>
+                  </a:schemeClr>
+                </a:solidFill>
+              </a:defRPr>
             </a:lvl6pPr>
             <a:lvl7pPr marL="2743200" indent="0" algn="ctr">
               <a:buNone/>
-              <a:defRPr sz="1600"/>
+              <a:defRPr>
+                <a:solidFill>
+                  <a:schemeClr val="tx1">
+                    <a:tint val="75000"/>
+                  </a:schemeClr>
+                </a:solidFill>
+              </a:defRPr>
             </a:lvl7pPr>
             <a:lvl8pPr marL="3200400" indent="0" algn="ctr">
               <a:buNone/>
-              <a:defRPr sz="1600"/>
+              <a:defRPr>
+                <a:solidFill>
+                  <a:schemeClr val="tx1">
+                    <a:tint val="75000"/>
+                  </a:schemeClr>
+                </a:solidFill>
+              </a:defRPr>
             </a:lvl8pPr>
             <a:lvl9pPr marL="3657600" indent="0" algn="ctr">
               <a:buNone/>
-              <a:defRPr sz="1600"/>
+              <a:defRPr>
+                <a:solidFill>
+                  <a:schemeClr val="tx1">
+                    <a:tint val="75000"/>
+                  </a:schemeClr>
+                </a:solidFill>
+              </a:defRPr>
             </a:lvl9pPr>
           </a:lstStyle>
           <a:p>
@@ -247,18 +291,13 @@
               <a:rPr lang="en-US"/>
               <a:t>Click to edit Master subtitle style</a:t>
             </a:r>
-          </a:p>
-        </p:txBody>
-      </p:sp>
-      <p:sp>
-        <p:nvSpPr>
-          <p:cNvPr id="4" name="Date Placeholder 3">
-            <a:extLst>
-              <a:ext uri="{FF2B5EF4-FFF2-40B4-BE49-F238E27FC236}">
-                <a16:creationId xmlns:a16="http://schemas.microsoft.com/office/drawing/2014/main" id="{3471A350-F867-4658-BC1A-B84472BD0C66}"/>
-              </a:ext>
-            </a:extLst>
-          </p:cNvPr>
+            <a:endParaRPr lang="en-US" dirty="0"/>
+          </a:p>
+        </p:txBody>
+      </p:sp>
+      <p:sp>
+        <p:nvSpPr>
+          <p:cNvPr id="4" name="Date Placeholder 3"/>
           <p:cNvSpPr>
             <a:spLocks noGrp="1"/>
           </p:cNvSpPr>
@@ -281,13 +320,7 @@
       </p:sp>
       <p:sp>
         <p:nvSpPr>
-          <p:cNvPr id="5" name="Footer Placeholder 4">
-            <a:extLst>
-              <a:ext uri="{FF2B5EF4-FFF2-40B4-BE49-F238E27FC236}">
-                <a16:creationId xmlns:a16="http://schemas.microsoft.com/office/drawing/2014/main" id="{8B89D635-5D68-4760-80FB-2546AF60B175}"/>
-              </a:ext>
-            </a:extLst>
-          </p:cNvPr>
+          <p:cNvPr id="5" name="Footer Placeholder 4"/>
           <p:cNvSpPr>
             <a:spLocks noGrp="1"/>
           </p:cNvSpPr>
@@ -306,13 +339,7 @@
       </p:sp>
       <p:sp>
         <p:nvSpPr>
-          <p:cNvPr id="6" name="Slide Number Placeholder 5">
-            <a:extLst>
-              <a:ext uri="{FF2B5EF4-FFF2-40B4-BE49-F238E27FC236}">
-                <a16:creationId xmlns:a16="http://schemas.microsoft.com/office/drawing/2014/main" id="{61FE66AC-BA2F-4F86-B93E-49AFF8629A7B}"/>
-              </a:ext>
-            </a:extLst>
-          </p:cNvPr>
+          <p:cNvPr id="6" name="Slide Number Placeholder 5"/>
           <p:cNvSpPr>
             <a:spLocks noGrp="1"/>
           </p:cNvSpPr>
@@ -336,7 +363,7 @@
     </p:spTree>
     <p:extLst>
       <p:ext uri="{BB962C8B-B14F-4D97-AF65-F5344CB8AC3E}">
-        <p14:creationId xmlns:p14="http://schemas.microsoft.com/office/powerpoint/2010/main" val="1668033716"/>
+        <p14:creationId xmlns:p14="http://schemas.microsoft.com/office/powerpoint/2010/main" val="2285432092"/>
       </p:ext>
     </p:extLst>
   </p:cSld>
@@ -347,6 +374,2572 @@
 </file>
 
 <file path=ppt/slideLayouts/slideLayout10.xml><?xml version="1.0" encoding="utf-8"?>
+<p:sldLayout xmlns:a="http://schemas.openxmlformats.org/drawingml/2006/main" xmlns:r="http://schemas.openxmlformats.org/officeDocument/2006/relationships" xmlns:p="http://schemas.openxmlformats.org/presentationml/2006/main" preserve="1">
+  <p:cSld name="Panoramic Picture with Caption">
+    <p:spTree>
+      <p:nvGrpSpPr>
+        <p:cNvPr id="1" name=""/>
+        <p:cNvGrpSpPr/>
+        <p:nvPr/>
+      </p:nvGrpSpPr>
+      <p:grpSpPr>
+        <a:xfrm>
+          <a:off x="0" y="0"/>
+          <a:ext cx="0" cy="0"/>
+          <a:chOff x="0" y="0"/>
+          <a:chExt cx="0" cy="0"/>
+        </a:xfrm>
+      </p:grpSpPr>
+      <p:sp>
+        <p:nvSpPr>
+          <p:cNvPr id="2" name="Title 1"/>
+          <p:cNvSpPr>
+            <a:spLocks noGrp="1"/>
+          </p:cNvSpPr>
+          <p:nvPr>
+            <p:ph type="title"/>
+          </p:nvPr>
+        </p:nvSpPr>
+        <p:spPr>
+          <a:xfrm>
+            <a:off x="1154956" y="4800587"/>
+            <a:ext cx="8825657" cy="566738"/>
+          </a:xfrm>
+        </p:spPr>
+        <p:txBody>
+          <a:bodyPr anchor="b">
+            <a:normAutofit/>
+          </a:bodyPr>
+          <a:lstStyle>
+            <a:lvl1pPr algn="l">
+              <a:defRPr sz="2400" b="0"/>
+            </a:lvl1pPr>
+          </a:lstStyle>
+          <a:p>
+            <a:r>
+              <a:rPr lang="en-US"/>
+              <a:t>Click to edit Master title style</a:t>
+            </a:r>
+            <a:endParaRPr lang="en-US" dirty="0"/>
+          </a:p>
+        </p:txBody>
+      </p:sp>
+      <p:sp>
+        <p:nvSpPr>
+          <p:cNvPr id="3" name="Picture Placeholder 2"/>
+          <p:cNvSpPr>
+            <a:spLocks noGrp="1" noChangeAspect="1"/>
+          </p:cNvSpPr>
+          <p:nvPr>
+            <p:ph type="pic" idx="1"/>
+          </p:nvPr>
+        </p:nvSpPr>
+        <p:spPr>
+          <a:xfrm>
+            <a:off x="1154955" y="685800"/>
+            <a:ext cx="8825658" cy="3640666"/>
+          </a:xfrm>
+          <a:prstGeom prst="roundRect">
+            <a:avLst>
+              <a:gd name="adj" fmla="val 1858"/>
+            </a:avLst>
+          </a:prstGeom>
+          <a:effectLst>
+            <a:outerShdw blurRad="50800" dist="50800" dir="5400000" algn="tl" rotWithShape="0">
+              <a:srgbClr val="000000">
+                <a:alpha val="43000"/>
+              </a:srgbClr>
+            </a:outerShdw>
+          </a:effectLst>
+        </p:spPr>
+        <p:txBody>
+          <a:bodyPr anchor="t">
+            <a:normAutofit/>
+          </a:bodyPr>
+          <a:lstStyle>
+            <a:lvl1pPr marL="0" indent="0" algn="ctr">
+              <a:buNone/>
+              <a:defRPr sz="1600"/>
+            </a:lvl1pPr>
+            <a:lvl2pPr marL="457200" indent="0">
+              <a:buNone/>
+              <a:defRPr sz="1600"/>
+            </a:lvl2pPr>
+            <a:lvl3pPr marL="914400" indent="0">
+              <a:buNone/>
+              <a:defRPr sz="1600"/>
+            </a:lvl3pPr>
+            <a:lvl4pPr marL="1371600" indent="0">
+              <a:buNone/>
+              <a:defRPr sz="1600"/>
+            </a:lvl4pPr>
+            <a:lvl5pPr marL="1828800" indent="0">
+              <a:buNone/>
+              <a:defRPr sz="1600"/>
+            </a:lvl5pPr>
+            <a:lvl6pPr marL="2286000" indent="0">
+              <a:buNone/>
+              <a:defRPr sz="1600"/>
+            </a:lvl6pPr>
+            <a:lvl7pPr marL="2743200" indent="0">
+              <a:buNone/>
+              <a:defRPr sz="1600"/>
+            </a:lvl7pPr>
+            <a:lvl8pPr marL="3200400" indent="0">
+              <a:buNone/>
+              <a:defRPr sz="1600"/>
+            </a:lvl8pPr>
+            <a:lvl9pPr marL="3657600" indent="0">
+              <a:buNone/>
+              <a:defRPr sz="1600"/>
+            </a:lvl9pPr>
+          </a:lstStyle>
+          <a:p>
+            <a:r>
+              <a:rPr lang="en-US"/>
+              <a:t>Click icon to add picture</a:t>
+            </a:r>
+            <a:endParaRPr lang="en-US" dirty="0"/>
+          </a:p>
+        </p:txBody>
+      </p:sp>
+      <p:sp>
+        <p:nvSpPr>
+          <p:cNvPr id="4" name="Text Placeholder 3"/>
+          <p:cNvSpPr>
+            <a:spLocks noGrp="1"/>
+          </p:cNvSpPr>
+          <p:nvPr>
+            <p:ph type="body" sz="half" idx="2"/>
+          </p:nvPr>
+        </p:nvSpPr>
+        <p:spPr>
+          <a:xfrm>
+            <a:off x="1154956" y="5367325"/>
+            <a:ext cx="8825656" cy="493712"/>
+          </a:xfrm>
+        </p:spPr>
+        <p:txBody>
+          <a:bodyPr>
+            <a:normAutofit/>
+          </a:bodyPr>
+          <a:lstStyle>
+            <a:lvl1pPr marL="0" indent="0">
+              <a:buNone/>
+              <a:defRPr sz="1200"/>
+            </a:lvl1pPr>
+            <a:lvl2pPr marL="457200" indent="0">
+              <a:buNone/>
+              <a:defRPr sz="1200"/>
+            </a:lvl2pPr>
+            <a:lvl3pPr marL="914400" indent="0">
+              <a:buNone/>
+              <a:defRPr sz="1000"/>
+            </a:lvl3pPr>
+            <a:lvl4pPr marL="1371600" indent="0">
+              <a:buNone/>
+              <a:defRPr sz="900"/>
+            </a:lvl4pPr>
+            <a:lvl5pPr marL="1828800" indent="0">
+              <a:buNone/>
+              <a:defRPr sz="900"/>
+            </a:lvl5pPr>
+            <a:lvl6pPr marL="2286000" indent="0">
+              <a:buNone/>
+              <a:defRPr sz="900"/>
+            </a:lvl6pPr>
+            <a:lvl7pPr marL="2743200" indent="0">
+              <a:buNone/>
+              <a:defRPr sz="900"/>
+            </a:lvl7pPr>
+            <a:lvl8pPr marL="3200400" indent="0">
+              <a:buNone/>
+              <a:defRPr sz="900"/>
+            </a:lvl8pPr>
+            <a:lvl9pPr marL="3657600" indent="0">
+              <a:buNone/>
+              <a:defRPr sz="900"/>
+            </a:lvl9pPr>
+          </a:lstStyle>
+          <a:p>
+            <a:pPr lvl="0"/>
+            <a:r>
+              <a:rPr lang="en-US"/>
+              <a:t>Click to edit Master text styles</a:t>
+            </a:r>
+          </a:p>
+        </p:txBody>
+      </p:sp>
+      <p:sp>
+        <p:nvSpPr>
+          <p:cNvPr id="5" name="Date Placeholder 4"/>
+          <p:cNvSpPr>
+            <a:spLocks noGrp="1"/>
+          </p:cNvSpPr>
+          <p:nvPr>
+            <p:ph type="dt" sz="half" idx="10"/>
+          </p:nvPr>
+        </p:nvSpPr>
+        <p:spPr/>
+        <p:txBody>
+          <a:bodyPr/>
+          <a:lstStyle/>
+          <a:p>
+            <a:fld id="{FC11D2D4-B333-4FEB-8465-4F54198D0FD8}" type="datetimeFigureOut">
+              <a:rPr lang="en-US" smtClean="0"/>
+              <a:t>7/2/2019</a:t>
+            </a:fld>
+            <a:endParaRPr lang="en-US"/>
+          </a:p>
+        </p:txBody>
+      </p:sp>
+      <p:sp>
+        <p:nvSpPr>
+          <p:cNvPr id="6" name="Footer Placeholder 5"/>
+          <p:cNvSpPr>
+            <a:spLocks noGrp="1"/>
+          </p:cNvSpPr>
+          <p:nvPr>
+            <p:ph type="ftr" sz="quarter" idx="11"/>
+          </p:nvPr>
+        </p:nvSpPr>
+        <p:spPr/>
+        <p:txBody>
+          <a:bodyPr/>
+          <a:lstStyle/>
+          <a:p>
+            <a:endParaRPr lang="en-US"/>
+          </a:p>
+        </p:txBody>
+      </p:sp>
+      <p:sp>
+        <p:nvSpPr>
+          <p:cNvPr id="7" name="Slide Number Placeholder 6"/>
+          <p:cNvSpPr>
+            <a:spLocks noGrp="1"/>
+          </p:cNvSpPr>
+          <p:nvPr>
+            <p:ph type="sldNum" sz="quarter" idx="12"/>
+          </p:nvPr>
+        </p:nvSpPr>
+        <p:spPr/>
+        <p:txBody>
+          <a:bodyPr/>
+          <a:lstStyle/>
+          <a:p>
+            <a:fld id="{B160623F-A96C-4351-AFA3-101C55409E2D}" type="slidenum">
+              <a:rPr lang="en-US" smtClean="0"/>
+              <a:t>‹#›</a:t>
+            </a:fld>
+            <a:endParaRPr lang="en-US"/>
+          </a:p>
+        </p:txBody>
+      </p:sp>
+    </p:spTree>
+    <p:extLst>
+      <p:ext uri="{BB962C8B-B14F-4D97-AF65-F5344CB8AC3E}">
+        <p14:creationId xmlns:p14="http://schemas.microsoft.com/office/powerpoint/2010/main" val="275135713"/>
+      </p:ext>
+    </p:extLst>
+  </p:cSld>
+  <p:clrMapOvr>
+    <a:masterClrMapping/>
+  </p:clrMapOvr>
+</p:sldLayout>
+</file>
+
+<file path=ppt/slideLayouts/slideLayout11.xml><?xml version="1.0" encoding="utf-8"?>
+<p:sldLayout xmlns:a="http://schemas.openxmlformats.org/drawingml/2006/main" xmlns:r="http://schemas.openxmlformats.org/officeDocument/2006/relationships" xmlns:p="http://schemas.openxmlformats.org/presentationml/2006/main" preserve="1">
+  <p:cSld name="Title and Caption">
+    <p:spTree>
+      <p:nvGrpSpPr>
+        <p:cNvPr id="1" name=""/>
+        <p:cNvGrpSpPr/>
+        <p:nvPr/>
+      </p:nvGrpSpPr>
+      <p:grpSpPr>
+        <a:xfrm>
+          <a:off x="0" y="0"/>
+          <a:ext cx="0" cy="0"/>
+          <a:chOff x="0" y="0"/>
+          <a:chExt cx="0" cy="0"/>
+        </a:xfrm>
+      </p:grpSpPr>
+      <p:sp>
+        <p:nvSpPr>
+          <p:cNvPr id="2" name="Title 1"/>
+          <p:cNvSpPr>
+            <a:spLocks noGrp="1"/>
+          </p:cNvSpPr>
+          <p:nvPr>
+            <p:ph type="title"/>
+          </p:nvPr>
+        </p:nvSpPr>
+        <p:spPr>
+          <a:xfrm>
+            <a:off x="1154954" y="1447800"/>
+            <a:ext cx="8825659" cy="1981200"/>
+          </a:xfrm>
+        </p:spPr>
+        <p:txBody>
+          <a:bodyPr/>
+          <a:lstStyle>
+            <a:lvl1pPr>
+              <a:defRPr sz="4800"/>
+            </a:lvl1pPr>
+          </a:lstStyle>
+          <a:p>
+            <a:r>
+              <a:rPr lang="en-US"/>
+              <a:t>Click to edit Master title style</a:t>
+            </a:r>
+            <a:endParaRPr lang="en-US" dirty="0"/>
+          </a:p>
+        </p:txBody>
+      </p:sp>
+      <p:sp>
+        <p:nvSpPr>
+          <p:cNvPr id="8" name="Text Placeholder 3"/>
+          <p:cNvSpPr>
+            <a:spLocks noGrp="1"/>
+          </p:cNvSpPr>
+          <p:nvPr>
+            <p:ph type="body" sz="half" idx="2"/>
+          </p:nvPr>
+        </p:nvSpPr>
+        <p:spPr>
+          <a:xfrm>
+            <a:off x="1154954" y="3657600"/>
+            <a:ext cx="8825659" cy="2362200"/>
+          </a:xfrm>
+        </p:spPr>
+        <p:txBody>
+          <a:bodyPr anchor="ctr">
+            <a:normAutofit/>
+          </a:bodyPr>
+          <a:lstStyle>
+            <a:lvl1pPr marL="0" indent="0">
+              <a:buNone/>
+              <a:defRPr sz="1800"/>
+            </a:lvl1pPr>
+            <a:lvl2pPr marL="457200" indent="0">
+              <a:buNone/>
+              <a:defRPr sz="1200"/>
+            </a:lvl2pPr>
+            <a:lvl3pPr marL="914400" indent="0">
+              <a:buNone/>
+              <a:defRPr sz="1000"/>
+            </a:lvl3pPr>
+            <a:lvl4pPr marL="1371600" indent="0">
+              <a:buNone/>
+              <a:defRPr sz="900"/>
+            </a:lvl4pPr>
+            <a:lvl5pPr marL="1828800" indent="0">
+              <a:buNone/>
+              <a:defRPr sz="900"/>
+            </a:lvl5pPr>
+            <a:lvl6pPr marL="2286000" indent="0">
+              <a:buNone/>
+              <a:defRPr sz="900"/>
+            </a:lvl6pPr>
+            <a:lvl7pPr marL="2743200" indent="0">
+              <a:buNone/>
+              <a:defRPr sz="900"/>
+            </a:lvl7pPr>
+            <a:lvl8pPr marL="3200400" indent="0">
+              <a:buNone/>
+              <a:defRPr sz="900"/>
+            </a:lvl8pPr>
+            <a:lvl9pPr marL="3657600" indent="0">
+              <a:buNone/>
+              <a:defRPr sz="900"/>
+            </a:lvl9pPr>
+          </a:lstStyle>
+          <a:p>
+            <a:pPr lvl="0"/>
+            <a:r>
+              <a:rPr lang="en-US"/>
+              <a:t>Click to edit Master text styles</a:t>
+            </a:r>
+          </a:p>
+        </p:txBody>
+      </p:sp>
+      <p:sp>
+        <p:nvSpPr>
+          <p:cNvPr id="4" name="Date Placeholder 3"/>
+          <p:cNvSpPr>
+            <a:spLocks noGrp="1"/>
+          </p:cNvSpPr>
+          <p:nvPr>
+            <p:ph type="dt" sz="half" idx="10"/>
+          </p:nvPr>
+        </p:nvSpPr>
+        <p:spPr/>
+        <p:txBody>
+          <a:bodyPr/>
+          <a:lstStyle/>
+          <a:p>
+            <a:fld id="{FC11D2D4-B333-4FEB-8465-4F54198D0FD8}" type="datetimeFigureOut">
+              <a:rPr lang="en-US" smtClean="0"/>
+              <a:t>7/2/2019</a:t>
+            </a:fld>
+            <a:endParaRPr lang="en-US"/>
+          </a:p>
+        </p:txBody>
+      </p:sp>
+      <p:sp>
+        <p:nvSpPr>
+          <p:cNvPr id="5" name="Footer Placeholder 4"/>
+          <p:cNvSpPr>
+            <a:spLocks noGrp="1"/>
+          </p:cNvSpPr>
+          <p:nvPr>
+            <p:ph type="ftr" sz="quarter" idx="11"/>
+          </p:nvPr>
+        </p:nvSpPr>
+        <p:spPr/>
+        <p:txBody>
+          <a:bodyPr/>
+          <a:lstStyle/>
+          <a:p>
+            <a:endParaRPr lang="en-US"/>
+          </a:p>
+        </p:txBody>
+      </p:sp>
+      <p:sp>
+        <p:nvSpPr>
+          <p:cNvPr id="6" name="Slide Number Placeholder 5"/>
+          <p:cNvSpPr>
+            <a:spLocks noGrp="1"/>
+          </p:cNvSpPr>
+          <p:nvPr>
+            <p:ph type="sldNum" sz="quarter" idx="12"/>
+          </p:nvPr>
+        </p:nvSpPr>
+        <p:spPr/>
+        <p:txBody>
+          <a:bodyPr/>
+          <a:lstStyle/>
+          <a:p>
+            <a:fld id="{B160623F-A96C-4351-AFA3-101C55409E2D}" type="slidenum">
+              <a:rPr lang="en-US" smtClean="0"/>
+              <a:t>‹#›</a:t>
+            </a:fld>
+            <a:endParaRPr lang="en-US"/>
+          </a:p>
+        </p:txBody>
+      </p:sp>
+    </p:spTree>
+    <p:extLst>
+      <p:ext uri="{BB962C8B-B14F-4D97-AF65-F5344CB8AC3E}">
+        <p14:creationId xmlns:p14="http://schemas.microsoft.com/office/powerpoint/2010/main" val="657673838"/>
+      </p:ext>
+    </p:extLst>
+  </p:cSld>
+  <p:clrMapOvr>
+    <a:masterClrMapping/>
+  </p:clrMapOvr>
+</p:sldLayout>
+</file>
+
+<file path=ppt/slideLayouts/slideLayout12.xml><?xml version="1.0" encoding="utf-8"?>
+<p:sldLayout xmlns:a="http://schemas.openxmlformats.org/drawingml/2006/main" xmlns:r="http://schemas.openxmlformats.org/officeDocument/2006/relationships" xmlns:p="http://schemas.openxmlformats.org/presentationml/2006/main" preserve="1">
+  <p:cSld name="Quote with Caption">
+    <p:spTree>
+      <p:nvGrpSpPr>
+        <p:cNvPr id="1" name=""/>
+        <p:cNvGrpSpPr/>
+        <p:nvPr/>
+      </p:nvGrpSpPr>
+      <p:grpSpPr>
+        <a:xfrm>
+          <a:off x="0" y="0"/>
+          <a:ext cx="0" cy="0"/>
+          <a:chOff x="0" y="0"/>
+          <a:chExt cx="0" cy="0"/>
+        </a:xfrm>
+      </p:grpSpPr>
+      <p:sp>
+        <p:nvSpPr>
+          <p:cNvPr id="2" name="Title 1"/>
+          <p:cNvSpPr>
+            <a:spLocks noGrp="1"/>
+          </p:cNvSpPr>
+          <p:nvPr>
+            <p:ph type="title"/>
+          </p:nvPr>
+        </p:nvSpPr>
+        <p:spPr>
+          <a:xfrm>
+            <a:off x="1574801" y="1447800"/>
+            <a:ext cx="7999315" cy="2323374"/>
+          </a:xfrm>
+        </p:spPr>
+        <p:txBody>
+          <a:bodyPr/>
+          <a:lstStyle>
+            <a:lvl1pPr>
+              <a:defRPr sz="4800"/>
+            </a:lvl1pPr>
+          </a:lstStyle>
+          <a:p>
+            <a:r>
+              <a:rPr lang="en-US"/>
+              <a:t>Click to edit Master title style</a:t>
+            </a:r>
+            <a:endParaRPr lang="en-US" dirty="0"/>
+          </a:p>
+        </p:txBody>
+      </p:sp>
+      <p:sp>
+        <p:nvSpPr>
+          <p:cNvPr id="11" name="Text Placeholder 3"/>
+          <p:cNvSpPr>
+            <a:spLocks noGrp="1"/>
+          </p:cNvSpPr>
+          <p:nvPr>
+            <p:ph type="body" sz="half" idx="14"/>
+          </p:nvPr>
+        </p:nvSpPr>
+        <p:spPr>
+          <a:xfrm>
+            <a:off x="1930400" y="3771174"/>
+            <a:ext cx="7279649" cy="342174"/>
+          </a:xfrm>
+        </p:spPr>
+        <p:txBody>
+          <a:bodyPr vert="horz" lIns="91440" tIns="45720" rIns="91440" bIns="45720" rtlCol="0" anchor="t">
+            <a:normAutofit/>
+          </a:bodyPr>
+          <a:lstStyle>
+            <a:lvl1pPr marL="0" indent="0">
+              <a:buNone/>
+              <a:defRPr lang="en-US" sz="1400" b="0" i="0" kern="1200" cap="small" dirty="0">
+                <a:solidFill>
+                  <a:schemeClr val="bg2">
+                    <a:lumMod val="40000"/>
+                    <a:lumOff val="60000"/>
+                  </a:schemeClr>
+                </a:solidFill>
+                <a:latin typeface="+mj-lt"/>
+                <a:ea typeface="+mj-ea"/>
+                <a:cs typeface="+mj-cs"/>
+              </a:defRPr>
+            </a:lvl1pPr>
+            <a:lvl2pPr marL="457200" indent="0">
+              <a:buNone/>
+              <a:defRPr sz="1200"/>
+            </a:lvl2pPr>
+            <a:lvl3pPr marL="914400" indent="0">
+              <a:buNone/>
+              <a:defRPr sz="1000"/>
+            </a:lvl3pPr>
+            <a:lvl4pPr marL="1371600" indent="0">
+              <a:buNone/>
+              <a:defRPr sz="900"/>
+            </a:lvl4pPr>
+            <a:lvl5pPr marL="1828800" indent="0">
+              <a:buNone/>
+              <a:defRPr sz="900"/>
+            </a:lvl5pPr>
+            <a:lvl6pPr marL="2286000" indent="0">
+              <a:buNone/>
+              <a:defRPr sz="900"/>
+            </a:lvl6pPr>
+            <a:lvl7pPr marL="2743200" indent="0">
+              <a:buNone/>
+              <a:defRPr sz="900"/>
+            </a:lvl7pPr>
+            <a:lvl8pPr marL="3200400" indent="0">
+              <a:buNone/>
+              <a:defRPr sz="900"/>
+            </a:lvl8pPr>
+            <a:lvl9pPr marL="3657600" indent="0">
+              <a:buNone/>
+              <a:defRPr sz="900"/>
+            </a:lvl9pPr>
+          </a:lstStyle>
+          <a:p>
+            <a:pPr marL="0" lvl="0" indent="0">
+              <a:buNone/>
+            </a:pPr>
+            <a:r>
+              <a:rPr lang="en-US"/>
+              <a:t>Click to edit Master text styles</a:t>
+            </a:r>
+          </a:p>
+        </p:txBody>
+      </p:sp>
+      <p:sp>
+        <p:nvSpPr>
+          <p:cNvPr id="10" name="Text Placeholder 3"/>
+          <p:cNvSpPr>
+            <a:spLocks noGrp="1"/>
+          </p:cNvSpPr>
+          <p:nvPr>
+            <p:ph type="body" sz="half" idx="2"/>
+          </p:nvPr>
+        </p:nvSpPr>
+        <p:spPr>
+          <a:xfrm>
+            <a:off x="1154954" y="4350657"/>
+            <a:ext cx="8825659" cy="1676400"/>
+          </a:xfrm>
+        </p:spPr>
+        <p:txBody>
+          <a:bodyPr anchor="ctr">
+            <a:normAutofit/>
+          </a:bodyPr>
+          <a:lstStyle>
+            <a:lvl1pPr marL="0" indent="0">
+              <a:buNone/>
+              <a:defRPr sz="1800"/>
+            </a:lvl1pPr>
+            <a:lvl2pPr marL="457200" indent="0">
+              <a:buNone/>
+              <a:defRPr sz="1200"/>
+            </a:lvl2pPr>
+            <a:lvl3pPr marL="914400" indent="0">
+              <a:buNone/>
+              <a:defRPr sz="1000"/>
+            </a:lvl3pPr>
+            <a:lvl4pPr marL="1371600" indent="0">
+              <a:buNone/>
+              <a:defRPr sz="900"/>
+            </a:lvl4pPr>
+            <a:lvl5pPr marL="1828800" indent="0">
+              <a:buNone/>
+              <a:defRPr sz="900"/>
+            </a:lvl5pPr>
+            <a:lvl6pPr marL="2286000" indent="0">
+              <a:buNone/>
+              <a:defRPr sz="900"/>
+            </a:lvl6pPr>
+            <a:lvl7pPr marL="2743200" indent="0">
+              <a:buNone/>
+              <a:defRPr sz="900"/>
+            </a:lvl7pPr>
+            <a:lvl8pPr marL="3200400" indent="0">
+              <a:buNone/>
+              <a:defRPr sz="900"/>
+            </a:lvl8pPr>
+            <a:lvl9pPr marL="3657600" indent="0">
+              <a:buNone/>
+              <a:defRPr sz="900"/>
+            </a:lvl9pPr>
+          </a:lstStyle>
+          <a:p>
+            <a:pPr lvl="0"/>
+            <a:r>
+              <a:rPr lang="en-US"/>
+              <a:t>Click to edit Master text styles</a:t>
+            </a:r>
+          </a:p>
+        </p:txBody>
+      </p:sp>
+      <p:sp>
+        <p:nvSpPr>
+          <p:cNvPr id="4" name="Date Placeholder 3"/>
+          <p:cNvSpPr>
+            <a:spLocks noGrp="1"/>
+          </p:cNvSpPr>
+          <p:nvPr>
+            <p:ph type="dt" sz="half" idx="10"/>
+          </p:nvPr>
+        </p:nvSpPr>
+        <p:spPr/>
+        <p:txBody>
+          <a:bodyPr/>
+          <a:lstStyle/>
+          <a:p>
+            <a:fld id="{FC11D2D4-B333-4FEB-8465-4F54198D0FD8}" type="datetimeFigureOut">
+              <a:rPr lang="en-US" smtClean="0"/>
+              <a:t>7/2/2019</a:t>
+            </a:fld>
+            <a:endParaRPr lang="en-US"/>
+          </a:p>
+        </p:txBody>
+      </p:sp>
+      <p:sp>
+        <p:nvSpPr>
+          <p:cNvPr id="5" name="Footer Placeholder 4"/>
+          <p:cNvSpPr>
+            <a:spLocks noGrp="1"/>
+          </p:cNvSpPr>
+          <p:nvPr>
+            <p:ph type="ftr" sz="quarter" idx="11"/>
+          </p:nvPr>
+        </p:nvSpPr>
+        <p:spPr/>
+        <p:txBody>
+          <a:bodyPr/>
+          <a:lstStyle/>
+          <a:p>
+            <a:endParaRPr lang="en-US"/>
+          </a:p>
+        </p:txBody>
+      </p:sp>
+      <p:sp>
+        <p:nvSpPr>
+          <p:cNvPr id="6" name="Slide Number Placeholder 5"/>
+          <p:cNvSpPr>
+            <a:spLocks noGrp="1"/>
+          </p:cNvSpPr>
+          <p:nvPr>
+            <p:ph type="sldNum" sz="quarter" idx="12"/>
+          </p:nvPr>
+        </p:nvSpPr>
+        <p:spPr/>
+        <p:txBody>
+          <a:bodyPr/>
+          <a:lstStyle/>
+          <a:p>
+            <a:fld id="{B160623F-A96C-4351-AFA3-101C55409E2D}" type="slidenum">
+              <a:rPr lang="en-US" smtClean="0"/>
+              <a:t>‹#›</a:t>
+            </a:fld>
+            <a:endParaRPr lang="en-US"/>
+          </a:p>
+        </p:txBody>
+      </p:sp>
+      <p:sp>
+        <p:nvSpPr>
+          <p:cNvPr id="12" name="TextBox 11"/>
+          <p:cNvSpPr txBox="1"/>
+          <p:nvPr/>
+        </p:nvSpPr>
+        <p:spPr>
+          <a:xfrm>
+            <a:off x="898295" y="971253"/>
+            <a:ext cx="801912" cy="1969770"/>
+          </a:xfrm>
+          <a:prstGeom prst="rect">
+            <a:avLst/>
+          </a:prstGeom>
+          <a:noFill/>
+        </p:spPr>
+        <p:txBody>
+          <a:bodyPr wrap="square" rtlCol="0">
+            <a:spAutoFit/>
+          </a:bodyPr>
+          <a:lstStyle>
+            <a:defPPr>
+              <a:defRPr lang="en-US"/>
+            </a:defPPr>
+            <a:lvl1pPr algn="r">
+              <a:defRPr sz="12200" b="0" i="0">
+                <a:solidFill>
+                  <a:schemeClr val="bg2">
+                    <a:lumMod val="40000"/>
+                    <a:lumOff val="60000"/>
+                  </a:schemeClr>
+                </a:solidFill>
+                <a:latin typeface="Arial"/>
+                <a:ea typeface="+mj-ea"/>
+                <a:cs typeface="+mj-cs"/>
+              </a:defRPr>
+            </a:lvl1pPr>
+          </a:lstStyle>
+          <a:p>
+            <a:pPr lvl="0"/>
+            <a:r>
+              <a:rPr lang="en-US" dirty="0"/>
+              <a:t>“</a:t>
+            </a:r>
+          </a:p>
+        </p:txBody>
+      </p:sp>
+      <p:sp>
+        <p:nvSpPr>
+          <p:cNvPr id="15" name="TextBox 14"/>
+          <p:cNvSpPr txBox="1"/>
+          <p:nvPr/>
+        </p:nvSpPr>
+        <p:spPr>
+          <a:xfrm>
+            <a:off x="9330490" y="2613787"/>
+            <a:ext cx="801912" cy="1969770"/>
+          </a:xfrm>
+          <a:prstGeom prst="rect">
+            <a:avLst/>
+          </a:prstGeom>
+          <a:noFill/>
+        </p:spPr>
+        <p:txBody>
+          <a:bodyPr wrap="square" rtlCol="0">
+            <a:spAutoFit/>
+          </a:bodyPr>
+          <a:lstStyle>
+            <a:defPPr>
+              <a:defRPr lang="en-US"/>
+            </a:defPPr>
+            <a:lvl1pPr algn="r">
+              <a:defRPr sz="12200" b="0" i="0">
+                <a:solidFill>
+                  <a:schemeClr val="bg2">
+                    <a:lumMod val="40000"/>
+                    <a:lumOff val="60000"/>
+                  </a:schemeClr>
+                </a:solidFill>
+                <a:latin typeface="Arial"/>
+                <a:ea typeface="+mj-ea"/>
+                <a:cs typeface="+mj-cs"/>
+              </a:defRPr>
+            </a:lvl1pPr>
+          </a:lstStyle>
+          <a:p>
+            <a:pPr lvl="0"/>
+            <a:r>
+              <a:rPr lang="en-US" dirty="0"/>
+              <a:t>”</a:t>
+            </a:r>
+          </a:p>
+        </p:txBody>
+      </p:sp>
+    </p:spTree>
+    <p:extLst>
+      <p:ext uri="{BB962C8B-B14F-4D97-AF65-F5344CB8AC3E}">
+        <p14:creationId xmlns:p14="http://schemas.microsoft.com/office/powerpoint/2010/main" val="996514630"/>
+      </p:ext>
+    </p:extLst>
+  </p:cSld>
+  <p:clrMapOvr>
+    <a:masterClrMapping/>
+  </p:clrMapOvr>
+</p:sldLayout>
+</file>
+
+<file path=ppt/slideLayouts/slideLayout13.xml><?xml version="1.0" encoding="utf-8"?>
+<p:sldLayout xmlns:a="http://schemas.openxmlformats.org/drawingml/2006/main" xmlns:r="http://schemas.openxmlformats.org/officeDocument/2006/relationships" xmlns:p="http://schemas.openxmlformats.org/presentationml/2006/main" preserve="1">
+  <p:cSld name="Name Card">
+    <p:spTree>
+      <p:nvGrpSpPr>
+        <p:cNvPr id="1" name=""/>
+        <p:cNvGrpSpPr/>
+        <p:nvPr/>
+      </p:nvGrpSpPr>
+      <p:grpSpPr>
+        <a:xfrm>
+          <a:off x="0" y="0"/>
+          <a:ext cx="0" cy="0"/>
+          <a:chOff x="0" y="0"/>
+          <a:chExt cx="0" cy="0"/>
+        </a:xfrm>
+      </p:grpSpPr>
+      <p:sp>
+        <p:nvSpPr>
+          <p:cNvPr id="2" name="Title 1"/>
+          <p:cNvSpPr>
+            <a:spLocks noGrp="1"/>
+          </p:cNvSpPr>
+          <p:nvPr>
+            <p:ph type="title"/>
+          </p:nvPr>
+        </p:nvSpPr>
+        <p:spPr>
+          <a:xfrm>
+            <a:off x="1154954" y="3124201"/>
+            <a:ext cx="8825660" cy="1653180"/>
+          </a:xfrm>
+        </p:spPr>
+        <p:txBody>
+          <a:bodyPr anchor="b"/>
+          <a:lstStyle>
+            <a:lvl1pPr algn="l">
+              <a:defRPr sz="4000" b="0" cap="none"/>
+            </a:lvl1pPr>
+          </a:lstStyle>
+          <a:p>
+            <a:r>
+              <a:rPr lang="en-US"/>
+              <a:t>Click to edit Master title style</a:t>
+            </a:r>
+            <a:endParaRPr lang="en-US" dirty="0"/>
+          </a:p>
+        </p:txBody>
+      </p:sp>
+      <p:sp>
+        <p:nvSpPr>
+          <p:cNvPr id="3" name="Text Placeholder 2"/>
+          <p:cNvSpPr>
+            <a:spLocks noGrp="1"/>
+          </p:cNvSpPr>
+          <p:nvPr>
+            <p:ph type="body" idx="1"/>
+          </p:nvPr>
+        </p:nvSpPr>
+        <p:spPr>
+          <a:xfrm>
+            <a:off x="1154954" y="4777381"/>
+            <a:ext cx="8825659" cy="860400"/>
+          </a:xfrm>
+        </p:spPr>
+        <p:txBody>
+          <a:bodyPr anchor="t"/>
+          <a:lstStyle>
+            <a:lvl1pPr marL="0" indent="0" algn="l">
+              <a:buNone/>
+              <a:defRPr sz="2000" cap="none">
+                <a:solidFill>
+                  <a:schemeClr val="bg2">
+                    <a:lumMod val="40000"/>
+                    <a:lumOff val="60000"/>
+                  </a:schemeClr>
+                </a:solidFill>
+              </a:defRPr>
+            </a:lvl1pPr>
+            <a:lvl2pPr marL="457200" indent="0">
+              <a:buNone/>
+              <a:defRPr sz="1800">
+                <a:solidFill>
+                  <a:schemeClr val="tx1">
+                    <a:tint val="75000"/>
+                  </a:schemeClr>
+                </a:solidFill>
+              </a:defRPr>
+            </a:lvl2pPr>
+            <a:lvl3pPr marL="914400" indent="0">
+              <a:buNone/>
+              <a:defRPr sz="1600">
+                <a:solidFill>
+                  <a:schemeClr val="tx1">
+                    <a:tint val="75000"/>
+                  </a:schemeClr>
+                </a:solidFill>
+              </a:defRPr>
+            </a:lvl3pPr>
+            <a:lvl4pPr marL="1371600" indent="0">
+              <a:buNone/>
+              <a:defRPr sz="1400">
+                <a:solidFill>
+                  <a:schemeClr val="tx1">
+                    <a:tint val="75000"/>
+                  </a:schemeClr>
+                </a:solidFill>
+              </a:defRPr>
+            </a:lvl4pPr>
+            <a:lvl5pPr marL="1828800" indent="0">
+              <a:buNone/>
+              <a:defRPr sz="1400">
+                <a:solidFill>
+                  <a:schemeClr val="tx1">
+                    <a:tint val="75000"/>
+                  </a:schemeClr>
+                </a:solidFill>
+              </a:defRPr>
+            </a:lvl5pPr>
+            <a:lvl6pPr marL="2286000" indent="0">
+              <a:buNone/>
+              <a:defRPr sz="1400">
+                <a:solidFill>
+                  <a:schemeClr val="tx1">
+                    <a:tint val="75000"/>
+                  </a:schemeClr>
+                </a:solidFill>
+              </a:defRPr>
+            </a:lvl6pPr>
+            <a:lvl7pPr marL="2743200" indent="0">
+              <a:buNone/>
+              <a:defRPr sz="1400">
+                <a:solidFill>
+                  <a:schemeClr val="tx1">
+                    <a:tint val="75000"/>
+                  </a:schemeClr>
+                </a:solidFill>
+              </a:defRPr>
+            </a:lvl7pPr>
+            <a:lvl8pPr marL="3200400" indent="0">
+              <a:buNone/>
+              <a:defRPr sz="1400">
+                <a:solidFill>
+                  <a:schemeClr val="tx1">
+                    <a:tint val="75000"/>
+                  </a:schemeClr>
+                </a:solidFill>
+              </a:defRPr>
+            </a:lvl8pPr>
+            <a:lvl9pPr marL="3657600" indent="0">
+              <a:buNone/>
+              <a:defRPr sz="1400">
+                <a:solidFill>
+                  <a:schemeClr val="tx1">
+                    <a:tint val="75000"/>
+                  </a:schemeClr>
+                </a:solidFill>
+              </a:defRPr>
+            </a:lvl9pPr>
+          </a:lstStyle>
+          <a:p>
+            <a:pPr lvl="0"/>
+            <a:r>
+              <a:rPr lang="en-US"/>
+              <a:t>Click to edit Master text styles</a:t>
+            </a:r>
+          </a:p>
+        </p:txBody>
+      </p:sp>
+      <p:sp>
+        <p:nvSpPr>
+          <p:cNvPr id="4" name="Date Placeholder 3"/>
+          <p:cNvSpPr>
+            <a:spLocks noGrp="1"/>
+          </p:cNvSpPr>
+          <p:nvPr>
+            <p:ph type="dt" sz="half" idx="10"/>
+          </p:nvPr>
+        </p:nvSpPr>
+        <p:spPr/>
+        <p:txBody>
+          <a:bodyPr/>
+          <a:lstStyle/>
+          <a:p>
+            <a:fld id="{FC11D2D4-B333-4FEB-8465-4F54198D0FD8}" type="datetimeFigureOut">
+              <a:rPr lang="en-US" smtClean="0"/>
+              <a:t>7/2/2019</a:t>
+            </a:fld>
+            <a:endParaRPr lang="en-US"/>
+          </a:p>
+        </p:txBody>
+      </p:sp>
+      <p:sp>
+        <p:nvSpPr>
+          <p:cNvPr id="5" name="Footer Placeholder 4"/>
+          <p:cNvSpPr>
+            <a:spLocks noGrp="1"/>
+          </p:cNvSpPr>
+          <p:nvPr>
+            <p:ph type="ftr" sz="quarter" idx="11"/>
+          </p:nvPr>
+        </p:nvSpPr>
+        <p:spPr/>
+        <p:txBody>
+          <a:bodyPr/>
+          <a:lstStyle/>
+          <a:p>
+            <a:endParaRPr lang="en-US"/>
+          </a:p>
+        </p:txBody>
+      </p:sp>
+      <p:sp>
+        <p:nvSpPr>
+          <p:cNvPr id="6" name="Slide Number Placeholder 5"/>
+          <p:cNvSpPr>
+            <a:spLocks noGrp="1"/>
+          </p:cNvSpPr>
+          <p:nvPr>
+            <p:ph type="sldNum" sz="quarter" idx="12"/>
+          </p:nvPr>
+        </p:nvSpPr>
+        <p:spPr/>
+        <p:txBody>
+          <a:bodyPr/>
+          <a:lstStyle/>
+          <a:p>
+            <a:fld id="{B160623F-A96C-4351-AFA3-101C55409E2D}" type="slidenum">
+              <a:rPr lang="en-US" smtClean="0"/>
+              <a:t>‹#›</a:t>
+            </a:fld>
+            <a:endParaRPr lang="en-US"/>
+          </a:p>
+        </p:txBody>
+      </p:sp>
+    </p:spTree>
+    <p:extLst>
+      <p:ext uri="{BB962C8B-B14F-4D97-AF65-F5344CB8AC3E}">
+        <p14:creationId xmlns:p14="http://schemas.microsoft.com/office/powerpoint/2010/main" val="383600363"/>
+      </p:ext>
+    </p:extLst>
+  </p:cSld>
+  <p:clrMapOvr>
+    <a:masterClrMapping/>
+  </p:clrMapOvr>
+</p:sldLayout>
+</file>
+
+<file path=ppt/slideLayouts/slideLayout14.xml><?xml version="1.0" encoding="utf-8"?>
+<p:sldLayout xmlns:a="http://schemas.openxmlformats.org/drawingml/2006/main" xmlns:r="http://schemas.openxmlformats.org/officeDocument/2006/relationships" xmlns:p="http://schemas.openxmlformats.org/presentationml/2006/main" preserve="1">
+  <p:cSld name="3 Column">
+    <p:spTree>
+      <p:nvGrpSpPr>
+        <p:cNvPr id="1" name=""/>
+        <p:cNvGrpSpPr/>
+        <p:nvPr/>
+      </p:nvGrpSpPr>
+      <p:grpSpPr>
+        <a:xfrm>
+          <a:off x="0" y="0"/>
+          <a:ext cx="0" cy="0"/>
+          <a:chOff x="0" y="0"/>
+          <a:chExt cx="0" cy="0"/>
+        </a:xfrm>
+      </p:grpSpPr>
+      <p:sp>
+        <p:nvSpPr>
+          <p:cNvPr id="2" name="Title 1"/>
+          <p:cNvSpPr>
+            <a:spLocks noGrp="1"/>
+          </p:cNvSpPr>
+          <p:nvPr>
+            <p:ph type="title"/>
+          </p:nvPr>
+        </p:nvSpPr>
+        <p:spPr/>
+        <p:txBody>
+          <a:bodyPr/>
+          <a:lstStyle>
+            <a:lvl1pPr>
+              <a:defRPr sz="4200"/>
+            </a:lvl1pPr>
+          </a:lstStyle>
+          <a:p>
+            <a:r>
+              <a:rPr lang="en-US"/>
+              <a:t>Click to edit Master title style</a:t>
+            </a:r>
+            <a:endParaRPr lang="en-US" dirty="0"/>
+          </a:p>
+        </p:txBody>
+      </p:sp>
+      <p:sp>
+        <p:nvSpPr>
+          <p:cNvPr id="3" name="Text Placeholder 2"/>
+          <p:cNvSpPr>
+            <a:spLocks noGrp="1"/>
+          </p:cNvSpPr>
+          <p:nvPr>
+            <p:ph type="body" idx="1"/>
+          </p:nvPr>
+        </p:nvSpPr>
+        <p:spPr>
+          <a:xfrm>
+            <a:off x="632947" y="1981200"/>
+            <a:ext cx="2946866" cy="576262"/>
+          </a:xfrm>
+        </p:spPr>
+        <p:txBody>
+          <a:bodyPr anchor="b">
+            <a:noAutofit/>
+          </a:bodyPr>
+          <a:lstStyle>
+            <a:lvl1pPr marL="0" indent="0">
+              <a:buNone/>
+              <a:defRPr sz="2400" b="0">
+                <a:solidFill>
+                  <a:schemeClr val="bg2">
+                    <a:lumMod val="40000"/>
+                    <a:lumOff val="60000"/>
+                  </a:schemeClr>
+                </a:solidFill>
+              </a:defRPr>
+            </a:lvl1pPr>
+            <a:lvl2pPr marL="457200" indent="0">
+              <a:buNone/>
+              <a:defRPr sz="2000" b="1"/>
+            </a:lvl2pPr>
+            <a:lvl3pPr marL="914400" indent="0">
+              <a:buNone/>
+              <a:defRPr sz="1800" b="1"/>
+            </a:lvl3pPr>
+            <a:lvl4pPr marL="1371600" indent="0">
+              <a:buNone/>
+              <a:defRPr sz="1600" b="1"/>
+            </a:lvl4pPr>
+            <a:lvl5pPr marL="1828800" indent="0">
+              <a:buNone/>
+              <a:defRPr sz="1600" b="1"/>
+            </a:lvl5pPr>
+            <a:lvl6pPr marL="2286000" indent="0">
+              <a:buNone/>
+              <a:defRPr sz="1600" b="1"/>
+            </a:lvl6pPr>
+            <a:lvl7pPr marL="2743200" indent="0">
+              <a:buNone/>
+              <a:defRPr sz="1600" b="1"/>
+            </a:lvl7pPr>
+            <a:lvl8pPr marL="3200400" indent="0">
+              <a:buNone/>
+              <a:defRPr sz="1600" b="1"/>
+            </a:lvl8pPr>
+            <a:lvl9pPr marL="3657600" indent="0">
+              <a:buNone/>
+              <a:defRPr sz="1600" b="1"/>
+            </a:lvl9pPr>
+          </a:lstStyle>
+          <a:p>
+            <a:pPr lvl="0"/>
+            <a:r>
+              <a:rPr lang="en-US"/>
+              <a:t>Click to edit Master text styles</a:t>
+            </a:r>
+          </a:p>
+        </p:txBody>
+      </p:sp>
+      <p:sp>
+        <p:nvSpPr>
+          <p:cNvPr id="16" name="Text Placeholder 3"/>
+          <p:cNvSpPr>
+            <a:spLocks noGrp="1"/>
+          </p:cNvSpPr>
+          <p:nvPr>
+            <p:ph type="body" sz="half" idx="15"/>
+          </p:nvPr>
+        </p:nvSpPr>
+        <p:spPr>
+          <a:xfrm>
+            <a:off x="652463" y="2667000"/>
+            <a:ext cx="2927350" cy="3589338"/>
+          </a:xfrm>
+        </p:spPr>
+        <p:txBody>
+          <a:bodyPr anchor="t">
+            <a:normAutofit/>
+          </a:bodyPr>
+          <a:lstStyle>
+            <a:lvl1pPr marL="0" indent="0">
+              <a:buNone/>
+              <a:defRPr sz="1400"/>
+            </a:lvl1pPr>
+            <a:lvl2pPr marL="457200" indent="0">
+              <a:buNone/>
+              <a:defRPr sz="1200"/>
+            </a:lvl2pPr>
+            <a:lvl3pPr marL="914400" indent="0">
+              <a:buNone/>
+              <a:defRPr sz="1000"/>
+            </a:lvl3pPr>
+            <a:lvl4pPr marL="1371600" indent="0">
+              <a:buNone/>
+              <a:defRPr sz="900"/>
+            </a:lvl4pPr>
+            <a:lvl5pPr marL="1828800" indent="0">
+              <a:buNone/>
+              <a:defRPr sz="900"/>
+            </a:lvl5pPr>
+            <a:lvl6pPr marL="2286000" indent="0">
+              <a:buNone/>
+              <a:defRPr sz="900"/>
+            </a:lvl6pPr>
+            <a:lvl7pPr marL="2743200" indent="0">
+              <a:buNone/>
+              <a:defRPr sz="900"/>
+            </a:lvl7pPr>
+            <a:lvl8pPr marL="3200400" indent="0">
+              <a:buNone/>
+              <a:defRPr sz="900"/>
+            </a:lvl8pPr>
+            <a:lvl9pPr marL="3657600" indent="0">
+              <a:buNone/>
+              <a:defRPr sz="900"/>
+            </a:lvl9pPr>
+          </a:lstStyle>
+          <a:p>
+            <a:pPr lvl="0"/>
+            <a:r>
+              <a:rPr lang="en-US"/>
+              <a:t>Click to edit Master text styles</a:t>
+            </a:r>
+          </a:p>
+        </p:txBody>
+      </p:sp>
+      <p:sp>
+        <p:nvSpPr>
+          <p:cNvPr id="5" name="Text Placeholder 4"/>
+          <p:cNvSpPr>
+            <a:spLocks noGrp="1"/>
+          </p:cNvSpPr>
+          <p:nvPr>
+            <p:ph type="body" sz="quarter" idx="3"/>
+          </p:nvPr>
+        </p:nvSpPr>
+        <p:spPr>
+          <a:xfrm>
+            <a:off x="3883659" y="1981200"/>
+            <a:ext cx="2936241" cy="576262"/>
+          </a:xfrm>
+        </p:spPr>
+        <p:txBody>
+          <a:bodyPr anchor="b">
+            <a:noAutofit/>
+          </a:bodyPr>
+          <a:lstStyle>
+            <a:lvl1pPr marL="0" indent="0">
+              <a:buNone/>
+              <a:defRPr sz="2400" b="0">
+                <a:solidFill>
+                  <a:schemeClr val="bg2">
+                    <a:lumMod val="40000"/>
+                    <a:lumOff val="60000"/>
+                  </a:schemeClr>
+                </a:solidFill>
+              </a:defRPr>
+            </a:lvl1pPr>
+            <a:lvl2pPr marL="457200" indent="0">
+              <a:buNone/>
+              <a:defRPr sz="2000" b="1"/>
+            </a:lvl2pPr>
+            <a:lvl3pPr marL="914400" indent="0">
+              <a:buNone/>
+              <a:defRPr sz="1800" b="1"/>
+            </a:lvl3pPr>
+            <a:lvl4pPr marL="1371600" indent="0">
+              <a:buNone/>
+              <a:defRPr sz="1600" b="1"/>
+            </a:lvl4pPr>
+            <a:lvl5pPr marL="1828800" indent="0">
+              <a:buNone/>
+              <a:defRPr sz="1600" b="1"/>
+            </a:lvl5pPr>
+            <a:lvl6pPr marL="2286000" indent="0">
+              <a:buNone/>
+              <a:defRPr sz="1600" b="1"/>
+            </a:lvl6pPr>
+            <a:lvl7pPr marL="2743200" indent="0">
+              <a:buNone/>
+              <a:defRPr sz="1600" b="1"/>
+            </a:lvl7pPr>
+            <a:lvl8pPr marL="3200400" indent="0">
+              <a:buNone/>
+              <a:defRPr sz="1600" b="1"/>
+            </a:lvl8pPr>
+            <a:lvl9pPr marL="3657600" indent="0">
+              <a:buNone/>
+              <a:defRPr sz="1600" b="1"/>
+            </a:lvl9pPr>
+          </a:lstStyle>
+          <a:p>
+            <a:pPr lvl="0"/>
+            <a:r>
+              <a:rPr lang="en-US"/>
+              <a:t>Click to edit Master text styles</a:t>
+            </a:r>
+          </a:p>
+        </p:txBody>
+      </p:sp>
+      <p:sp>
+        <p:nvSpPr>
+          <p:cNvPr id="19" name="Text Placeholder 3"/>
+          <p:cNvSpPr>
+            <a:spLocks noGrp="1"/>
+          </p:cNvSpPr>
+          <p:nvPr>
+            <p:ph type="body" sz="half" idx="16"/>
+          </p:nvPr>
+        </p:nvSpPr>
+        <p:spPr>
+          <a:xfrm>
+            <a:off x="3873106" y="2667000"/>
+            <a:ext cx="2946794" cy="3589338"/>
+          </a:xfrm>
+        </p:spPr>
+        <p:txBody>
+          <a:bodyPr anchor="t">
+            <a:normAutofit/>
+          </a:bodyPr>
+          <a:lstStyle>
+            <a:lvl1pPr marL="0" indent="0">
+              <a:buNone/>
+              <a:defRPr sz="1400"/>
+            </a:lvl1pPr>
+            <a:lvl2pPr marL="457200" indent="0">
+              <a:buNone/>
+              <a:defRPr sz="1200"/>
+            </a:lvl2pPr>
+            <a:lvl3pPr marL="914400" indent="0">
+              <a:buNone/>
+              <a:defRPr sz="1000"/>
+            </a:lvl3pPr>
+            <a:lvl4pPr marL="1371600" indent="0">
+              <a:buNone/>
+              <a:defRPr sz="900"/>
+            </a:lvl4pPr>
+            <a:lvl5pPr marL="1828800" indent="0">
+              <a:buNone/>
+              <a:defRPr sz="900"/>
+            </a:lvl5pPr>
+            <a:lvl6pPr marL="2286000" indent="0">
+              <a:buNone/>
+              <a:defRPr sz="900"/>
+            </a:lvl6pPr>
+            <a:lvl7pPr marL="2743200" indent="0">
+              <a:buNone/>
+              <a:defRPr sz="900"/>
+            </a:lvl7pPr>
+            <a:lvl8pPr marL="3200400" indent="0">
+              <a:buNone/>
+              <a:defRPr sz="900"/>
+            </a:lvl8pPr>
+            <a:lvl9pPr marL="3657600" indent="0">
+              <a:buNone/>
+              <a:defRPr sz="900"/>
+            </a:lvl9pPr>
+          </a:lstStyle>
+          <a:p>
+            <a:pPr lvl="0"/>
+            <a:r>
+              <a:rPr lang="en-US"/>
+              <a:t>Click to edit Master text styles</a:t>
+            </a:r>
+          </a:p>
+        </p:txBody>
+      </p:sp>
+      <p:sp>
+        <p:nvSpPr>
+          <p:cNvPr id="14" name="Text Placeholder 4"/>
+          <p:cNvSpPr>
+            <a:spLocks noGrp="1"/>
+          </p:cNvSpPr>
+          <p:nvPr>
+            <p:ph type="body" sz="quarter" idx="13"/>
+          </p:nvPr>
+        </p:nvSpPr>
+        <p:spPr>
+          <a:xfrm>
+            <a:off x="7124700" y="1981200"/>
+            <a:ext cx="2932113" cy="576262"/>
+          </a:xfrm>
+        </p:spPr>
+        <p:txBody>
+          <a:bodyPr anchor="b">
+            <a:noAutofit/>
+          </a:bodyPr>
+          <a:lstStyle>
+            <a:lvl1pPr marL="0" indent="0">
+              <a:buNone/>
+              <a:defRPr sz="2400" b="0">
+                <a:solidFill>
+                  <a:schemeClr val="bg2">
+                    <a:lumMod val="40000"/>
+                    <a:lumOff val="60000"/>
+                  </a:schemeClr>
+                </a:solidFill>
+              </a:defRPr>
+            </a:lvl1pPr>
+            <a:lvl2pPr marL="457200" indent="0">
+              <a:buNone/>
+              <a:defRPr sz="2000" b="1"/>
+            </a:lvl2pPr>
+            <a:lvl3pPr marL="914400" indent="0">
+              <a:buNone/>
+              <a:defRPr sz="1800" b="1"/>
+            </a:lvl3pPr>
+            <a:lvl4pPr marL="1371600" indent="0">
+              <a:buNone/>
+              <a:defRPr sz="1600" b="1"/>
+            </a:lvl4pPr>
+            <a:lvl5pPr marL="1828800" indent="0">
+              <a:buNone/>
+              <a:defRPr sz="1600" b="1"/>
+            </a:lvl5pPr>
+            <a:lvl6pPr marL="2286000" indent="0">
+              <a:buNone/>
+              <a:defRPr sz="1600" b="1"/>
+            </a:lvl6pPr>
+            <a:lvl7pPr marL="2743200" indent="0">
+              <a:buNone/>
+              <a:defRPr sz="1600" b="1"/>
+            </a:lvl7pPr>
+            <a:lvl8pPr marL="3200400" indent="0">
+              <a:buNone/>
+              <a:defRPr sz="1600" b="1"/>
+            </a:lvl8pPr>
+            <a:lvl9pPr marL="3657600" indent="0">
+              <a:buNone/>
+              <a:defRPr sz="1600" b="1"/>
+            </a:lvl9pPr>
+          </a:lstStyle>
+          <a:p>
+            <a:pPr lvl="0"/>
+            <a:r>
+              <a:rPr lang="en-US"/>
+              <a:t>Click to edit Master text styles</a:t>
+            </a:r>
+          </a:p>
+        </p:txBody>
+      </p:sp>
+      <p:sp>
+        <p:nvSpPr>
+          <p:cNvPr id="20" name="Text Placeholder 3"/>
+          <p:cNvSpPr>
+            <a:spLocks noGrp="1"/>
+          </p:cNvSpPr>
+          <p:nvPr>
+            <p:ph type="body" sz="half" idx="17"/>
+          </p:nvPr>
+        </p:nvSpPr>
+        <p:spPr>
+          <a:xfrm>
+            <a:off x="7124700" y="2667000"/>
+            <a:ext cx="2932113" cy="3589338"/>
+          </a:xfrm>
+        </p:spPr>
+        <p:txBody>
+          <a:bodyPr anchor="t">
+            <a:normAutofit/>
+          </a:bodyPr>
+          <a:lstStyle>
+            <a:lvl1pPr marL="0" indent="0">
+              <a:buNone/>
+              <a:defRPr sz="1400"/>
+            </a:lvl1pPr>
+            <a:lvl2pPr marL="457200" indent="0">
+              <a:buNone/>
+              <a:defRPr sz="1200"/>
+            </a:lvl2pPr>
+            <a:lvl3pPr marL="914400" indent="0">
+              <a:buNone/>
+              <a:defRPr sz="1000"/>
+            </a:lvl3pPr>
+            <a:lvl4pPr marL="1371600" indent="0">
+              <a:buNone/>
+              <a:defRPr sz="900"/>
+            </a:lvl4pPr>
+            <a:lvl5pPr marL="1828800" indent="0">
+              <a:buNone/>
+              <a:defRPr sz="900"/>
+            </a:lvl5pPr>
+            <a:lvl6pPr marL="2286000" indent="0">
+              <a:buNone/>
+              <a:defRPr sz="900"/>
+            </a:lvl6pPr>
+            <a:lvl7pPr marL="2743200" indent="0">
+              <a:buNone/>
+              <a:defRPr sz="900"/>
+            </a:lvl7pPr>
+            <a:lvl8pPr marL="3200400" indent="0">
+              <a:buNone/>
+              <a:defRPr sz="900"/>
+            </a:lvl8pPr>
+            <a:lvl9pPr marL="3657600" indent="0">
+              <a:buNone/>
+              <a:defRPr sz="900"/>
+            </a:lvl9pPr>
+          </a:lstStyle>
+          <a:p>
+            <a:pPr lvl="0"/>
+            <a:r>
+              <a:rPr lang="en-US"/>
+              <a:t>Click to edit Master text styles</a:t>
+            </a:r>
+          </a:p>
+        </p:txBody>
+      </p:sp>
+      <p:cxnSp>
+        <p:nvCxnSpPr>
+          <p:cNvPr id="17" name="Straight Connector 16"/>
+          <p:cNvCxnSpPr/>
+          <p:nvPr/>
+        </p:nvCxnSpPr>
+        <p:spPr>
+          <a:xfrm>
+            <a:off x="3726142" y="2133600"/>
+            <a:ext cx="0" cy="3962400"/>
+          </a:xfrm>
+          <a:prstGeom prst="line">
+            <a:avLst/>
+          </a:prstGeom>
+          <a:ln w="12700" cmpd="sng">
+            <a:solidFill>
+              <a:schemeClr val="bg2">
+                <a:lumMod val="40000"/>
+                <a:lumOff val="60000"/>
+                <a:alpha val="40000"/>
+              </a:schemeClr>
+            </a:solidFill>
+          </a:ln>
+        </p:spPr>
+        <p:style>
+          <a:lnRef idx="2">
+            <a:schemeClr val="accent1"/>
+          </a:lnRef>
+          <a:fillRef idx="0">
+            <a:schemeClr val="accent1"/>
+          </a:fillRef>
+          <a:effectRef idx="1">
+            <a:schemeClr val="accent1"/>
+          </a:effectRef>
+          <a:fontRef idx="minor">
+            <a:schemeClr val="tx1"/>
+          </a:fontRef>
+        </p:style>
+      </p:cxnSp>
+      <p:cxnSp>
+        <p:nvCxnSpPr>
+          <p:cNvPr id="18" name="Straight Connector 17"/>
+          <p:cNvCxnSpPr/>
+          <p:nvPr/>
+        </p:nvCxnSpPr>
+        <p:spPr>
+          <a:xfrm>
+            <a:off x="6962227" y="2133600"/>
+            <a:ext cx="0" cy="3966882"/>
+          </a:xfrm>
+          <a:prstGeom prst="line">
+            <a:avLst/>
+          </a:prstGeom>
+          <a:ln w="12700" cmpd="sng">
+            <a:solidFill>
+              <a:schemeClr val="bg2">
+                <a:lumMod val="40000"/>
+                <a:lumOff val="60000"/>
+                <a:alpha val="40000"/>
+              </a:schemeClr>
+            </a:solidFill>
+          </a:ln>
+        </p:spPr>
+        <p:style>
+          <a:lnRef idx="2">
+            <a:schemeClr val="accent1"/>
+          </a:lnRef>
+          <a:fillRef idx="0">
+            <a:schemeClr val="accent1"/>
+          </a:fillRef>
+          <a:effectRef idx="1">
+            <a:schemeClr val="accent1"/>
+          </a:effectRef>
+          <a:fontRef idx="minor">
+            <a:schemeClr val="tx1"/>
+          </a:fontRef>
+        </p:style>
+      </p:cxnSp>
+      <p:sp>
+        <p:nvSpPr>
+          <p:cNvPr id="7" name="Date Placeholder 3"/>
+          <p:cNvSpPr>
+            <a:spLocks noGrp="1"/>
+          </p:cNvSpPr>
+          <p:nvPr>
+            <p:ph type="dt" sz="half" idx="10"/>
+          </p:nvPr>
+        </p:nvSpPr>
+        <p:spPr/>
+        <p:txBody>
+          <a:bodyPr/>
+          <a:lstStyle/>
+          <a:p>
+            <a:fld id="{FC11D2D4-B333-4FEB-8465-4F54198D0FD8}" type="datetimeFigureOut">
+              <a:rPr lang="en-US" smtClean="0"/>
+              <a:t>7/2/2019</a:t>
+            </a:fld>
+            <a:endParaRPr lang="en-US"/>
+          </a:p>
+        </p:txBody>
+      </p:sp>
+      <p:sp>
+        <p:nvSpPr>
+          <p:cNvPr id="4" name="Footer Placeholder 4"/>
+          <p:cNvSpPr>
+            <a:spLocks noGrp="1"/>
+          </p:cNvSpPr>
+          <p:nvPr>
+            <p:ph type="ftr" sz="quarter" idx="11"/>
+          </p:nvPr>
+        </p:nvSpPr>
+        <p:spPr/>
+        <p:txBody>
+          <a:bodyPr/>
+          <a:lstStyle/>
+          <a:p>
+            <a:endParaRPr lang="en-US"/>
+          </a:p>
+        </p:txBody>
+      </p:sp>
+      <p:sp>
+        <p:nvSpPr>
+          <p:cNvPr id="6" name="Slide Number Placeholder 5"/>
+          <p:cNvSpPr>
+            <a:spLocks noGrp="1"/>
+          </p:cNvSpPr>
+          <p:nvPr>
+            <p:ph type="sldNum" sz="quarter" idx="12"/>
+          </p:nvPr>
+        </p:nvSpPr>
+        <p:spPr/>
+        <p:txBody>
+          <a:bodyPr/>
+          <a:lstStyle/>
+          <a:p>
+            <a:fld id="{B160623F-A96C-4351-AFA3-101C55409E2D}" type="slidenum">
+              <a:rPr lang="en-US" smtClean="0"/>
+              <a:t>‹#›</a:t>
+            </a:fld>
+            <a:endParaRPr lang="en-US"/>
+          </a:p>
+        </p:txBody>
+      </p:sp>
+    </p:spTree>
+    <p:extLst>
+      <p:ext uri="{BB962C8B-B14F-4D97-AF65-F5344CB8AC3E}">
+        <p14:creationId xmlns:p14="http://schemas.microsoft.com/office/powerpoint/2010/main" val="605097495"/>
+      </p:ext>
+    </p:extLst>
+  </p:cSld>
+  <p:clrMapOvr>
+    <a:masterClrMapping/>
+  </p:clrMapOvr>
+</p:sldLayout>
+</file>
+
+<file path=ppt/slideLayouts/slideLayout15.xml><?xml version="1.0" encoding="utf-8"?>
+<p:sldLayout xmlns:a="http://schemas.openxmlformats.org/drawingml/2006/main" xmlns:r="http://schemas.openxmlformats.org/officeDocument/2006/relationships" xmlns:p="http://schemas.openxmlformats.org/presentationml/2006/main" preserve="1">
+  <p:cSld name="3 Picture Column">
+    <p:spTree>
+      <p:nvGrpSpPr>
+        <p:cNvPr id="1" name=""/>
+        <p:cNvGrpSpPr/>
+        <p:nvPr/>
+      </p:nvGrpSpPr>
+      <p:grpSpPr>
+        <a:xfrm>
+          <a:off x="0" y="0"/>
+          <a:ext cx="0" cy="0"/>
+          <a:chOff x="0" y="0"/>
+          <a:chExt cx="0" cy="0"/>
+        </a:xfrm>
+      </p:grpSpPr>
+      <p:sp>
+        <p:nvSpPr>
+          <p:cNvPr id="2" name="Title 1"/>
+          <p:cNvSpPr>
+            <a:spLocks noGrp="1"/>
+          </p:cNvSpPr>
+          <p:nvPr>
+            <p:ph type="title"/>
+          </p:nvPr>
+        </p:nvSpPr>
+        <p:spPr/>
+        <p:txBody>
+          <a:bodyPr/>
+          <a:lstStyle>
+            <a:lvl1pPr>
+              <a:defRPr sz="4200"/>
+            </a:lvl1pPr>
+          </a:lstStyle>
+          <a:p>
+            <a:r>
+              <a:rPr lang="en-US"/>
+              <a:t>Click to edit Master title style</a:t>
+            </a:r>
+            <a:endParaRPr lang="en-US" dirty="0"/>
+          </a:p>
+        </p:txBody>
+      </p:sp>
+      <p:sp>
+        <p:nvSpPr>
+          <p:cNvPr id="3" name="Text Placeholder 2"/>
+          <p:cNvSpPr>
+            <a:spLocks noGrp="1"/>
+          </p:cNvSpPr>
+          <p:nvPr>
+            <p:ph type="body" idx="1"/>
+          </p:nvPr>
+        </p:nvSpPr>
+        <p:spPr>
+          <a:xfrm>
+            <a:off x="652463" y="4250949"/>
+            <a:ext cx="2940050" cy="576262"/>
+          </a:xfrm>
+        </p:spPr>
+        <p:txBody>
+          <a:bodyPr anchor="b">
+            <a:noAutofit/>
+          </a:bodyPr>
+          <a:lstStyle>
+            <a:lvl1pPr marL="0" indent="0">
+              <a:buNone/>
+              <a:defRPr sz="2400" b="0">
+                <a:solidFill>
+                  <a:schemeClr val="bg2">
+                    <a:lumMod val="40000"/>
+                    <a:lumOff val="60000"/>
+                  </a:schemeClr>
+                </a:solidFill>
+              </a:defRPr>
+            </a:lvl1pPr>
+            <a:lvl2pPr marL="457200" indent="0">
+              <a:buNone/>
+              <a:defRPr sz="2000" b="1"/>
+            </a:lvl2pPr>
+            <a:lvl3pPr marL="914400" indent="0">
+              <a:buNone/>
+              <a:defRPr sz="1800" b="1"/>
+            </a:lvl3pPr>
+            <a:lvl4pPr marL="1371600" indent="0">
+              <a:buNone/>
+              <a:defRPr sz="1600" b="1"/>
+            </a:lvl4pPr>
+            <a:lvl5pPr marL="1828800" indent="0">
+              <a:buNone/>
+              <a:defRPr sz="1600" b="1"/>
+            </a:lvl5pPr>
+            <a:lvl6pPr marL="2286000" indent="0">
+              <a:buNone/>
+              <a:defRPr sz="1600" b="1"/>
+            </a:lvl6pPr>
+            <a:lvl7pPr marL="2743200" indent="0">
+              <a:buNone/>
+              <a:defRPr sz="1600" b="1"/>
+            </a:lvl7pPr>
+            <a:lvl8pPr marL="3200400" indent="0">
+              <a:buNone/>
+              <a:defRPr sz="1600" b="1"/>
+            </a:lvl8pPr>
+            <a:lvl9pPr marL="3657600" indent="0">
+              <a:buNone/>
+              <a:defRPr sz="1600" b="1"/>
+            </a:lvl9pPr>
+          </a:lstStyle>
+          <a:p>
+            <a:pPr lvl="0"/>
+            <a:r>
+              <a:rPr lang="en-US"/>
+              <a:t>Click to edit Master text styles</a:t>
+            </a:r>
+          </a:p>
+        </p:txBody>
+      </p:sp>
+      <p:sp>
+        <p:nvSpPr>
+          <p:cNvPr id="29" name="Picture Placeholder 2"/>
+          <p:cNvSpPr>
+            <a:spLocks noGrp="1" noChangeAspect="1"/>
+          </p:cNvSpPr>
+          <p:nvPr>
+            <p:ph type="pic" idx="15"/>
+          </p:nvPr>
+        </p:nvSpPr>
+        <p:spPr>
+          <a:xfrm>
+            <a:off x="652463" y="2209800"/>
+            <a:ext cx="2940050" cy="1524000"/>
+          </a:xfrm>
+          <a:prstGeom prst="roundRect">
+            <a:avLst>
+              <a:gd name="adj" fmla="val 1858"/>
+            </a:avLst>
+          </a:prstGeom>
+          <a:effectLst>
+            <a:outerShdw blurRad="50800" dist="50800" dir="5400000" algn="tl" rotWithShape="0">
+              <a:srgbClr val="000000">
+                <a:alpha val="43000"/>
+              </a:srgbClr>
+            </a:outerShdw>
+          </a:effectLst>
+        </p:spPr>
+        <p:txBody>
+          <a:bodyPr anchor="t">
+            <a:normAutofit/>
+          </a:bodyPr>
+          <a:lstStyle>
+            <a:lvl1pPr marL="0" indent="0" algn="ctr">
+              <a:buNone/>
+              <a:defRPr sz="1600"/>
+            </a:lvl1pPr>
+            <a:lvl2pPr marL="457200" indent="0">
+              <a:buNone/>
+              <a:defRPr sz="1600"/>
+            </a:lvl2pPr>
+            <a:lvl3pPr marL="914400" indent="0">
+              <a:buNone/>
+              <a:defRPr sz="1600"/>
+            </a:lvl3pPr>
+            <a:lvl4pPr marL="1371600" indent="0">
+              <a:buNone/>
+              <a:defRPr sz="1600"/>
+            </a:lvl4pPr>
+            <a:lvl5pPr marL="1828800" indent="0">
+              <a:buNone/>
+              <a:defRPr sz="1600"/>
+            </a:lvl5pPr>
+            <a:lvl6pPr marL="2286000" indent="0">
+              <a:buNone/>
+              <a:defRPr sz="1600"/>
+            </a:lvl6pPr>
+            <a:lvl7pPr marL="2743200" indent="0">
+              <a:buNone/>
+              <a:defRPr sz="1600"/>
+            </a:lvl7pPr>
+            <a:lvl8pPr marL="3200400" indent="0">
+              <a:buNone/>
+              <a:defRPr sz="1600"/>
+            </a:lvl8pPr>
+            <a:lvl9pPr marL="3657600" indent="0">
+              <a:buNone/>
+              <a:defRPr sz="1600"/>
+            </a:lvl9pPr>
+          </a:lstStyle>
+          <a:p>
+            <a:r>
+              <a:rPr lang="en-US"/>
+              <a:t>Click icon to add picture</a:t>
+            </a:r>
+            <a:endParaRPr lang="en-US" dirty="0"/>
+          </a:p>
+        </p:txBody>
+      </p:sp>
+      <p:sp>
+        <p:nvSpPr>
+          <p:cNvPr id="22" name="Text Placeholder 3"/>
+          <p:cNvSpPr>
+            <a:spLocks noGrp="1"/>
+          </p:cNvSpPr>
+          <p:nvPr>
+            <p:ph type="body" sz="half" idx="18"/>
+          </p:nvPr>
+        </p:nvSpPr>
+        <p:spPr>
+          <a:xfrm>
+            <a:off x="652463" y="4827211"/>
+            <a:ext cx="2940050" cy="659189"/>
+          </a:xfrm>
+        </p:spPr>
+        <p:txBody>
+          <a:bodyPr anchor="t">
+            <a:normAutofit/>
+          </a:bodyPr>
+          <a:lstStyle>
+            <a:lvl1pPr marL="0" indent="0">
+              <a:buNone/>
+              <a:defRPr sz="1400"/>
+            </a:lvl1pPr>
+            <a:lvl2pPr marL="457200" indent="0">
+              <a:buNone/>
+              <a:defRPr sz="1200"/>
+            </a:lvl2pPr>
+            <a:lvl3pPr marL="914400" indent="0">
+              <a:buNone/>
+              <a:defRPr sz="1000"/>
+            </a:lvl3pPr>
+            <a:lvl4pPr marL="1371600" indent="0">
+              <a:buNone/>
+              <a:defRPr sz="900"/>
+            </a:lvl4pPr>
+            <a:lvl5pPr marL="1828800" indent="0">
+              <a:buNone/>
+              <a:defRPr sz="900"/>
+            </a:lvl5pPr>
+            <a:lvl6pPr marL="2286000" indent="0">
+              <a:buNone/>
+              <a:defRPr sz="900"/>
+            </a:lvl6pPr>
+            <a:lvl7pPr marL="2743200" indent="0">
+              <a:buNone/>
+              <a:defRPr sz="900"/>
+            </a:lvl7pPr>
+            <a:lvl8pPr marL="3200400" indent="0">
+              <a:buNone/>
+              <a:defRPr sz="900"/>
+            </a:lvl8pPr>
+            <a:lvl9pPr marL="3657600" indent="0">
+              <a:buNone/>
+              <a:defRPr sz="900"/>
+            </a:lvl9pPr>
+          </a:lstStyle>
+          <a:p>
+            <a:pPr lvl="0"/>
+            <a:r>
+              <a:rPr lang="en-US"/>
+              <a:t>Click to edit Master text styles</a:t>
+            </a:r>
+          </a:p>
+        </p:txBody>
+      </p:sp>
+      <p:sp>
+        <p:nvSpPr>
+          <p:cNvPr id="5" name="Text Placeholder 4"/>
+          <p:cNvSpPr>
+            <a:spLocks noGrp="1"/>
+          </p:cNvSpPr>
+          <p:nvPr>
+            <p:ph type="body" sz="quarter" idx="3"/>
+          </p:nvPr>
+        </p:nvSpPr>
+        <p:spPr>
+          <a:xfrm>
+            <a:off x="3889375" y="4250949"/>
+            <a:ext cx="2930525" cy="576262"/>
+          </a:xfrm>
+        </p:spPr>
+        <p:txBody>
+          <a:bodyPr anchor="b">
+            <a:noAutofit/>
+          </a:bodyPr>
+          <a:lstStyle>
+            <a:lvl1pPr marL="0" indent="0">
+              <a:buNone/>
+              <a:defRPr sz="2400" b="0">
+                <a:solidFill>
+                  <a:schemeClr val="bg2">
+                    <a:lumMod val="40000"/>
+                    <a:lumOff val="60000"/>
+                  </a:schemeClr>
+                </a:solidFill>
+              </a:defRPr>
+            </a:lvl1pPr>
+            <a:lvl2pPr marL="457200" indent="0">
+              <a:buNone/>
+              <a:defRPr sz="2000" b="1"/>
+            </a:lvl2pPr>
+            <a:lvl3pPr marL="914400" indent="0">
+              <a:buNone/>
+              <a:defRPr sz="1800" b="1"/>
+            </a:lvl3pPr>
+            <a:lvl4pPr marL="1371600" indent="0">
+              <a:buNone/>
+              <a:defRPr sz="1600" b="1"/>
+            </a:lvl4pPr>
+            <a:lvl5pPr marL="1828800" indent="0">
+              <a:buNone/>
+              <a:defRPr sz="1600" b="1"/>
+            </a:lvl5pPr>
+            <a:lvl6pPr marL="2286000" indent="0">
+              <a:buNone/>
+              <a:defRPr sz="1600" b="1"/>
+            </a:lvl6pPr>
+            <a:lvl7pPr marL="2743200" indent="0">
+              <a:buNone/>
+              <a:defRPr sz="1600" b="1"/>
+            </a:lvl7pPr>
+            <a:lvl8pPr marL="3200400" indent="0">
+              <a:buNone/>
+              <a:defRPr sz="1600" b="1"/>
+            </a:lvl8pPr>
+            <a:lvl9pPr marL="3657600" indent="0">
+              <a:buNone/>
+              <a:defRPr sz="1600" b="1"/>
+            </a:lvl9pPr>
+          </a:lstStyle>
+          <a:p>
+            <a:pPr lvl="0"/>
+            <a:r>
+              <a:rPr lang="en-US"/>
+              <a:t>Click to edit Master text styles</a:t>
+            </a:r>
+          </a:p>
+        </p:txBody>
+      </p:sp>
+      <p:sp>
+        <p:nvSpPr>
+          <p:cNvPr id="30" name="Picture Placeholder 2"/>
+          <p:cNvSpPr>
+            <a:spLocks noGrp="1" noChangeAspect="1"/>
+          </p:cNvSpPr>
+          <p:nvPr>
+            <p:ph type="pic" idx="21"/>
+          </p:nvPr>
+        </p:nvSpPr>
+        <p:spPr>
+          <a:xfrm>
+            <a:off x="3889374" y="2209800"/>
+            <a:ext cx="2930525" cy="1524000"/>
+          </a:xfrm>
+          <a:prstGeom prst="roundRect">
+            <a:avLst>
+              <a:gd name="adj" fmla="val 1858"/>
+            </a:avLst>
+          </a:prstGeom>
+          <a:effectLst>
+            <a:outerShdw blurRad="50800" dist="50800" dir="5400000" algn="tl" rotWithShape="0">
+              <a:srgbClr val="000000">
+                <a:alpha val="43000"/>
+              </a:srgbClr>
+            </a:outerShdw>
+          </a:effectLst>
+        </p:spPr>
+        <p:txBody>
+          <a:bodyPr anchor="t">
+            <a:normAutofit/>
+          </a:bodyPr>
+          <a:lstStyle>
+            <a:lvl1pPr marL="0" indent="0" algn="ctr">
+              <a:buNone/>
+              <a:defRPr sz="1600"/>
+            </a:lvl1pPr>
+            <a:lvl2pPr marL="457200" indent="0">
+              <a:buNone/>
+              <a:defRPr sz="1600"/>
+            </a:lvl2pPr>
+            <a:lvl3pPr marL="914400" indent="0">
+              <a:buNone/>
+              <a:defRPr sz="1600"/>
+            </a:lvl3pPr>
+            <a:lvl4pPr marL="1371600" indent="0">
+              <a:buNone/>
+              <a:defRPr sz="1600"/>
+            </a:lvl4pPr>
+            <a:lvl5pPr marL="1828800" indent="0">
+              <a:buNone/>
+              <a:defRPr sz="1600"/>
+            </a:lvl5pPr>
+            <a:lvl6pPr marL="2286000" indent="0">
+              <a:buNone/>
+              <a:defRPr sz="1600"/>
+            </a:lvl6pPr>
+            <a:lvl7pPr marL="2743200" indent="0">
+              <a:buNone/>
+              <a:defRPr sz="1600"/>
+            </a:lvl7pPr>
+            <a:lvl8pPr marL="3200400" indent="0">
+              <a:buNone/>
+              <a:defRPr sz="1600"/>
+            </a:lvl8pPr>
+            <a:lvl9pPr marL="3657600" indent="0">
+              <a:buNone/>
+              <a:defRPr sz="1600"/>
+            </a:lvl9pPr>
+          </a:lstStyle>
+          <a:p>
+            <a:r>
+              <a:rPr lang="en-US"/>
+              <a:t>Click icon to add picture</a:t>
+            </a:r>
+            <a:endParaRPr lang="en-US" dirty="0"/>
+          </a:p>
+        </p:txBody>
+      </p:sp>
+      <p:sp>
+        <p:nvSpPr>
+          <p:cNvPr id="23" name="Text Placeholder 3"/>
+          <p:cNvSpPr>
+            <a:spLocks noGrp="1"/>
+          </p:cNvSpPr>
+          <p:nvPr>
+            <p:ph type="body" sz="half" idx="19"/>
+          </p:nvPr>
+        </p:nvSpPr>
+        <p:spPr>
+          <a:xfrm>
+            <a:off x="3888022" y="4827210"/>
+            <a:ext cx="2934406" cy="659189"/>
+          </a:xfrm>
+        </p:spPr>
+        <p:txBody>
+          <a:bodyPr anchor="t">
+            <a:normAutofit/>
+          </a:bodyPr>
+          <a:lstStyle>
+            <a:lvl1pPr marL="0" indent="0">
+              <a:buNone/>
+              <a:defRPr sz="1400"/>
+            </a:lvl1pPr>
+            <a:lvl2pPr marL="457200" indent="0">
+              <a:buNone/>
+              <a:defRPr sz="1200"/>
+            </a:lvl2pPr>
+            <a:lvl3pPr marL="914400" indent="0">
+              <a:buNone/>
+              <a:defRPr sz="1000"/>
+            </a:lvl3pPr>
+            <a:lvl4pPr marL="1371600" indent="0">
+              <a:buNone/>
+              <a:defRPr sz="900"/>
+            </a:lvl4pPr>
+            <a:lvl5pPr marL="1828800" indent="0">
+              <a:buNone/>
+              <a:defRPr sz="900"/>
+            </a:lvl5pPr>
+            <a:lvl6pPr marL="2286000" indent="0">
+              <a:buNone/>
+              <a:defRPr sz="900"/>
+            </a:lvl6pPr>
+            <a:lvl7pPr marL="2743200" indent="0">
+              <a:buNone/>
+              <a:defRPr sz="900"/>
+            </a:lvl7pPr>
+            <a:lvl8pPr marL="3200400" indent="0">
+              <a:buNone/>
+              <a:defRPr sz="900"/>
+            </a:lvl8pPr>
+            <a:lvl9pPr marL="3657600" indent="0">
+              <a:buNone/>
+              <a:defRPr sz="900"/>
+            </a:lvl9pPr>
+          </a:lstStyle>
+          <a:p>
+            <a:pPr lvl="0"/>
+            <a:r>
+              <a:rPr lang="en-US"/>
+              <a:t>Click to edit Master text styles</a:t>
+            </a:r>
+          </a:p>
+        </p:txBody>
+      </p:sp>
+      <p:sp>
+        <p:nvSpPr>
+          <p:cNvPr id="14" name="Text Placeholder 4"/>
+          <p:cNvSpPr>
+            <a:spLocks noGrp="1"/>
+          </p:cNvSpPr>
+          <p:nvPr>
+            <p:ph type="body" sz="quarter" idx="13"/>
+          </p:nvPr>
+        </p:nvSpPr>
+        <p:spPr>
+          <a:xfrm>
+            <a:off x="7124700" y="4250949"/>
+            <a:ext cx="2932113" cy="576262"/>
+          </a:xfrm>
+        </p:spPr>
+        <p:txBody>
+          <a:bodyPr anchor="b">
+            <a:noAutofit/>
+          </a:bodyPr>
+          <a:lstStyle>
+            <a:lvl1pPr marL="0" indent="0">
+              <a:buNone/>
+              <a:defRPr sz="2400" b="0">
+                <a:solidFill>
+                  <a:schemeClr val="bg2">
+                    <a:lumMod val="40000"/>
+                    <a:lumOff val="60000"/>
+                  </a:schemeClr>
+                </a:solidFill>
+              </a:defRPr>
+            </a:lvl1pPr>
+            <a:lvl2pPr marL="457200" indent="0">
+              <a:buNone/>
+              <a:defRPr sz="2000" b="1"/>
+            </a:lvl2pPr>
+            <a:lvl3pPr marL="914400" indent="0">
+              <a:buNone/>
+              <a:defRPr sz="1800" b="1"/>
+            </a:lvl3pPr>
+            <a:lvl4pPr marL="1371600" indent="0">
+              <a:buNone/>
+              <a:defRPr sz="1600" b="1"/>
+            </a:lvl4pPr>
+            <a:lvl5pPr marL="1828800" indent="0">
+              <a:buNone/>
+              <a:defRPr sz="1600" b="1"/>
+            </a:lvl5pPr>
+            <a:lvl6pPr marL="2286000" indent="0">
+              <a:buNone/>
+              <a:defRPr sz="1600" b="1"/>
+            </a:lvl6pPr>
+            <a:lvl7pPr marL="2743200" indent="0">
+              <a:buNone/>
+              <a:defRPr sz="1600" b="1"/>
+            </a:lvl7pPr>
+            <a:lvl8pPr marL="3200400" indent="0">
+              <a:buNone/>
+              <a:defRPr sz="1600" b="1"/>
+            </a:lvl8pPr>
+            <a:lvl9pPr marL="3657600" indent="0">
+              <a:buNone/>
+              <a:defRPr sz="1600" b="1"/>
+            </a:lvl9pPr>
+          </a:lstStyle>
+          <a:p>
+            <a:pPr lvl="0"/>
+            <a:r>
+              <a:rPr lang="en-US"/>
+              <a:t>Click to edit Master text styles</a:t>
+            </a:r>
+          </a:p>
+        </p:txBody>
+      </p:sp>
+      <p:sp>
+        <p:nvSpPr>
+          <p:cNvPr id="31" name="Picture Placeholder 2"/>
+          <p:cNvSpPr>
+            <a:spLocks noGrp="1" noChangeAspect="1"/>
+          </p:cNvSpPr>
+          <p:nvPr>
+            <p:ph type="pic" idx="22"/>
+          </p:nvPr>
+        </p:nvSpPr>
+        <p:spPr>
+          <a:xfrm>
+            <a:off x="7124699" y="2209800"/>
+            <a:ext cx="2932113" cy="1524000"/>
+          </a:xfrm>
+          <a:prstGeom prst="roundRect">
+            <a:avLst>
+              <a:gd name="adj" fmla="val 1858"/>
+            </a:avLst>
+          </a:prstGeom>
+          <a:effectLst>
+            <a:outerShdw blurRad="50800" dist="50800" dir="5400000" algn="tl" rotWithShape="0">
+              <a:srgbClr val="000000">
+                <a:alpha val="43000"/>
+              </a:srgbClr>
+            </a:outerShdw>
+          </a:effectLst>
+        </p:spPr>
+        <p:txBody>
+          <a:bodyPr anchor="t">
+            <a:normAutofit/>
+          </a:bodyPr>
+          <a:lstStyle>
+            <a:lvl1pPr marL="0" indent="0" algn="ctr">
+              <a:buNone/>
+              <a:defRPr sz="1600"/>
+            </a:lvl1pPr>
+            <a:lvl2pPr marL="457200" indent="0">
+              <a:buNone/>
+              <a:defRPr sz="1600"/>
+            </a:lvl2pPr>
+            <a:lvl3pPr marL="914400" indent="0">
+              <a:buNone/>
+              <a:defRPr sz="1600"/>
+            </a:lvl3pPr>
+            <a:lvl4pPr marL="1371600" indent="0">
+              <a:buNone/>
+              <a:defRPr sz="1600"/>
+            </a:lvl4pPr>
+            <a:lvl5pPr marL="1828800" indent="0">
+              <a:buNone/>
+              <a:defRPr sz="1600"/>
+            </a:lvl5pPr>
+            <a:lvl6pPr marL="2286000" indent="0">
+              <a:buNone/>
+              <a:defRPr sz="1600"/>
+            </a:lvl6pPr>
+            <a:lvl7pPr marL="2743200" indent="0">
+              <a:buNone/>
+              <a:defRPr sz="1600"/>
+            </a:lvl7pPr>
+            <a:lvl8pPr marL="3200400" indent="0">
+              <a:buNone/>
+              <a:defRPr sz="1600"/>
+            </a:lvl8pPr>
+            <a:lvl9pPr marL="3657600" indent="0">
+              <a:buNone/>
+              <a:defRPr sz="1600"/>
+            </a:lvl9pPr>
+          </a:lstStyle>
+          <a:p>
+            <a:r>
+              <a:rPr lang="en-US"/>
+              <a:t>Click icon to add picture</a:t>
+            </a:r>
+            <a:endParaRPr lang="en-US" dirty="0"/>
+          </a:p>
+        </p:txBody>
+      </p:sp>
+      <p:sp>
+        <p:nvSpPr>
+          <p:cNvPr id="24" name="Text Placeholder 3"/>
+          <p:cNvSpPr>
+            <a:spLocks noGrp="1"/>
+          </p:cNvSpPr>
+          <p:nvPr>
+            <p:ph type="body" sz="half" idx="20"/>
+          </p:nvPr>
+        </p:nvSpPr>
+        <p:spPr>
+          <a:xfrm>
+            <a:off x="7124575" y="4827208"/>
+            <a:ext cx="2935997" cy="659189"/>
+          </a:xfrm>
+        </p:spPr>
+        <p:txBody>
+          <a:bodyPr anchor="t">
+            <a:normAutofit/>
+          </a:bodyPr>
+          <a:lstStyle>
+            <a:lvl1pPr marL="0" indent="0">
+              <a:buNone/>
+              <a:defRPr sz="1400"/>
+            </a:lvl1pPr>
+            <a:lvl2pPr marL="457200" indent="0">
+              <a:buNone/>
+              <a:defRPr sz="1200"/>
+            </a:lvl2pPr>
+            <a:lvl3pPr marL="914400" indent="0">
+              <a:buNone/>
+              <a:defRPr sz="1000"/>
+            </a:lvl3pPr>
+            <a:lvl4pPr marL="1371600" indent="0">
+              <a:buNone/>
+              <a:defRPr sz="900"/>
+            </a:lvl4pPr>
+            <a:lvl5pPr marL="1828800" indent="0">
+              <a:buNone/>
+              <a:defRPr sz="900"/>
+            </a:lvl5pPr>
+            <a:lvl6pPr marL="2286000" indent="0">
+              <a:buNone/>
+              <a:defRPr sz="900"/>
+            </a:lvl6pPr>
+            <a:lvl7pPr marL="2743200" indent="0">
+              <a:buNone/>
+              <a:defRPr sz="900"/>
+            </a:lvl7pPr>
+            <a:lvl8pPr marL="3200400" indent="0">
+              <a:buNone/>
+              <a:defRPr sz="900"/>
+            </a:lvl8pPr>
+            <a:lvl9pPr marL="3657600" indent="0">
+              <a:buNone/>
+              <a:defRPr sz="900"/>
+            </a:lvl9pPr>
+          </a:lstStyle>
+          <a:p>
+            <a:pPr lvl="0"/>
+            <a:r>
+              <a:rPr lang="en-US"/>
+              <a:t>Click to edit Master text styles</a:t>
+            </a:r>
+          </a:p>
+        </p:txBody>
+      </p:sp>
+      <p:cxnSp>
+        <p:nvCxnSpPr>
+          <p:cNvPr id="19" name="Straight Connector 18"/>
+          <p:cNvCxnSpPr/>
+          <p:nvPr/>
+        </p:nvCxnSpPr>
+        <p:spPr>
+          <a:xfrm>
+            <a:off x="3726142" y="2133600"/>
+            <a:ext cx="0" cy="3962400"/>
+          </a:xfrm>
+          <a:prstGeom prst="line">
+            <a:avLst/>
+          </a:prstGeom>
+          <a:ln w="12700" cmpd="sng">
+            <a:solidFill>
+              <a:schemeClr val="bg2">
+                <a:lumMod val="40000"/>
+                <a:lumOff val="60000"/>
+                <a:alpha val="40000"/>
+              </a:schemeClr>
+            </a:solidFill>
+          </a:ln>
+        </p:spPr>
+        <p:style>
+          <a:lnRef idx="2">
+            <a:schemeClr val="accent1"/>
+          </a:lnRef>
+          <a:fillRef idx="0">
+            <a:schemeClr val="accent1"/>
+          </a:fillRef>
+          <a:effectRef idx="1">
+            <a:schemeClr val="accent1"/>
+          </a:effectRef>
+          <a:fontRef idx="minor">
+            <a:schemeClr val="tx1"/>
+          </a:fontRef>
+        </p:style>
+      </p:cxnSp>
+      <p:cxnSp>
+        <p:nvCxnSpPr>
+          <p:cNvPr id="20" name="Straight Connector 19"/>
+          <p:cNvCxnSpPr/>
+          <p:nvPr/>
+        </p:nvCxnSpPr>
+        <p:spPr>
+          <a:xfrm>
+            <a:off x="6962227" y="2133600"/>
+            <a:ext cx="0" cy="3966882"/>
+          </a:xfrm>
+          <a:prstGeom prst="line">
+            <a:avLst/>
+          </a:prstGeom>
+          <a:ln w="12700" cmpd="sng">
+            <a:solidFill>
+              <a:schemeClr val="bg2">
+                <a:lumMod val="40000"/>
+                <a:lumOff val="60000"/>
+                <a:alpha val="40000"/>
+              </a:schemeClr>
+            </a:solidFill>
+          </a:ln>
+        </p:spPr>
+        <p:style>
+          <a:lnRef idx="2">
+            <a:schemeClr val="accent1"/>
+          </a:lnRef>
+          <a:fillRef idx="0">
+            <a:schemeClr val="accent1"/>
+          </a:fillRef>
+          <a:effectRef idx="1">
+            <a:schemeClr val="accent1"/>
+          </a:effectRef>
+          <a:fontRef idx="minor">
+            <a:schemeClr val="tx1"/>
+          </a:fontRef>
+        </p:style>
+      </p:cxnSp>
+      <p:sp>
+        <p:nvSpPr>
+          <p:cNvPr id="7" name="Date Placeholder 3"/>
+          <p:cNvSpPr>
+            <a:spLocks noGrp="1"/>
+          </p:cNvSpPr>
+          <p:nvPr>
+            <p:ph type="dt" sz="half" idx="10"/>
+          </p:nvPr>
+        </p:nvSpPr>
+        <p:spPr/>
+        <p:txBody>
+          <a:bodyPr/>
+          <a:lstStyle/>
+          <a:p>
+            <a:fld id="{FC11D2D4-B333-4FEB-8465-4F54198D0FD8}" type="datetimeFigureOut">
+              <a:rPr lang="en-US" smtClean="0"/>
+              <a:t>7/2/2019</a:t>
+            </a:fld>
+            <a:endParaRPr lang="en-US"/>
+          </a:p>
+        </p:txBody>
+      </p:sp>
+      <p:sp>
+        <p:nvSpPr>
+          <p:cNvPr id="4" name="Footer Placeholder 4"/>
+          <p:cNvSpPr>
+            <a:spLocks noGrp="1"/>
+          </p:cNvSpPr>
+          <p:nvPr>
+            <p:ph type="ftr" sz="quarter" idx="11"/>
+          </p:nvPr>
+        </p:nvSpPr>
+        <p:spPr/>
+        <p:txBody>
+          <a:bodyPr/>
+          <a:lstStyle/>
+          <a:p>
+            <a:endParaRPr lang="en-US"/>
+          </a:p>
+        </p:txBody>
+      </p:sp>
+      <p:sp>
+        <p:nvSpPr>
+          <p:cNvPr id="6" name="Slide Number Placeholder 5"/>
+          <p:cNvSpPr>
+            <a:spLocks noGrp="1"/>
+          </p:cNvSpPr>
+          <p:nvPr>
+            <p:ph type="sldNum" sz="quarter" idx="12"/>
+          </p:nvPr>
+        </p:nvSpPr>
+        <p:spPr/>
+        <p:txBody>
+          <a:bodyPr/>
+          <a:lstStyle/>
+          <a:p>
+            <a:fld id="{B160623F-A96C-4351-AFA3-101C55409E2D}" type="slidenum">
+              <a:rPr lang="en-US" smtClean="0"/>
+              <a:t>‹#›</a:t>
+            </a:fld>
+            <a:endParaRPr lang="en-US"/>
+          </a:p>
+        </p:txBody>
+      </p:sp>
+    </p:spTree>
+    <p:extLst>
+      <p:ext uri="{BB962C8B-B14F-4D97-AF65-F5344CB8AC3E}">
+        <p14:creationId xmlns:p14="http://schemas.microsoft.com/office/powerpoint/2010/main" val="1472912010"/>
+      </p:ext>
+    </p:extLst>
+  </p:cSld>
+  <p:clrMapOvr>
+    <a:masterClrMapping/>
+  </p:clrMapOvr>
+</p:sldLayout>
+</file>
+
+<file path=ppt/slideLayouts/slideLayout16.xml><?xml version="1.0" encoding="utf-8"?>
 <p:sldLayout xmlns:a="http://schemas.openxmlformats.org/drawingml/2006/main" xmlns:r="http://schemas.openxmlformats.org/officeDocument/2006/relationships" xmlns:p="http://schemas.openxmlformats.org/presentationml/2006/main" type="vertTx" preserve="1">
   <p:cSld name="Title and Vertical Text">
     <p:spTree>
@@ -365,13 +2958,7 @@
       </p:grpSpPr>
       <p:sp>
         <p:nvSpPr>
-          <p:cNvPr id="2" name="Title 1">
-            <a:extLst>
-              <a:ext uri="{FF2B5EF4-FFF2-40B4-BE49-F238E27FC236}">
-                <a16:creationId xmlns:a16="http://schemas.microsoft.com/office/drawing/2014/main" id="{81656F52-33FE-4901-90DC-FD435DC59C7A}"/>
-              </a:ext>
-            </a:extLst>
-          </p:cNvPr>
+          <p:cNvPr id="2" name="Title 1"/>
           <p:cNvSpPr>
             <a:spLocks noGrp="1"/>
           </p:cNvSpPr>
@@ -388,18 +2975,13 @@
               <a:rPr lang="en-US"/>
               <a:t>Click to edit Master title style</a:t>
             </a:r>
-          </a:p>
-        </p:txBody>
-      </p:sp>
-      <p:sp>
-        <p:nvSpPr>
-          <p:cNvPr id="3" name="Vertical Text Placeholder 2">
-            <a:extLst>
-              <a:ext uri="{FF2B5EF4-FFF2-40B4-BE49-F238E27FC236}">
-                <a16:creationId xmlns:a16="http://schemas.microsoft.com/office/drawing/2014/main" id="{163CC91A-E2AB-4AB1-B924-2709E91C3399}"/>
-              </a:ext>
-            </a:extLst>
-          </p:cNvPr>
+            <a:endParaRPr lang="en-US" dirty="0"/>
+          </a:p>
+        </p:txBody>
+      </p:sp>
+      <p:sp>
+        <p:nvSpPr>
+          <p:cNvPr id="3" name="Vertical Text Placeholder 2"/>
           <p:cNvSpPr>
             <a:spLocks noGrp="1"/>
           </p:cNvSpPr>
@@ -409,7 +2991,7 @@
         </p:nvSpPr>
         <p:spPr/>
         <p:txBody>
-          <a:bodyPr vert="eaVert"/>
+          <a:bodyPr vert="eaVert" anchor="t" anchorCtr="0"/>
           <a:lstStyle/>
           <a:p>
             <a:pPr lvl="0"/>
@@ -445,18 +3027,13 @@
               <a:rPr lang="en-US"/>
               <a:t>Fifth level</a:t>
             </a:r>
-          </a:p>
-        </p:txBody>
-      </p:sp>
-      <p:sp>
-        <p:nvSpPr>
-          <p:cNvPr id="4" name="Date Placeholder 3">
-            <a:extLst>
-              <a:ext uri="{FF2B5EF4-FFF2-40B4-BE49-F238E27FC236}">
-                <a16:creationId xmlns:a16="http://schemas.microsoft.com/office/drawing/2014/main" id="{07C775A8-469C-4847-B2B7-6C19A9359FC7}"/>
-              </a:ext>
-            </a:extLst>
-          </p:cNvPr>
+            <a:endParaRPr lang="en-US" dirty="0"/>
+          </a:p>
+        </p:txBody>
+      </p:sp>
+      <p:sp>
+        <p:nvSpPr>
+          <p:cNvPr id="4" name="Date Placeholder 3"/>
           <p:cNvSpPr>
             <a:spLocks noGrp="1"/>
           </p:cNvSpPr>
@@ -479,13 +3056,7 @@
       </p:sp>
       <p:sp>
         <p:nvSpPr>
-          <p:cNvPr id="5" name="Footer Placeholder 4">
-            <a:extLst>
-              <a:ext uri="{FF2B5EF4-FFF2-40B4-BE49-F238E27FC236}">
-                <a16:creationId xmlns:a16="http://schemas.microsoft.com/office/drawing/2014/main" id="{F9A9E7ED-58F0-45C4-B90D-2B34ECBF3107}"/>
-              </a:ext>
-            </a:extLst>
-          </p:cNvPr>
+          <p:cNvPr id="5" name="Footer Placeholder 4"/>
           <p:cNvSpPr>
             <a:spLocks noGrp="1"/>
           </p:cNvSpPr>
@@ -504,13 +3075,7 @@
       </p:sp>
       <p:sp>
         <p:nvSpPr>
-          <p:cNvPr id="6" name="Slide Number Placeholder 5">
-            <a:extLst>
-              <a:ext uri="{FF2B5EF4-FFF2-40B4-BE49-F238E27FC236}">
-                <a16:creationId xmlns:a16="http://schemas.microsoft.com/office/drawing/2014/main" id="{51D37BEB-3AEC-4FFB-A4F1-702C6A6EC868}"/>
-              </a:ext>
-            </a:extLst>
-          </p:cNvPr>
+          <p:cNvPr id="6" name="Slide Number Placeholder 5"/>
           <p:cNvSpPr>
             <a:spLocks noGrp="1"/>
           </p:cNvSpPr>
@@ -534,7 +3099,7 @@
     </p:spTree>
     <p:extLst>
       <p:ext uri="{BB962C8B-B14F-4D97-AF65-F5344CB8AC3E}">
-        <p14:creationId xmlns:p14="http://schemas.microsoft.com/office/powerpoint/2010/main" val="1411528761"/>
+        <p14:creationId xmlns:p14="http://schemas.microsoft.com/office/powerpoint/2010/main" val="66729970"/>
       </p:ext>
     </p:extLst>
   </p:cSld>
@@ -544,7 +3109,7 @@
 </p:sldLayout>
 </file>
 
-<file path=ppt/slideLayouts/slideLayout11.xml><?xml version="1.0" encoding="utf-8"?>
+<file path=ppt/slideLayouts/slideLayout17.xml><?xml version="1.0" encoding="utf-8"?>
 <p:sldLayout xmlns:a="http://schemas.openxmlformats.org/drawingml/2006/main" xmlns:r="http://schemas.openxmlformats.org/officeDocument/2006/relationships" xmlns:p="http://schemas.openxmlformats.org/presentationml/2006/main" type="vertTitleAndTx" preserve="1">
   <p:cSld name="Vertical Title and Text">
     <p:spTree>
@@ -563,13 +3128,7 @@
       </p:grpSpPr>
       <p:sp>
         <p:nvSpPr>
-          <p:cNvPr id="2" name="Vertical Title 1">
-            <a:extLst>
-              <a:ext uri="{FF2B5EF4-FFF2-40B4-BE49-F238E27FC236}">
-                <a16:creationId xmlns:a16="http://schemas.microsoft.com/office/drawing/2014/main" id="{4FA25A03-49A4-471E-B16A-A9E5CEE0BAF5}"/>
-              </a:ext>
-            </a:extLst>
-          </p:cNvPr>
+          <p:cNvPr id="2" name="Vertical Title 1"/>
           <p:cNvSpPr>
             <a:spLocks noGrp="1"/>
           </p:cNvSpPr>
@@ -579,47 +3138,42 @@
         </p:nvSpPr>
         <p:spPr>
           <a:xfrm>
-            <a:off x="8724900" y="365125"/>
-            <a:ext cx="2628900" cy="5811838"/>
+            <a:off x="8304212" y="430213"/>
+            <a:ext cx="1752601" cy="5826125"/>
           </a:xfrm>
         </p:spPr>
         <p:txBody>
+          <a:bodyPr vert="eaVert" anchor="b" anchorCtr="0"/>
+          <a:lstStyle/>
+          <a:p>
+            <a:r>
+              <a:rPr lang="en-US"/>
+              <a:t>Click to edit Master title style</a:t>
+            </a:r>
+            <a:endParaRPr lang="en-US" dirty="0"/>
+          </a:p>
+        </p:txBody>
+      </p:sp>
+      <p:sp>
+        <p:nvSpPr>
+          <p:cNvPr id="3" name="Vertical Text Placeholder 2"/>
+          <p:cNvSpPr>
+            <a:spLocks noGrp="1"/>
+          </p:cNvSpPr>
+          <p:nvPr>
+            <p:ph type="body" orient="vert" idx="1"/>
+          </p:nvPr>
+        </p:nvSpPr>
+        <p:spPr>
+          <a:xfrm>
+            <a:off x="652463" y="887414"/>
+            <a:ext cx="7423149" cy="5368924"/>
+          </a:xfrm>
+        </p:spPr>
+        <p:txBody>
           <a:bodyPr vert="eaVert"/>
           <a:lstStyle/>
           <a:p>
-            <a:r>
-              <a:rPr lang="en-US"/>
-              <a:t>Click to edit Master title style</a:t>
-            </a:r>
-          </a:p>
-        </p:txBody>
-      </p:sp>
-      <p:sp>
-        <p:nvSpPr>
-          <p:cNvPr id="3" name="Vertical Text Placeholder 2">
-            <a:extLst>
-              <a:ext uri="{FF2B5EF4-FFF2-40B4-BE49-F238E27FC236}">
-                <a16:creationId xmlns:a16="http://schemas.microsoft.com/office/drawing/2014/main" id="{F7FC9190-957A-4352-AC86-88A9B1988296}"/>
-              </a:ext>
-            </a:extLst>
-          </p:cNvPr>
-          <p:cNvSpPr>
-            <a:spLocks noGrp="1"/>
-          </p:cNvSpPr>
-          <p:nvPr>
-            <p:ph type="body" orient="vert" idx="1"/>
-          </p:nvPr>
-        </p:nvSpPr>
-        <p:spPr>
-          <a:xfrm>
-            <a:off x="838200" y="365125"/>
-            <a:ext cx="7734300" cy="5811838"/>
-          </a:xfrm>
-        </p:spPr>
-        <p:txBody>
-          <a:bodyPr vert="eaVert"/>
-          <a:lstStyle/>
-          <a:p>
             <a:pPr lvl="0"/>
             <a:r>
               <a:rPr lang="en-US"/>
@@ -653,18 +3207,13 @@
               <a:rPr lang="en-US"/>
               <a:t>Fifth level</a:t>
             </a:r>
-          </a:p>
-        </p:txBody>
-      </p:sp>
-      <p:sp>
-        <p:nvSpPr>
-          <p:cNvPr id="4" name="Date Placeholder 3">
-            <a:extLst>
-              <a:ext uri="{FF2B5EF4-FFF2-40B4-BE49-F238E27FC236}">
-                <a16:creationId xmlns:a16="http://schemas.microsoft.com/office/drawing/2014/main" id="{404F6B1D-47FD-4EB9-8F64-8B11AC84FC4B}"/>
-              </a:ext>
-            </a:extLst>
-          </p:cNvPr>
+            <a:endParaRPr lang="en-US" dirty="0"/>
+          </a:p>
+        </p:txBody>
+      </p:sp>
+      <p:sp>
+        <p:nvSpPr>
+          <p:cNvPr id="4" name="Date Placeholder 3"/>
           <p:cNvSpPr>
             <a:spLocks noGrp="1"/>
           </p:cNvSpPr>
@@ -687,13 +3236,7 @@
       </p:sp>
       <p:sp>
         <p:nvSpPr>
-          <p:cNvPr id="5" name="Footer Placeholder 4">
-            <a:extLst>
-              <a:ext uri="{FF2B5EF4-FFF2-40B4-BE49-F238E27FC236}">
-                <a16:creationId xmlns:a16="http://schemas.microsoft.com/office/drawing/2014/main" id="{2C52B1B3-FC4D-41AC-A925-CD02F49E4FF8}"/>
-              </a:ext>
-            </a:extLst>
-          </p:cNvPr>
+          <p:cNvPr id="5" name="Footer Placeholder 4"/>
           <p:cNvSpPr>
             <a:spLocks noGrp="1"/>
           </p:cNvSpPr>
@@ -712,13 +3255,7 @@
       </p:sp>
       <p:sp>
         <p:nvSpPr>
-          <p:cNvPr id="6" name="Slide Number Placeholder 5">
-            <a:extLst>
-              <a:ext uri="{FF2B5EF4-FFF2-40B4-BE49-F238E27FC236}">
-                <a16:creationId xmlns:a16="http://schemas.microsoft.com/office/drawing/2014/main" id="{BBB64469-2665-4294-9243-CF0F9002E27C}"/>
-              </a:ext>
-            </a:extLst>
-          </p:cNvPr>
+          <p:cNvPr id="6" name="Slide Number Placeholder 5"/>
           <p:cNvSpPr>
             <a:spLocks noGrp="1"/>
           </p:cNvSpPr>
@@ -742,7 +3279,7 @@
     </p:spTree>
     <p:extLst>
       <p:ext uri="{BB962C8B-B14F-4D97-AF65-F5344CB8AC3E}">
-        <p14:creationId xmlns:p14="http://schemas.microsoft.com/office/powerpoint/2010/main" val="1194330354"/>
+        <p14:creationId xmlns:p14="http://schemas.microsoft.com/office/powerpoint/2010/main" val="1868842336"/>
       </p:ext>
     </p:extLst>
   </p:cSld>
@@ -771,13 +3308,7 @@
       </p:grpSpPr>
       <p:sp>
         <p:nvSpPr>
-          <p:cNvPr id="2" name="Title 1">
-            <a:extLst>
-              <a:ext uri="{FF2B5EF4-FFF2-40B4-BE49-F238E27FC236}">
-                <a16:creationId xmlns:a16="http://schemas.microsoft.com/office/drawing/2014/main" id="{368AA581-F8D1-442C-85AA-B9E5AD2042D6}"/>
-              </a:ext>
-            </a:extLst>
-          </p:cNvPr>
+          <p:cNvPr id="2" name="Title 1"/>
           <p:cNvSpPr>
             <a:spLocks noGrp="1"/>
           </p:cNvSpPr>
@@ -794,18 +3325,13 @@
               <a:rPr lang="en-US"/>
               <a:t>Click to edit Master title style</a:t>
             </a:r>
-          </a:p>
-        </p:txBody>
-      </p:sp>
-      <p:sp>
-        <p:nvSpPr>
-          <p:cNvPr id="3" name="Content Placeholder 2">
-            <a:extLst>
-              <a:ext uri="{FF2B5EF4-FFF2-40B4-BE49-F238E27FC236}">
-                <a16:creationId xmlns:a16="http://schemas.microsoft.com/office/drawing/2014/main" id="{7EA6C21C-851C-453F-BA95-AC7FA26DADCA}"/>
-              </a:ext>
-            </a:extLst>
-          </p:cNvPr>
+            <a:endParaRPr lang="en-US" dirty="0"/>
+          </a:p>
+        </p:txBody>
+      </p:sp>
+      <p:sp>
+        <p:nvSpPr>
+          <p:cNvPr id="3" name="Content Placeholder 2"/>
           <p:cNvSpPr>
             <a:spLocks noGrp="1"/>
           </p:cNvSpPr>
@@ -851,18 +3377,13 @@
               <a:rPr lang="en-US"/>
               <a:t>Fifth level</a:t>
             </a:r>
-          </a:p>
-        </p:txBody>
-      </p:sp>
-      <p:sp>
-        <p:nvSpPr>
-          <p:cNvPr id="4" name="Date Placeholder 3">
-            <a:extLst>
-              <a:ext uri="{FF2B5EF4-FFF2-40B4-BE49-F238E27FC236}">
-                <a16:creationId xmlns:a16="http://schemas.microsoft.com/office/drawing/2014/main" id="{4A13B8D5-E40F-4A62-A28A-4AFF2FD07E87}"/>
-              </a:ext>
-            </a:extLst>
-          </p:cNvPr>
+            <a:endParaRPr lang="en-US" dirty="0"/>
+          </a:p>
+        </p:txBody>
+      </p:sp>
+      <p:sp>
+        <p:nvSpPr>
+          <p:cNvPr id="7" name="Date Placeholder 3"/>
           <p:cNvSpPr>
             <a:spLocks noGrp="1"/>
           </p:cNvSpPr>
@@ -885,13 +3406,7 @@
       </p:sp>
       <p:sp>
         <p:nvSpPr>
-          <p:cNvPr id="5" name="Footer Placeholder 4">
-            <a:extLst>
-              <a:ext uri="{FF2B5EF4-FFF2-40B4-BE49-F238E27FC236}">
-                <a16:creationId xmlns:a16="http://schemas.microsoft.com/office/drawing/2014/main" id="{F41A0BEF-4944-4B12-A9FB-612133F0246E}"/>
-              </a:ext>
-            </a:extLst>
-          </p:cNvPr>
+          <p:cNvPr id="5" name="Footer Placeholder 4"/>
           <p:cNvSpPr>
             <a:spLocks noGrp="1"/>
           </p:cNvSpPr>
@@ -910,13 +3425,7 @@
       </p:sp>
       <p:sp>
         <p:nvSpPr>
-          <p:cNvPr id="6" name="Slide Number Placeholder 5">
-            <a:extLst>
-              <a:ext uri="{FF2B5EF4-FFF2-40B4-BE49-F238E27FC236}">
-                <a16:creationId xmlns:a16="http://schemas.microsoft.com/office/drawing/2014/main" id="{6DE3105E-0135-4148-BD66-EAE5117D38D9}"/>
-              </a:ext>
-            </a:extLst>
-          </p:cNvPr>
+          <p:cNvPr id="6" name="Slide Number Placeholder 5"/>
           <p:cNvSpPr>
             <a:spLocks noGrp="1"/>
           </p:cNvSpPr>
@@ -940,7 +3449,7 @@
     </p:spTree>
     <p:extLst>
       <p:ext uri="{BB962C8B-B14F-4D97-AF65-F5344CB8AC3E}">
-        <p14:creationId xmlns:p14="http://schemas.microsoft.com/office/powerpoint/2010/main" val="858683683"/>
+        <p14:creationId xmlns:p14="http://schemas.microsoft.com/office/powerpoint/2010/main" val="1159613784"/>
       </p:ext>
     </p:extLst>
   </p:cSld>
@@ -969,13 +3478,7 @@
       </p:grpSpPr>
       <p:sp>
         <p:nvSpPr>
-          <p:cNvPr id="2" name="Title 1">
-            <a:extLst>
-              <a:ext uri="{FF2B5EF4-FFF2-40B4-BE49-F238E27FC236}">
-                <a16:creationId xmlns:a16="http://schemas.microsoft.com/office/drawing/2014/main" id="{BB43FAF8-689F-44B6-8AF5-AEA80495C229}"/>
-              </a:ext>
-            </a:extLst>
-          </p:cNvPr>
+          <p:cNvPr id="2" name="Title 1"/>
           <p:cNvSpPr>
             <a:spLocks noGrp="1"/>
           </p:cNvSpPr>
@@ -985,15 +3488,15 @@
         </p:nvSpPr>
         <p:spPr>
           <a:xfrm>
-            <a:off x="831850" y="1709738"/>
-            <a:ext cx="10515600" cy="2852737"/>
+            <a:off x="1154956" y="2861733"/>
+            <a:ext cx="8825657" cy="1915647"/>
           </a:xfrm>
         </p:spPr>
         <p:txBody>
           <a:bodyPr anchor="b"/>
           <a:lstStyle>
-            <a:lvl1pPr>
-              <a:defRPr sz="6000"/>
+            <a:lvl1pPr algn="l">
+              <a:defRPr sz="4000" b="0" cap="none"/>
             </a:lvl1pPr>
           </a:lstStyle>
           <a:p>
@@ -1001,18 +3504,13 @@
               <a:rPr lang="en-US"/>
               <a:t>Click to edit Master title style</a:t>
             </a:r>
-          </a:p>
-        </p:txBody>
-      </p:sp>
-      <p:sp>
-        <p:nvSpPr>
-          <p:cNvPr id="3" name="Text Placeholder 2">
-            <a:extLst>
-              <a:ext uri="{FF2B5EF4-FFF2-40B4-BE49-F238E27FC236}">
-                <a16:creationId xmlns:a16="http://schemas.microsoft.com/office/drawing/2014/main" id="{72486B8F-E3FC-4100-AEE9-0AD56B0A18D4}"/>
-              </a:ext>
-            </a:extLst>
-          </p:cNvPr>
+            <a:endParaRPr lang="en-US" dirty="0"/>
+          </a:p>
+        </p:txBody>
+      </p:sp>
+      <p:sp>
+        <p:nvSpPr>
+          <p:cNvPr id="3" name="Text Placeholder 2"/>
           <p:cNvSpPr>
             <a:spLocks noGrp="1"/>
           </p:cNvSpPr>
@@ -1022,26 +3520,27 @@
         </p:nvSpPr>
         <p:spPr>
           <a:xfrm>
-            <a:off x="831850" y="4589463"/>
-            <a:ext cx="10515600" cy="1500187"/>
+            <a:off x="1154955" y="4777381"/>
+            <a:ext cx="8825658" cy="860400"/>
           </a:xfrm>
         </p:spPr>
         <p:txBody>
-          <a:bodyPr/>
+          <a:bodyPr anchor="t"/>
           <a:lstStyle>
-            <a:lvl1pPr marL="0" indent="0">
-              <a:buNone/>
-              <a:defRPr sz="2400">
+            <a:lvl1pPr marL="0" indent="0" algn="l">
+              <a:buNone/>
+              <a:defRPr sz="2000" cap="all">
                 <a:solidFill>
-                  <a:schemeClr val="tx1">
-                    <a:tint val="75000"/>
+                  <a:schemeClr val="bg2">
+                    <a:lumMod val="40000"/>
+                    <a:lumOff val="60000"/>
                   </a:schemeClr>
                 </a:solidFill>
               </a:defRPr>
             </a:lvl1pPr>
             <a:lvl2pPr marL="457200" indent="0">
               <a:buNone/>
-              <a:defRPr sz="2000">
+              <a:defRPr sz="1800">
                 <a:solidFill>
                   <a:schemeClr val="tx1">
                     <a:tint val="75000"/>
@@ -1051,7 +3550,7 @@
             </a:lvl2pPr>
             <a:lvl3pPr marL="914400" indent="0">
               <a:buNone/>
-              <a:defRPr sz="1800">
+              <a:defRPr sz="1600">
                 <a:solidFill>
                   <a:schemeClr val="tx1">
                     <a:tint val="75000"/>
@@ -1061,7 +3560,7 @@
             </a:lvl3pPr>
             <a:lvl4pPr marL="1371600" indent="0">
               <a:buNone/>
-              <a:defRPr sz="1600">
+              <a:defRPr sz="1400">
                 <a:solidFill>
                   <a:schemeClr val="tx1">
                     <a:tint val="75000"/>
@@ -1071,7 +3570,7 @@
             </a:lvl4pPr>
             <a:lvl5pPr marL="1828800" indent="0">
               <a:buNone/>
-              <a:defRPr sz="1600">
+              <a:defRPr sz="1400">
                 <a:solidFill>
                   <a:schemeClr val="tx1">
                     <a:tint val="75000"/>
@@ -1081,7 +3580,7 @@
             </a:lvl5pPr>
             <a:lvl6pPr marL="2286000" indent="0">
               <a:buNone/>
-              <a:defRPr sz="1600">
+              <a:defRPr sz="1400">
                 <a:solidFill>
                   <a:schemeClr val="tx1">
                     <a:tint val="75000"/>
@@ -1091,7 +3590,7 @@
             </a:lvl6pPr>
             <a:lvl7pPr marL="2743200" indent="0">
               <a:buNone/>
-              <a:defRPr sz="1600">
+              <a:defRPr sz="1400">
                 <a:solidFill>
                   <a:schemeClr val="tx1">
                     <a:tint val="75000"/>
@@ -1101,7 +3600,7 @@
             </a:lvl7pPr>
             <a:lvl8pPr marL="3200400" indent="0">
               <a:buNone/>
-              <a:defRPr sz="1600">
+              <a:defRPr sz="1400">
                 <a:solidFill>
                   <a:schemeClr val="tx1">
                     <a:tint val="75000"/>
@@ -1111,7 +3610,7 @@
             </a:lvl8pPr>
             <a:lvl9pPr marL="3657600" indent="0">
               <a:buNone/>
-              <a:defRPr sz="1600">
+              <a:defRPr sz="1400">
                 <a:solidFill>
                   <a:schemeClr val="tx1">
                     <a:tint val="75000"/>
@@ -1131,13 +3630,7 @@
       </p:sp>
       <p:sp>
         <p:nvSpPr>
-          <p:cNvPr id="4" name="Date Placeholder 3">
-            <a:extLst>
-              <a:ext uri="{FF2B5EF4-FFF2-40B4-BE49-F238E27FC236}">
-                <a16:creationId xmlns:a16="http://schemas.microsoft.com/office/drawing/2014/main" id="{4A3B3E4B-A645-4086-8010-F836CD09B99B}"/>
-              </a:ext>
-            </a:extLst>
-          </p:cNvPr>
+          <p:cNvPr id="4" name="Date Placeholder 3"/>
           <p:cNvSpPr>
             <a:spLocks noGrp="1"/>
           </p:cNvSpPr>
@@ -1160,13 +3653,7 @@
       </p:sp>
       <p:sp>
         <p:nvSpPr>
-          <p:cNvPr id="5" name="Footer Placeholder 4">
-            <a:extLst>
-              <a:ext uri="{FF2B5EF4-FFF2-40B4-BE49-F238E27FC236}">
-                <a16:creationId xmlns:a16="http://schemas.microsoft.com/office/drawing/2014/main" id="{E15F61B7-CA1C-43D0-A576-7BFF40CC4145}"/>
-              </a:ext>
-            </a:extLst>
-          </p:cNvPr>
+          <p:cNvPr id="5" name="Footer Placeholder 4"/>
           <p:cNvSpPr>
             <a:spLocks noGrp="1"/>
           </p:cNvSpPr>
@@ -1185,13 +3672,7 @@
       </p:sp>
       <p:sp>
         <p:nvSpPr>
-          <p:cNvPr id="6" name="Slide Number Placeholder 5">
-            <a:extLst>
-              <a:ext uri="{FF2B5EF4-FFF2-40B4-BE49-F238E27FC236}">
-                <a16:creationId xmlns:a16="http://schemas.microsoft.com/office/drawing/2014/main" id="{F3D8AC46-12B0-4F89-A43B-7313AD9FADB2}"/>
-              </a:ext>
-            </a:extLst>
-          </p:cNvPr>
+          <p:cNvPr id="6" name="Slide Number Placeholder 5"/>
           <p:cNvSpPr>
             <a:spLocks noGrp="1"/>
           </p:cNvSpPr>
@@ -1215,7 +3696,7 @@
     </p:spTree>
     <p:extLst>
       <p:ext uri="{BB962C8B-B14F-4D97-AF65-F5344CB8AC3E}">
-        <p14:creationId xmlns:p14="http://schemas.microsoft.com/office/powerpoint/2010/main" val="2911493178"/>
+        <p14:creationId xmlns:p14="http://schemas.microsoft.com/office/powerpoint/2010/main" val="3785752968"/>
       </p:ext>
     </p:extLst>
   </p:cSld>
@@ -1244,13 +3725,7 @@
       </p:grpSpPr>
       <p:sp>
         <p:nvSpPr>
-          <p:cNvPr id="2" name="Title 1">
-            <a:extLst>
-              <a:ext uri="{FF2B5EF4-FFF2-40B4-BE49-F238E27FC236}">
-                <a16:creationId xmlns:a16="http://schemas.microsoft.com/office/drawing/2014/main" id="{9EC1776E-C45E-4120-A438-240554945724}"/>
-              </a:ext>
-            </a:extLst>
-          </p:cNvPr>
+          <p:cNvPr id="2" name="Title 1"/>
           <p:cNvSpPr>
             <a:spLocks noGrp="1"/>
           </p:cNvSpPr>
@@ -1267,18 +3742,13 @@
               <a:rPr lang="en-US"/>
               <a:t>Click to edit Master title style</a:t>
             </a:r>
-          </a:p>
-        </p:txBody>
-      </p:sp>
-      <p:sp>
-        <p:nvSpPr>
-          <p:cNvPr id="3" name="Content Placeholder 2">
-            <a:extLst>
-              <a:ext uri="{FF2B5EF4-FFF2-40B4-BE49-F238E27FC236}">
-                <a16:creationId xmlns:a16="http://schemas.microsoft.com/office/drawing/2014/main" id="{15A3F43E-E5CE-4C25-B0A8-BC34063D46E9}"/>
-              </a:ext>
-            </a:extLst>
-          </p:cNvPr>
+            <a:endParaRPr lang="en-US" dirty="0"/>
+          </a:p>
+        </p:txBody>
+      </p:sp>
+      <p:sp>
+        <p:nvSpPr>
+          <p:cNvPr id="3" name="Content Placeholder 2"/>
           <p:cNvSpPr>
             <a:spLocks noGrp="1"/>
           </p:cNvSpPr>
@@ -1288,13 +3758,43 @@
         </p:nvSpPr>
         <p:spPr>
           <a:xfrm>
-            <a:off x="838200" y="1825625"/>
-            <a:ext cx="5181600" cy="4351338"/>
+            <a:off x="1103312" y="2060575"/>
+            <a:ext cx="4396339" cy="4195763"/>
           </a:xfrm>
         </p:spPr>
         <p:txBody>
-          <a:bodyPr/>
-          <a:lstStyle/>
+          <a:bodyPr>
+            <a:normAutofit/>
+          </a:bodyPr>
+          <a:lstStyle>
+            <a:lvl1pPr>
+              <a:defRPr sz="1800"/>
+            </a:lvl1pPr>
+            <a:lvl2pPr>
+              <a:defRPr sz="1600"/>
+            </a:lvl2pPr>
+            <a:lvl3pPr>
+              <a:defRPr sz="1400"/>
+            </a:lvl3pPr>
+            <a:lvl4pPr>
+              <a:defRPr sz="1200"/>
+            </a:lvl4pPr>
+            <a:lvl5pPr>
+              <a:defRPr sz="1200"/>
+            </a:lvl5pPr>
+            <a:lvl6pPr>
+              <a:defRPr sz="1200"/>
+            </a:lvl6pPr>
+            <a:lvl7pPr>
+              <a:defRPr sz="1200"/>
+            </a:lvl7pPr>
+            <a:lvl8pPr>
+              <a:defRPr sz="1200"/>
+            </a:lvl8pPr>
+            <a:lvl9pPr>
+              <a:defRPr sz="1200"/>
+            </a:lvl9pPr>
+          </a:lstStyle>
           <a:p>
             <a:pPr lvl="0"/>
             <a:r>
@@ -1329,18 +3829,13 @@
               <a:rPr lang="en-US"/>
               <a:t>Fifth level</a:t>
             </a:r>
-          </a:p>
-        </p:txBody>
-      </p:sp>
-      <p:sp>
-        <p:nvSpPr>
-          <p:cNvPr id="4" name="Content Placeholder 3">
-            <a:extLst>
-              <a:ext uri="{FF2B5EF4-FFF2-40B4-BE49-F238E27FC236}">
-                <a16:creationId xmlns:a16="http://schemas.microsoft.com/office/drawing/2014/main" id="{8AFB5E1D-870C-445E-8AB8-7916BEE57B4D}"/>
-              </a:ext>
-            </a:extLst>
-          </p:cNvPr>
+            <a:endParaRPr lang="en-US" dirty="0"/>
+          </a:p>
+        </p:txBody>
+      </p:sp>
+      <p:sp>
+        <p:nvSpPr>
+          <p:cNvPr id="4" name="Content Placeholder 3"/>
           <p:cNvSpPr>
             <a:spLocks noGrp="1"/>
           </p:cNvSpPr>
@@ -1350,13 +3845,43 @@
         </p:nvSpPr>
         <p:spPr>
           <a:xfrm>
-            <a:off x="6172200" y="1825625"/>
-            <a:ext cx="5181600" cy="4351338"/>
+            <a:off x="5654493" y="2056092"/>
+            <a:ext cx="4396341" cy="4200245"/>
           </a:xfrm>
         </p:spPr>
         <p:txBody>
-          <a:bodyPr/>
-          <a:lstStyle/>
+          <a:bodyPr>
+            <a:normAutofit/>
+          </a:bodyPr>
+          <a:lstStyle>
+            <a:lvl1pPr>
+              <a:defRPr sz="1800"/>
+            </a:lvl1pPr>
+            <a:lvl2pPr>
+              <a:defRPr sz="1600"/>
+            </a:lvl2pPr>
+            <a:lvl3pPr>
+              <a:defRPr sz="1400"/>
+            </a:lvl3pPr>
+            <a:lvl4pPr>
+              <a:defRPr sz="1200"/>
+            </a:lvl4pPr>
+            <a:lvl5pPr>
+              <a:defRPr sz="1200"/>
+            </a:lvl5pPr>
+            <a:lvl6pPr>
+              <a:defRPr sz="1200"/>
+            </a:lvl6pPr>
+            <a:lvl7pPr>
+              <a:defRPr sz="1200"/>
+            </a:lvl7pPr>
+            <a:lvl8pPr>
+              <a:defRPr sz="1200"/>
+            </a:lvl8pPr>
+            <a:lvl9pPr>
+              <a:defRPr sz="1200"/>
+            </a:lvl9pPr>
+          </a:lstStyle>
           <a:p>
             <a:pPr lvl="0"/>
             <a:r>
@@ -1391,18 +3916,13 @@
               <a:rPr lang="en-US"/>
               <a:t>Fifth level</a:t>
             </a:r>
-          </a:p>
-        </p:txBody>
-      </p:sp>
-      <p:sp>
-        <p:nvSpPr>
-          <p:cNvPr id="5" name="Date Placeholder 4">
-            <a:extLst>
-              <a:ext uri="{FF2B5EF4-FFF2-40B4-BE49-F238E27FC236}">
-                <a16:creationId xmlns:a16="http://schemas.microsoft.com/office/drawing/2014/main" id="{72AC6AF5-A3F4-41F2-9A63-5C45156F4052}"/>
-              </a:ext>
-            </a:extLst>
-          </p:cNvPr>
+            <a:endParaRPr lang="en-US" dirty="0"/>
+          </a:p>
+        </p:txBody>
+      </p:sp>
+      <p:sp>
+        <p:nvSpPr>
+          <p:cNvPr id="5" name="Date Placeholder 4"/>
           <p:cNvSpPr>
             <a:spLocks noGrp="1"/>
           </p:cNvSpPr>
@@ -1425,13 +3945,7 @@
       </p:sp>
       <p:sp>
         <p:nvSpPr>
-          <p:cNvPr id="6" name="Footer Placeholder 5">
-            <a:extLst>
-              <a:ext uri="{FF2B5EF4-FFF2-40B4-BE49-F238E27FC236}">
-                <a16:creationId xmlns:a16="http://schemas.microsoft.com/office/drawing/2014/main" id="{BDF89A4B-A2C7-4F38-A5DD-251DF191CD75}"/>
-              </a:ext>
-            </a:extLst>
-          </p:cNvPr>
+          <p:cNvPr id="6" name="Footer Placeholder 5"/>
           <p:cNvSpPr>
             <a:spLocks noGrp="1"/>
           </p:cNvSpPr>
@@ -1450,13 +3964,7 @@
       </p:sp>
       <p:sp>
         <p:nvSpPr>
-          <p:cNvPr id="7" name="Slide Number Placeholder 6">
-            <a:extLst>
-              <a:ext uri="{FF2B5EF4-FFF2-40B4-BE49-F238E27FC236}">
-                <a16:creationId xmlns:a16="http://schemas.microsoft.com/office/drawing/2014/main" id="{FC7D8F58-1EA0-46F2-B608-F7CB31CFE8E2}"/>
-              </a:ext>
-            </a:extLst>
-          </p:cNvPr>
+          <p:cNvPr id="7" name="Slide Number Placeholder 6"/>
           <p:cNvSpPr>
             <a:spLocks noGrp="1"/>
           </p:cNvSpPr>
@@ -1480,7 +3988,7 @@
     </p:spTree>
     <p:extLst>
       <p:ext uri="{BB962C8B-B14F-4D97-AF65-F5344CB8AC3E}">
-        <p14:creationId xmlns:p14="http://schemas.microsoft.com/office/powerpoint/2010/main" val="2031671335"/>
+        <p14:creationId xmlns:p14="http://schemas.microsoft.com/office/powerpoint/2010/main" val="2580005194"/>
       </p:ext>
     </p:extLst>
   </p:cSld>
@@ -1509,65 +4017,62 @@
       </p:grpSpPr>
       <p:sp>
         <p:nvSpPr>
-          <p:cNvPr id="2" name="Title 1">
-            <a:extLst>
-              <a:ext uri="{FF2B5EF4-FFF2-40B4-BE49-F238E27FC236}">
-                <a16:creationId xmlns:a16="http://schemas.microsoft.com/office/drawing/2014/main" id="{74ED6084-E2EE-44F1-B4D1-62BD87C4CD46}"/>
-              </a:ext>
-            </a:extLst>
-          </p:cNvPr>
+          <p:cNvPr id="2" name="Title 1"/>
           <p:cNvSpPr>
             <a:spLocks noGrp="1"/>
           </p:cNvSpPr>
           <p:nvPr>
             <p:ph type="title"/>
+          </p:nvPr>
+        </p:nvSpPr>
+        <p:spPr/>
+        <p:txBody>
+          <a:bodyPr/>
+          <a:lstStyle>
+            <a:lvl1pPr>
+              <a:defRPr/>
+            </a:lvl1pPr>
+          </a:lstStyle>
+          <a:p>
+            <a:r>
+              <a:rPr lang="en-US"/>
+              <a:t>Click to edit Master title style</a:t>
+            </a:r>
+            <a:endParaRPr lang="en-US" dirty="0"/>
+          </a:p>
+        </p:txBody>
+      </p:sp>
+      <p:sp>
+        <p:nvSpPr>
+          <p:cNvPr id="3" name="Text Placeholder 2"/>
+          <p:cNvSpPr>
+            <a:spLocks noGrp="1"/>
+          </p:cNvSpPr>
+          <p:nvPr>
+            <p:ph type="body" idx="1"/>
           </p:nvPr>
         </p:nvSpPr>
         <p:spPr>
           <a:xfrm>
-            <a:off x="839788" y="365125"/>
-            <a:ext cx="10515600" cy="1325563"/>
+            <a:off x="1103313" y="1905000"/>
+            <a:ext cx="4396338" cy="576262"/>
           </a:xfrm>
         </p:spPr>
         <p:txBody>
-          <a:bodyPr/>
-          <a:lstStyle/>
-          <a:p>
-            <a:r>
-              <a:rPr lang="en-US"/>
-              <a:t>Click to edit Master title style</a:t>
-            </a:r>
-          </a:p>
-        </p:txBody>
-      </p:sp>
-      <p:sp>
-        <p:nvSpPr>
-          <p:cNvPr id="3" name="Text Placeholder 2">
-            <a:extLst>
-              <a:ext uri="{FF2B5EF4-FFF2-40B4-BE49-F238E27FC236}">
-                <a16:creationId xmlns:a16="http://schemas.microsoft.com/office/drawing/2014/main" id="{92FD8A7F-2F4C-47F2-AD93-7C3A9778B090}"/>
-              </a:ext>
-            </a:extLst>
-          </p:cNvPr>
-          <p:cNvSpPr>
-            <a:spLocks noGrp="1"/>
-          </p:cNvSpPr>
-          <p:nvPr>
-            <p:ph type="body" idx="1"/>
-          </p:nvPr>
-        </p:nvSpPr>
-        <p:spPr>
-          <a:xfrm>
-            <a:off x="839788" y="1681163"/>
-            <a:ext cx="5157787" cy="823912"/>
-          </a:xfrm>
-        </p:spPr>
-        <p:txBody>
-          <a:bodyPr anchor="b"/>
+          <a:bodyPr anchor="b">
+            <a:noAutofit/>
+          </a:bodyPr>
           <a:lstStyle>
             <a:lvl1pPr marL="0" indent="0">
               <a:buNone/>
-              <a:defRPr sz="2400" b="1"/>
+              <a:defRPr sz="2400" b="0">
+                <a:solidFill>
+                  <a:schemeClr val="bg2">
+                    <a:lumMod val="40000"/>
+                    <a:lumOff val="60000"/>
+                  </a:schemeClr>
+                </a:solidFill>
+              </a:defRPr>
             </a:lvl1pPr>
             <a:lvl2pPr marL="457200" indent="0">
               <a:buNone/>
@@ -1613,13 +4118,7 @@
       </p:sp>
       <p:sp>
         <p:nvSpPr>
-          <p:cNvPr id="4" name="Content Placeholder 3">
-            <a:extLst>
-              <a:ext uri="{FF2B5EF4-FFF2-40B4-BE49-F238E27FC236}">
-                <a16:creationId xmlns:a16="http://schemas.microsoft.com/office/drawing/2014/main" id="{39B5D630-F1AE-4369-B8DD-B38D6050DEB3}"/>
-              </a:ext>
-            </a:extLst>
-          </p:cNvPr>
+          <p:cNvPr id="4" name="Content Placeholder 3"/>
           <p:cNvSpPr>
             <a:spLocks noGrp="1"/>
           </p:cNvSpPr>
@@ -1629,13 +4128,43 @@
         </p:nvSpPr>
         <p:spPr>
           <a:xfrm>
-            <a:off x="839788" y="2505075"/>
-            <a:ext cx="5157787" cy="3684588"/>
+            <a:off x="1103312" y="2514600"/>
+            <a:ext cx="4396339" cy="3741738"/>
           </a:xfrm>
         </p:spPr>
         <p:txBody>
-          <a:bodyPr/>
-          <a:lstStyle/>
+          <a:bodyPr>
+            <a:normAutofit/>
+          </a:bodyPr>
+          <a:lstStyle>
+            <a:lvl1pPr>
+              <a:defRPr sz="1800"/>
+            </a:lvl1pPr>
+            <a:lvl2pPr>
+              <a:defRPr sz="1600"/>
+            </a:lvl2pPr>
+            <a:lvl3pPr>
+              <a:defRPr sz="1400"/>
+            </a:lvl3pPr>
+            <a:lvl4pPr>
+              <a:defRPr sz="1200"/>
+            </a:lvl4pPr>
+            <a:lvl5pPr>
+              <a:defRPr sz="1200"/>
+            </a:lvl5pPr>
+            <a:lvl6pPr>
+              <a:defRPr sz="1200"/>
+            </a:lvl6pPr>
+            <a:lvl7pPr>
+              <a:defRPr sz="1200"/>
+            </a:lvl7pPr>
+            <a:lvl8pPr>
+              <a:defRPr sz="1200"/>
+            </a:lvl8pPr>
+            <a:lvl9pPr>
+              <a:defRPr sz="1200"/>
+            </a:lvl9pPr>
+          </a:lstStyle>
           <a:p>
             <a:pPr lvl="0"/>
             <a:r>
@@ -1670,18 +4199,13 @@
               <a:rPr lang="en-US"/>
               <a:t>Fifth level</a:t>
             </a:r>
-          </a:p>
-        </p:txBody>
-      </p:sp>
-      <p:sp>
-        <p:nvSpPr>
-          <p:cNvPr id="5" name="Text Placeholder 4">
-            <a:extLst>
-              <a:ext uri="{FF2B5EF4-FFF2-40B4-BE49-F238E27FC236}">
-                <a16:creationId xmlns:a16="http://schemas.microsoft.com/office/drawing/2014/main" id="{3FA4FD74-7D1B-4F4E-812F-FCDE388B3D3D}"/>
-              </a:ext>
-            </a:extLst>
-          </p:cNvPr>
+            <a:endParaRPr lang="en-US" dirty="0"/>
+          </a:p>
+        </p:txBody>
+      </p:sp>
+      <p:sp>
+        <p:nvSpPr>
+          <p:cNvPr id="5" name="Text Placeholder 4"/>
           <p:cNvSpPr>
             <a:spLocks noGrp="1"/>
           </p:cNvSpPr>
@@ -1691,16 +4215,25 @@
         </p:nvSpPr>
         <p:spPr>
           <a:xfrm>
-            <a:off x="6172200" y="1681163"/>
-            <a:ext cx="5183188" cy="823912"/>
+            <a:off x="5654495" y="1905000"/>
+            <a:ext cx="4396339" cy="576262"/>
           </a:xfrm>
         </p:spPr>
         <p:txBody>
-          <a:bodyPr anchor="b"/>
+          <a:bodyPr anchor="b">
+            <a:noAutofit/>
+          </a:bodyPr>
           <a:lstStyle>
             <a:lvl1pPr marL="0" indent="0">
               <a:buNone/>
-              <a:defRPr sz="2400" b="1"/>
+              <a:defRPr sz="2400" b="0">
+                <a:solidFill>
+                  <a:schemeClr val="bg2">
+                    <a:lumMod val="40000"/>
+                    <a:lumOff val="60000"/>
+                  </a:schemeClr>
+                </a:solidFill>
+              </a:defRPr>
             </a:lvl1pPr>
             <a:lvl2pPr marL="457200" indent="0">
               <a:buNone/>
@@ -1746,13 +4279,7 @@
       </p:sp>
       <p:sp>
         <p:nvSpPr>
-          <p:cNvPr id="6" name="Content Placeholder 5">
-            <a:extLst>
-              <a:ext uri="{FF2B5EF4-FFF2-40B4-BE49-F238E27FC236}">
-                <a16:creationId xmlns:a16="http://schemas.microsoft.com/office/drawing/2014/main" id="{76AC923C-C364-4789-AD1C-3ED16E67C63E}"/>
-              </a:ext>
-            </a:extLst>
-          </p:cNvPr>
+          <p:cNvPr id="6" name="Content Placeholder 5"/>
           <p:cNvSpPr>
             <a:spLocks noGrp="1"/>
           </p:cNvSpPr>
@@ -1762,13 +4289,43 @@
         </p:nvSpPr>
         <p:spPr>
           <a:xfrm>
-            <a:off x="6172200" y="2505075"/>
-            <a:ext cx="5183188" cy="3684588"/>
+            <a:off x="5654495" y="2514600"/>
+            <a:ext cx="4396339" cy="3741738"/>
           </a:xfrm>
         </p:spPr>
         <p:txBody>
-          <a:bodyPr/>
-          <a:lstStyle/>
+          <a:bodyPr>
+            <a:normAutofit/>
+          </a:bodyPr>
+          <a:lstStyle>
+            <a:lvl1pPr>
+              <a:defRPr sz="1800"/>
+            </a:lvl1pPr>
+            <a:lvl2pPr>
+              <a:defRPr sz="1600"/>
+            </a:lvl2pPr>
+            <a:lvl3pPr>
+              <a:defRPr sz="1400"/>
+            </a:lvl3pPr>
+            <a:lvl4pPr>
+              <a:defRPr sz="1200"/>
+            </a:lvl4pPr>
+            <a:lvl5pPr>
+              <a:defRPr sz="1200"/>
+            </a:lvl5pPr>
+            <a:lvl6pPr>
+              <a:defRPr sz="1200"/>
+            </a:lvl6pPr>
+            <a:lvl7pPr>
+              <a:defRPr sz="1200"/>
+            </a:lvl7pPr>
+            <a:lvl8pPr>
+              <a:defRPr sz="1200"/>
+            </a:lvl8pPr>
+            <a:lvl9pPr>
+              <a:defRPr sz="1200"/>
+            </a:lvl9pPr>
+          </a:lstStyle>
           <a:p>
             <a:pPr lvl="0"/>
             <a:r>
@@ -1803,18 +4360,13 @@
               <a:rPr lang="en-US"/>
               <a:t>Fifth level</a:t>
             </a:r>
-          </a:p>
-        </p:txBody>
-      </p:sp>
-      <p:sp>
-        <p:nvSpPr>
-          <p:cNvPr id="7" name="Date Placeholder 6">
-            <a:extLst>
-              <a:ext uri="{FF2B5EF4-FFF2-40B4-BE49-F238E27FC236}">
-                <a16:creationId xmlns:a16="http://schemas.microsoft.com/office/drawing/2014/main" id="{F5FABD7A-AEA3-48E1-B73C-4D43779FBA46}"/>
-              </a:ext>
-            </a:extLst>
-          </p:cNvPr>
+            <a:endParaRPr lang="en-US" dirty="0"/>
+          </a:p>
+        </p:txBody>
+      </p:sp>
+      <p:sp>
+        <p:nvSpPr>
+          <p:cNvPr id="7" name="Date Placeholder 6"/>
           <p:cNvSpPr>
             <a:spLocks noGrp="1"/>
           </p:cNvSpPr>
@@ -1837,13 +4389,7 @@
       </p:sp>
       <p:sp>
         <p:nvSpPr>
-          <p:cNvPr id="8" name="Footer Placeholder 7">
-            <a:extLst>
-              <a:ext uri="{FF2B5EF4-FFF2-40B4-BE49-F238E27FC236}">
-                <a16:creationId xmlns:a16="http://schemas.microsoft.com/office/drawing/2014/main" id="{A6F4265A-4D37-420B-9002-30214D70E32D}"/>
-              </a:ext>
-            </a:extLst>
-          </p:cNvPr>
+          <p:cNvPr id="8" name="Footer Placeholder 7"/>
           <p:cNvSpPr>
             <a:spLocks noGrp="1"/>
           </p:cNvSpPr>
@@ -1862,13 +4408,7 @@
       </p:sp>
       <p:sp>
         <p:nvSpPr>
-          <p:cNvPr id="9" name="Slide Number Placeholder 8">
-            <a:extLst>
-              <a:ext uri="{FF2B5EF4-FFF2-40B4-BE49-F238E27FC236}">
-                <a16:creationId xmlns:a16="http://schemas.microsoft.com/office/drawing/2014/main" id="{D76F6404-720E-428C-9579-0B8E6F5777E7}"/>
-              </a:ext>
-            </a:extLst>
-          </p:cNvPr>
+          <p:cNvPr id="9" name="Slide Number Placeholder 8"/>
           <p:cNvSpPr>
             <a:spLocks noGrp="1"/>
           </p:cNvSpPr>
@@ -1892,7 +4432,7 @@
     </p:spTree>
     <p:extLst>
       <p:ext uri="{BB962C8B-B14F-4D97-AF65-F5344CB8AC3E}">
-        <p14:creationId xmlns:p14="http://schemas.microsoft.com/office/powerpoint/2010/main" val="1414563413"/>
+        <p14:creationId xmlns:p14="http://schemas.microsoft.com/office/powerpoint/2010/main" val="689276308"/>
       </p:ext>
     </p:extLst>
   </p:cSld>
@@ -1921,13 +4461,7 @@
       </p:grpSpPr>
       <p:sp>
         <p:nvSpPr>
-          <p:cNvPr id="2" name="Title 1">
-            <a:extLst>
-              <a:ext uri="{FF2B5EF4-FFF2-40B4-BE49-F238E27FC236}">
-                <a16:creationId xmlns:a16="http://schemas.microsoft.com/office/drawing/2014/main" id="{352BC90A-B421-4B8F-AB3F-0654128D26A9}"/>
-              </a:ext>
-            </a:extLst>
-          </p:cNvPr>
+          <p:cNvPr id="2" name="Title 1"/>
           <p:cNvSpPr>
             <a:spLocks noGrp="1"/>
           </p:cNvSpPr>
@@ -1944,18 +4478,13 @@
               <a:rPr lang="en-US"/>
               <a:t>Click to edit Master title style</a:t>
             </a:r>
-          </a:p>
-        </p:txBody>
-      </p:sp>
-      <p:sp>
-        <p:nvSpPr>
-          <p:cNvPr id="3" name="Date Placeholder 2">
-            <a:extLst>
-              <a:ext uri="{FF2B5EF4-FFF2-40B4-BE49-F238E27FC236}">
-                <a16:creationId xmlns:a16="http://schemas.microsoft.com/office/drawing/2014/main" id="{C7F57BA8-53AC-467F-BCA0-04F035B80B63}"/>
-              </a:ext>
-            </a:extLst>
-          </p:cNvPr>
+            <a:endParaRPr lang="en-US" dirty="0"/>
+          </a:p>
+        </p:txBody>
+      </p:sp>
+      <p:sp>
+        <p:nvSpPr>
+          <p:cNvPr id="7" name="Date Placeholder 2"/>
           <p:cNvSpPr>
             <a:spLocks noGrp="1"/>
           </p:cNvSpPr>
@@ -1978,13 +4507,7 @@
       </p:sp>
       <p:sp>
         <p:nvSpPr>
-          <p:cNvPr id="4" name="Footer Placeholder 3">
-            <a:extLst>
-              <a:ext uri="{FF2B5EF4-FFF2-40B4-BE49-F238E27FC236}">
-                <a16:creationId xmlns:a16="http://schemas.microsoft.com/office/drawing/2014/main" id="{9A402819-37ED-48EE-9339-192F7E1560D0}"/>
-              </a:ext>
-            </a:extLst>
-          </p:cNvPr>
+          <p:cNvPr id="5" name="Footer Placeholder 3"/>
           <p:cNvSpPr>
             <a:spLocks noGrp="1"/>
           </p:cNvSpPr>
@@ -2003,13 +4526,7 @@
       </p:sp>
       <p:sp>
         <p:nvSpPr>
-          <p:cNvPr id="5" name="Slide Number Placeholder 4">
-            <a:extLst>
-              <a:ext uri="{FF2B5EF4-FFF2-40B4-BE49-F238E27FC236}">
-                <a16:creationId xmlns:a16="http://schemas.microsoft.com/office/drawing/2014/main" id="{7E8D16EC-81DB-427C-8F93-B86DBA4AF3EF}"/>
-              </a:ext>
-            </a:extLst>
-          </p:cNvPr>
+          <p:cNvPr id="6" name="Slide Number Placeholder 4"/>
           <p:cNvSpPr>
             <a:spLocks noGrp="1"/>
           </p:cNvSpPr>
@@ -2033,7 +4550,7 @@
     </p:spTree>
     <p:extLst>
       <p:ext uri="{BB962C8B-B14F-4D97-AF65-F5344CB8AC3E}">
-        <p14:creationId xmlns:p14="http://schemas.microsoft.com/office/powerpoint/2010/main" val="1987960509"/>
+        <p14:creationId xmlns:p14="http://schemas.microsoft.com/office/powerpoint/2010/main" val="1426732062"/>
       </p:ext>
     </p:extLst>
   </p:cSld>
@@ -2062,13 +4579,7 @@
       </p:grpSpPr>
       <p:sp>
         <p:nvSpPr>
-          <p:cNvPr id="2" name="Date Placeholder 1">
-            <a:extLst>
-              <a:ext uri="{FF2B5EF4-FFF2-40B4-BE49-F238E27FC236}">
-                <a16:creationId xmlns:a16="http://schemas.microsoft.com/office/drawing/2014/main" id="{38778249-4A06-45AF-ACB5-D2AF59C80FD5}"/>
-              </a:ext>
-            </a:extLst>
-          </p:cNvPr>
+          <p:cNvPr id="7" name="Date Placeholder 1"/>
           <p:cNvSpPr>
             <a:spLocks noGrp="1"/>
           </p:cNvSpPr>
@@ -2091,13 +4602,7 @@
       </p:sp>
       <p:sp>
         <p:nvSpPr>
-          <p:cNvPr id="3" name="Footer Placeholder 2">
-            <a:extLst>
-              <a:ext uri="{FF2B5EF4-FFF2-40B4-BE49-F238E27FC236}">
-                <a16:creationId xmlns:a16="http://schemas.microsoft.com/office/drawing/2014/main" id="{978F4745-DF94-4E96-AF43-4EFF5B4674C5}"/>
-              </a:ext>
-            </a:extLst>
-          </p:cNvPr>
+          <p:cNvPr id="5" name="Footer Placeholder 2"/>
           <p:cNvSpPr>
             <a:spLocks noGrp="1"/>
           </p:cNvSpPr>
@@ -2116,13 +4621,7 @@
       </p:sp>
       <p:sp>
         <p:nvSpPr>
-          <p:cNvPr id="4" name="Slide Number Placeholder 3">
-            <a:extLst>
-              <a:ext uri="{FF2B5EF4-FFF2-40B4-BE49-F238E27FC236}">
-                <a16:creationId xmlns:a16="http://schemas.microsoft.com/office/drawing/2014/main" id="{F6BCD163-A2D9-47E0-937A-F18C20396747}"/>
-              </a:ext>
-            </a:extLst>
-          </p:cNvPr>
+          <p:cNvPr id="6" name="Slide Number Placeholder 3"/>
           <p:cNvSpPr>
             <a:spLocks noGrp="1"/>
           </p:cNvSpPr>
@@ -2146,7 +4645,7 @@
     </p:spTree>
     <p:extLst>
       <p:ext uri="{BB962C8B-B14F-4D97-AF65-F5344CB8AC3E}">
-        <p14:creationId xmlns:p14="http://schemas.microsoft.com/office/powerpoint/2010/main" val="2606796571"/>
+        <p14:creationId xmlns:p14="http://schemas.microsoft.com/office/powerpoint/2010/main" val="869394815"/>
       </p:ext>
     </p:extLst>
   </p:cSld>
@@ -2175,13 +4674,7 @@
       </p:grpSpPr>
       <p:sp>
         <p:nvSpPr>
-          <p:cNvPr id="2" name="Title 1">
-            <a:extLst>
-              <a:ext uri="{FF2B5EF4-FFF2-40B4-BE49-F238E27FC236}">
-                <a16:creationId xmlns:a16="http://schemas.microsoft.com/office/drawing/2014/main" id="{0F8AD125-6CBA-4B8C-A674-B0AC60DC3FBB}"/>
-              </a:ext>
-            </a:extLst>
-          </p:cNvPr>
+          <p:cNvPr id="2" name="Title 1"/>
           <p:cNvSpPr>
             <a:spLocks noGrp="1"/>
           </p:cNvSpPr>
@@ -2191,15 +4684,15 @@
         </p:nvSpPr>
         <p:spPr>
           <a:xfrm>
-            <a:off x="839788" y="457200"/>
-            <a:ext cx="3932237" cy="1600200"/>
+            <a:off x="1154953" y="1447800"/>
+            <a:ext cx="3401064" cy="1447800"/>
           </a:xfrm>
         </p:spPr>
         <p:txBody>
           <a:bodyPr anchor="b"/>
           <a:lstStyle>
-            <a:lvl1pPr>
-              <a:defRPr sz="3200"/>
+            <a:lvl1pPr algn="l">
+              <a:defRPr sz="2400" b="0"/>
             </a:lvl1pPr>
           </a:lstStyle>
           <a:p>
@@ -2207,18 +4700,13 @@
               <a:rPr lang="en-US"/>
               <a:t>Click to edit Master title style</a:t>
             </a:r>
-          </a:p>
-        </p:txBody>
-      </p:sp>
-      <p:sp>
-        <p:nvSpPr>
-          <p:cNvPr id="3" name="Content Placeholder 2">
-            <a:extLst>
-              <a:ext uri="{FF2B5EF4-FFF2-40B4-BE49-F238E27FC236}">
-                <a16:creationId xmlns:a16="http://schemas.microsoft.com/office/drawing/2014/main" id="{E1631F25-C7DB-43D0-A56C-9A8720D526B7}"/>
-              </a:ext>
-            </a:extLst>
-          </p:cNvPr>
+            <a:endParaRPr lang="en-US" dirty="0"/>
+          </a:p>
+        </p:txBody>
+      </p:sp>
+      <p:sp>
+        <p:nvSpPr>
+          <p:cNvPr id="3" name="Content Placeholder 2"/>
           <p:cNvSpPr>
             <a:spLocks noGrp="1"/>
           </p:cNvSpPr>
@@ -2228,39 +4716,41 @@
         </p:nvSpPr>
         <p:spPr>
           <a:xfrm>
-            <a:off x="5183188" y="987425"/>
-            <a:ext cx="6172200" cy="4873625"/>
+            <a:off x="4784616" y="1447800"/>
+            <a:ext cx="5195997" cy="4572000"/>
           </a:xfrm>
         </p:spPr>
         <p:txBody>
-          <a:bodyPr/>
+          <a:bodyPr anchor="ctr">
+            <a:normAutofit/>
+          </a:bodyPr>
           <a:lstStyle>
             <a:lvl1pPr>
-              <a:defRPr sz="3200"/>
+              <a:defRPr sz="2000"/>
             </a:lvl1pPr>
             <a:lvl2pPr>
-              <a:defRPr sz="2800"/>
+              <a:defRPr sz="1800"/>
             </a:lvl2pPr>
             <a:lvl3pPr>
-              <a:defRPr sz="2400"/>
+              <a:defRPr sz="1600"/>
             </a:lvl3pPr>
             <a:lvl4pPr>
-              <a:defRPr sz="2000"/>
+              <a:defRPr sz="1400"/>
             </a:lvl4pPr>
             <a:lvl5pPr>
-              <a:defRPr sz="2000"/>
+              <a:defRPr sz="1400"/>
             </a:lvl5pPr>
             <a:lvl6pPr>
-              <a:defRPr sz="2000"/>
+              <a:defRPr sz="1400"/>
             </a:lvl6pPr>
             <a:lvl7pPr>
-              <a:defRPr sz="2000"/>
+              <a:defRPr sz="1400"/>
             </a:lvl7pPr>
             <a:lvl8pPr>
-              <a:defRPr sz="2000"/>
+              <a:defRPr sz="1400"/>
             </a:lvl8pPr>
             <a:lvl9pPr>
-              <a:defRPr sz="2000"/>
+              <a:defRPr sz="1400"/>
             </a:lvl9pPr>
           </a:lstStyle>
           <a:p>
@@ -2297,18 +4787,13 @@
               <a:rPr lang="en-US"/>
               <a:t>Fifth level</a:t>
             </a:r>
-          </a:p>
-        </p:txBody>
-      </p:sp>
-      <p:sp>
-        <p:nvSpPr>
-          <p:cNvPr id="4" name="Text Placeholder 3">
-            <a:extLst>
-              <a:ext uri="{FF2B5EF4-FFF2-40B4-BE49-F238E27FC236}">
-                <a16:creationId xmlns:a16="http://schemas.microsoft.com/office/drawing/2014/main" id="{5502C198-A93E-488F-B521-A94B1C5DA3E2}"/>
-              </a:ext>
-            </a:extLst>
-          </p:cNvPr>
+            <a:endParaRPr lang="en-US" dirty="0"/>
+          </a:p>
+        </p:txBody>
+      </p:sp>
+      <p:sp>
+        <p:nvSpPr>
+          <p:cNvPr id="4" name="Text Placeholder 3"/>
           <p:cNvSpPr>
             <a:spLocks noGrp="1"/>
           </p:cNvSpPr>
@@ -2318,8 +4803,8 @@
         </p:nvSpPr>
         <p:spPr>
           <a:xfrm>
-            <a:off x="839788" y="2057400"/>
-            <a:ext cx="3932237" cy="3811588"/>
+            <a:off x="1154953" y="3129280"/>
+            <a:ext cx="3401063" cy="2895599"/>
           </a:xfrm>
         </p:spPr>
         <p:txBody>
@@ -2327,39 +4812,39 @@
           <a:lstStyle>
             <a:lvl1pPr marL="0" indent="0">
               <a:buNone/>
-              <a:defRPr sz="1600"/>
+              <a:defRPr sz="1400"/>
             </a:lvl1pPr>
             <a:lvl2pPr marL="457200" indent="0">
               <a:buNone/>
-              <a:defRPr sz="1400"/>
+              <a:defRPr sz="1200"/>
             </a:lvl2pPr>
             <a:lvl3pPr marL="914400" indent="0">
               <a:buNone/>
-              <a:defRPr sz="1200"/>
+              <a:defRPr sz="1000"/>
             </a:lvl3pPr>
             <a:lvl4pPr marL="1371600" indent="0">
               <a:buNone/>
-              <a:defRPr sz="1000"/>
+              <a:defRPr sz="900"/>
             </a:lvl4pPr>
             <a:lvl5pPr marL="1828800" indent="0">
               <a:buNone/>
-              <a:defRPr sz="1000"/>
+              <a:defRPr sz="900"/>
             </a:lvl5pPr>
             <a:lvl6pPr marL="2286000" indent="0">
               <a:buNone/>
-              <a:defRPr sz="1000"/>
+              <a:defRPr sz="900"/>
             </a:lvl6pPr>
             <a:lvl7pPr marL="2743200" indent="0">
               <a:buNone/>
-              <a:defRPr sz="1000"/>
+              <a:defRPr sz="900"/>
             </a:lvl7pPr>
             <a:lvl8pPr marL="3200400" indent="0">
               <a:buNone/>
-              <a:defRPr sz="1000"/>
+              <a:defRPr sz="900"/>
             </a:lvl8pPr>
             <a:lvl9pPr marL="3657600" indent="0">
               <a:buNone/>
-              <a:defRPr sz="1000"/>
+              <a:defRPr sz="900"/>
             </a:lvl9pPr>
           </a:lstStyle>
           <a:p>
@@ -2373,13 +4858,7 @@
       </p:sp>
       <p:sp>
         <p:nvSpPr>
-          <p:cNvPr id="5" name="Date Placeholder 4">
-            <a:extLst>
-              <a:ext uri="{FF2B5EF4-FFF2-40B4-BE49-F238E27FC236}">
-                <a16:creationId xmlns:a16="http://schemas.microsoft.com/office/drawing/2014/main" id="{E04E411A-E2CF-420C-8D4F-DCF8DD76E73A}"/>
-              </a:ext>
-            </a:extLst>
-          </p:cNvPr>
+          <p:cNvPr id="7" name="Date Placeholder 4"/>
           <p:cNvSpPr>
             <a:spLocks noGrp="1"/>
           </p:cNvSpPr>
@@ -2402,13 +4881,7 @@
       </p:sp>
       <p:sp>
         <p:nvSpPr>
-          <p:cNvPr id="6" name="Footer Placeholder 5">
-            <a:extLst>
-              <a:ext uri="{FF2B5EF4-FFF2-40B4-BE49-F238E27FC236}">
-                <a16:creationId xmlns:a16="http://schemas.microsoft.com/office/drawing/2014/main" id="{2A14C640-F8AD-4389-9846-9979B8178702}"/>
-              </a:ext>
-            </a:extLst>
-          </p:cNvPr>
+          <p:cNvPr id="5" name="Footer Placeholder 5"/>
           <p:cNvSpPr>
             <a:spLocks noGrp="1"/>
           </p:cNvSpPr>
@@ -2427,13 +4900,7 @@
       </p:sp>
       <p:sp>
         <p:nvSpPr>
-          <p:cNvPr id="7" name="Slide Number Placeholder 6">
-            <a:extLst>
-              <a:ext uri="{FF2B5EF4-FFF2-40B4-BE49-F238E27FC236}">
-                <a16:creationId xmlns:a16="http://schemas.microsoft.com/office/drawing/2014/main" id="{C66432AB-4045-4E2B-8042-FDF5784B6D94}"/>
-              </a:ext>
-            </a:extLst>
-          </p:cNvPr>
+          <p:cNvPr id="6" name="Slide Number Placeholder 6"/>
           <p:cNvSpPr>
             <a:spLocks noGrp="1"/>
           </p:cNvSpPr>
@@ -2457,7 +4924,7 @@
     </p:spTree>
     <p:extLst>
       <p:ext uri="{BB962C8B-B14F-4D97-AF65-F5344CB8AC3E}">
-        <p14:creationId xmlns:p14="http://schemas.microsoft.com/office/powerpoint/2010/main" val="441567863"/>
+        <p14:creationId xmlns:p14="http://schemas.microsoft.com/office/powerpoint/2010/main" val="3320681351"/>
       </p:ext>
     </p:extLst>
   </p:cSld>
@@ -2486,13 +4953,7 @@
       </p:grpSpPr>
       <p:sp>
         <p:nvSpPr>
-          <p:cNvPr id="2" name="Title 1">
-            <a:extLst>
-              <a:ext uri="{FF2B5EF4-FFF2-40B4-BE49-F238E27FC236}">
-                <a16:creationId xmlns:a16="http://schemas.microsoft.com/office/drawing/2014/main" id="{B07DBD65-73B7-4FAF-BD53-971353539FFB}"/>
-              </a:ext>
-            </a:extLst>
-          </p:cNvPr>
+          <p:cNvPr id="2" name="Title 1"/>
           <p:cNvSpPr>
             <a:spLocks noGrp="1"/>
           </p:cNvSpPr>
@@ -2502,15 +4963,17 @@
         </p:nvSpPr>
         <p:spPr>
           <a:xfrm>
-            <a:off x="839788" y="457200"/>
-            <a:ext cx="3932237" cy="1600200"/>
+            <a:off x="1153907" y="1854192"/>
+            <a:ext cx="5092906" cy="1574808"/>
           </a:xfrm>
         </p:spPr>
         <p:txBody>
-          <a:bodyPr anchor="b"/>
+          <a:bodyPr anchor="b">
+            <a:normAutofit/>
+          </a:bodyPr>
           <a:lstStyle>
-            <a:lvl1pPr>
-              <a:defRPr sz="3200"/>
+            <a:lvl1pPr algn="l">
+              <a:defRPr sz="3600" b="0"/>
             </a:lvl1pPr>
           </a:lstStyle>
           <a:p>
@@ -2518,20 +4981,15 @@
               <a:rPr lang="en-US"/>
               <a:t>Click to edit Master title style</a:t>
             </a:r>
-          </a:p>
-        </p:txBody>
-      </p:sp>
-      <p:sp>
-        <p:nvSpPr>
-          <p:cNvPr id="3" name="Picture Placeholder 2">
-            <a:extLst>
-              <a:ext uri="{FF2B5EF4-FFF2-40B4-BE49-F238E27FC236}">
-                <a16:creationId xmlns:a16="http://schemas.microsoft.com/office/drawing/2014/main" id="{21ECC46C-8055-4222-94D3-6C3D8228A65C}"/>
-              </a:ext>
-            </a:extLst>
-          </p:cNvPr>
-          <p:cNvSpPr>
-            <a:spLocks noGrp="1"/>
+            <a:endParaRPr lang="en-US" dirty="0"/>
+          </a:p>
+        </p:txBody>
+      </p:sp>
+      <p:sp>
+        <p:nvSpPr>
+          <p:cNvPr id="3" name="Picture Placeholder 2"/>
+          <p:cNvSpPr>
+            <a:spLocks noGrp="1" noChangeAspect="1"/>
           </p:cNvSpPr>
           <p:nvPr>
             <p:ph type="pic" idx="1"/>
@@ -2539,118 +4997,132 @@
         </p:nvSpPr>
         <p:spPr>
           <a:xfrm>
-            <a:off x="5183188" y="987425"/>
-            <a:ext cx="6172200" cy="4873625"/>
+            <a:off x="6949546" y="1143000"/>
+            <a:ext cx="3200400" cy="4572000"/>
           </a:xfrm>
+          <a:prstGeom prst="roundRect">
+            <a:avLst>
+              <a:gd name="adj" fmla="val 1858"/>
+            </a:avLst>
+          </a:prstGeom>
+          <a:effectLst>
+            <a:outerShdw blurRad="50800" dist="50800" dir="5400000" algn="tl" rotWithShape="0">
+              <a:srgbClr val="000000">
+                <a:alpha val="43000"/>
+              </a:srgbClr>
+            </a:outerShdw>
+          </a:effectLst>
         </p:spPr>
         <p:txBody>
-          <a:bodyPr/>
+          <a:bodyPr anchor="t">
+            <a:normAutofit/>
+          </a:bodyPr>
           <a:lstStyle>
-            <a:lvl1pPr marL="0" indent="0">
-              <a:buNone/>
-              <a:defRPr sz="3200"/>
-            </a:lvl1pPr>
-            <a:lvl2pPr marL="457200" indent="0">
-              <a:buNone/>
-              <a:defRPr sz="2800"/>
-            </a:lvl2pPr>
-            <a:lvl3pPr marL="914400" indent="0">
-              <a:buNone/>
-              <a:defRPr sz="2400"/>
-            </a:lvl3pPr>
-            <a:lvl4pPr marL="1371600" indent="0">
-              <a:buNone/>
-              <a:defRPr sz="2000"/>
-            </a:lvl4pPr>
-            <a:lvl5pPr marL="1828800" indent="0">
-              <a:buNone/>
-              <a:defRPr sz="2000"/>
-            </a:lvl5pPr>
-            <a:lvl6pPr marL="2286000" indent="0">
-              <a:buNone/>
-              <a:defRPr sz="2000"/>
-            </a:lvl6pPr>
-            <a:lvl7pPr marL="2743200" indent="0">
-              <a:buNone/>
-              <a:defRPr sz="2000"/>
-            </a:lvl7pPr>
-            <a:lvl8pPr marL="3200400" indent="0">
-              <a:buNone/>
-              <a:defRPr sz="2000"/>
-            </a:lvl8pPr>
-            <a:lvl9pPr marL="3657600" indent="0">
-              <a:buNone/>
-              <a:defRPr sz="2000"/>
-            </a:lvl9pPr>
-          </a:lstStyle>
-          <a:p>
-            <a:endParaRPr lang="en-US"/>
-          </a:p>
-        </p:txBody>
-      </p:sp>
-      <p:sp>
-        <p:nvSpPr>
-          <p:cNvPr id="4" name="Text Placeholder 3">
-            <a:extLst>
-              <a:ext uri="{FF2B5EF4-FFF2-40B4-BE49-F238E27FC236}">
-                <a16:creationId xmlns:a16="http://schemas.microsoft.com/office/drawing/2014/main" id="{9443D2FB-A628-419F-8249-23EA4865DB9D}"/>
-              </a:ext>
-            </a:extLst>
-          </p:cNvPr>
-          <p:cNvSpPr>
-            <a:spLocks noGrp="1"/>
-          </p:cNvSpPr>
-          <p:nvPr>
-            <p:ph type="body" sz="half" idx="2"/>
-          </p:nvPr>
-        </p:nvSpPr>
-        <p:spPr>
-          <a:xfrm>
-            <a:off x="839788" y="2057400"/>
-            <a:ext cx="3932237" cy="3811588"/>
-          </a:xfrm>
-        </p:spPr>
-        <p:txBody>
-          <a:bodyPr/>
-          <a:lstStyle>
-            <a:lvl1pPr marL="0" indent="0">
+            <a:lvl1pPr marL="0" indent="0" algn="ctr">
               <a:buNone/>
               <a:defRPr sz="1600"/>
             </a:lvl1pPr>
             <a:lvl2pPr marL="457200" indent="0">
               <a:buNone/>
-              <a:defRPr sz="1400"/>
+              <a:defRPr sz="1600"/>
             </a:lvl2pPr>
             <a:lvl3pPr marL="914400" indent="0">
               <a:buNone/>
-              <a:defRPr sz="1200"/>
+              <a:defRPr sz="1600"/>
             </a:lvl3pPr>
             <a:lvl4pPr marL="1371600" indent="0">
               <a:buNone/>
-              <a:defRPr sz="1000"/>
+              <a:defRPr sz="1600"/>
             </a:lvl4pPr>
             <a:lvl5pPr marL="1828800" indent="0">
               <a:buNone/>
-              <a:defRPr sz="1000"/>
+              <a:defRPr sz="1600"/>
             </a:lvl5pPr>
             <a:lvl6pPr marL="2286000" indent="0">
               <a:buNone/>
-              <a:defRPr sz="1000"/>
+              <a:defRPr sz="1600"/>
             </a:lvl6pPr>
             <a:lvl7pPr marL="2743200" indent="0">
               <a:buNone/>
-              <a:defRPr sz="1000"/>
+              <a:defRPr sz="1600"/>
             </a:lvl7pPr>
             <a:lvl8pPr marL="3200400" indent="0">
               <a:buNone/>
-              <a:defRPr sz="1000"/>
+              <a:defRPr sz="1600"/>
             </a:lvl8pPr>
             <a:lvl9pPr marL="3657600" indent="0">
               <a:buNone/>
-              <a:defRPr sz="1000"/>
+              <a:defRPr sz="1600"/>
             </a:lvl9pPr>
           </a:lstStyle>
           <a:p>
+            <a:r>
+              <a:rPr lang="en-US"/>
+              <a:t>Click icon to add picture</a:t>
+            </a:r>
+            <a:endParaRPr lang="en-US" dirty="0"/>
+          </a:p>
+        </p:txBody>
+      </p:sp>
+      <p:sp>
+        <p:nvSpPr>
+          <p:cNvPr id="4" name="Text Placeholder 3"/>
+          <p:cNvSpPr>
+            <a:spLocks noGrp="1"/>
+          </p:cNvSpPr>
+          <p:nvPr>
+            <p:ph type="body" sz="half" idx="2"/>
+          </p:nvPr>
+        </p:nvSpPr>
+        <p:spPr>
+          <a:xfrm>
+            <a:off x="1154954" y="3657600"/>
+            <a:ext cx="5084979" cy="1371600"/>
+          </a:xfrm>
+        </p:spPr>
+        <p:txBody>
+          <a:bodyPr>
+            <a:normAutofit/>
+          </a:bodyPr>
+          <a:lstStyle>
+            <a:lvl1pPr marL="0" indent="0">
+              <a:buNone/>
+              <a:defRPr sz="1400"/>
+            </a:lvl1pPr>
+            <a:lvl2pPr marL="457200" indent="0">
+              <a:buNone/>
+              <a:defRPr sz="1200"/>
+            </a:lvl2pPr>
+            <a:lvl3pPr marL="914400" indent="0">
+              <a:buNone/>
+              <a:defRPr sz="1000"/>
+            </a:lvl3pPr>
+            <a:lvl4pPr marL="1371600" indent="0">
+              <a:buNone/>
+              <a:defRPr sz="900"/>
+            </a:lvl4pPr>
+            <a:lvl5pPr marL="1828800" indent="0">
+              <a:buNone/>
+              <a:defRPr sz="900"/>
+            </a:lvl5pPr>
+            <a:lvl6pPr marL="2286000" indent="0">
+              <a:buNone/>
+              <a:defRPr sz="900"/>
+            </a:lvl6pPr>
+            <a:lvl7pPr marL="2743200" indent="0">
+              <a:buNone/>
+              <a:defRPr sz="900"/>
+            </a:lvl7pPr>
+            <a:lvl8pPr marL="3200400" indent="0">
+              <a:buNone/>
+              <a:defRPr sz="900"/>
+            </a:lvl8pPr>
+            <a:lvl9pPr marL="3657600" indent="0">
+              <a:buNone/>
+              <a:defRPr sz="900"/>
+            </a:lvl9pPr>
+          </a:lstStyle>
+          <a:p>
             <a:pPr lvl="0"/>
             <a:r>
               <a:rPr lang="en-US"/>
@@ -2661,13 +5133,7 @@
       </p:sp>
       <p:sp>
         <p:nvSpPr>
-          <p:cNvPr id="5" name="Date Placeholder 4">
-            <a:extLst>
-              <a:ext uri="{FF2B5EF4-FFF2-40B4-BE49-F238E27FC236}">
-                <a16:creationId xmlns:a16="http://schemas.microsoft.com/office/drawing/2014/main" id="{1E51E044-14CC-425C-BD9D-EE7B57AAA8E9}"/>
-              </a:ext>
-            </a:extLst>
-          </p:cNvPr>
+          <p:cNvPr id="5" name="Date Placeholder 4"/>
           <p:cNvSpPr>
             <a:spLocks noGrp="1"/>
           </p:cNvSpPr>
@@ -2690,13 +5156,7 @@
       </p:sp>
       <p:sp>
         <p:nvSpPr>
-          <p:cNvPr id="6" name="Footer Placeholder 5">
-            <a:extLst>
-              <a:ext uri="{FF2B5EF4-FFF2-40B4-BE49-F238E27FC236}">
-                <a16:creationId xmlns:a16="http://schemas.microsoft.com/office/drawing/2014/main" id="{8EF2C0F5-C495-4D42-9BA7-99DF05ECE883}"/>
-              </a:ext>
-            </a:extLst>
-          </p:cNvPr>
+          <p:cNvPr id="6" name="Footer Placeholder 5"/>
           <p:cNvSpPr>
             <a:spLocks noGrp="1"/>
           </p:cNvSpPr>
@@ -2715,13 +5175,7 @@
       </p:sp>
       <p:sp>
         <p:nvSpPr>
-          <p:cNvPr id="7" name="Slide Number Placeholder 6">
-            <a:extLst>
-              <a:ext uri="{FF2B5EF4-FFF2-40B4-BE49-F238E27FC236}">
-                <a16:creationId xmlns:a16="http://schemas.microsoft.com/office/drawing/2014/main" id="{C30E87B9-3768-4387-ADBF-6FD3E79F134C}"/>
-              </a:ext>
-            </a:extLst>
-          </p:cNvPr>
+          <p:cNvPr id="7" name="Slide Number Placeholder 6"/>
           <p:cNvSpPr>
             <a:spLocks noGrp="1"/>
           </p:cNvSpPr>
@@ -2745,7 +5199,7 @@
     </p:spTree>
     <p:extLst>
       <p:ext uri="{BB962C8B-B14F-4D97-AF65-F5344CB8AC3E}">
-        <p14:creationId xmlns:p14="http://schemas.microsoft.com/office/powerpoint/2010/main" val="3471150812"/>
+        <p14:creationId xmlns:p14="http://schemas.microsoft.com/office/powerpoint/2010/main" val="2293061044"/>
       </p:ext>
     </p:extLst>
   </p:cSld>
@@ -2759,8 +5213,8 @@
 <p:sldMaster xmlns:a="http://schemas.openxmlformats.org/drawingml/2006/main" xmlns:r="http://schemas.openxmlformats.org/officeDocument/2006/relationships" xmlns:p="http://schemas.openxmlformats.org/presentationml/2006/main">
   <p:cSld>
     <p:bg>
-      <p:bgRef idx="1001">
-        <a:schemeClr val="bg1"/>
+      <p:bgRef idx="1003">
+        <a:schemeClr val="bg2"/>
       </p:bgRef>
     </p:bg>
     <p:spTree>
@@ -2777,141 +5231,420 @@
           <a:chExt cx="0" cy="0"/>
         </a:xfrm>
       </p:grpSpPr>
-      <p:sp>
-        <p:nvSpPr>
-          <p:cNvPr id="2" name="Title Placeholder 1">
+      <p:pic>
+        <p:nvPicPr>
+          <p:cNvPr id="8" name="Picture 7"/>
+          <p:cNvPicPr>
+            <a:picLocks noChangeAspect="1"/>
+          </p:cNvPicPr>
+          <p:nvPr/>
+        </p:nvPicPr>
+        <p:blipFill rotWithShape="1">
+          <a:blip r:embed="rId19">
             <a:extLst>
-              <a:ext uri="{FF2B5EF4-FFF2-40B4-BE49-F238E27FC236}">
-                <a16:creationId xmlns:a16="http://schemas.microsoft.com/office/drawing/2014/main" id="{BC1E8FD9-B3EE-4D52-BA91-EFD288D38E96}"/>
+              <a:ext uri="{28A0092B-C50C-407E-A947-70E740481C1C}">
+                <a14:useLocalDpi xmlns:a14="http://schemas.microsoft.com/office/drawing/2010/main" val="0"/>
               </a:ext>
             </a:extLst>
-          </p:cNvPr>
-          <p:cNvSpPr>
-            <a:spLocks noGrp="1"/>
-          </p:cNvSpPr>
-          <p:nvPr>
-            <p:ph type="title"/>
-          </p:nvPr>
-        </p:nvSpPr>
+          </a:blip>
+          <a:srcRect l="3613"/>
+          <a:stretch/>
+        </p:blipFill>
         <p:spPr>
           <a:xfrm>
-            <a:off x="838200" y="365125"/>
-            <a:ext cx="10515600" cy="1325563"/>
+            <a:off x="0" y="2669685"/>
+            <a:ext cx="4037012" cy="4188315"/>
           </a:xfrm>
           <a:prstGeom prst="rect">
             <a:avLst/>
           </a:prstGeom>
         </p:spPr>
-        <p:txBody>
-          <a:bodyPr vert="horz" lIns="91440" tIns="45720" rIns="91440" bIns="45720" rtlCol="0" anchor="ctr">
-            <a:normAutofit/>
-          </a:bodyPr>
-          <a:lstStyle/>
-          <a:p>
-            <a:r>
-              <a:rPr lang="en-US"/>
-              <a:t>Click to edit Master title style</a:t>
-            </a:r>
-          </a:p>
-        </p:txBody>
-      </p:sp>
-      <p:sp>
-        <p:nvSpPr>
-          <p:cNvPr id="3" name="Text Placeholder 2">
+      </p:pic>
+      <p:pic>
+        <p:nvPicPr>
+          <p:cNvPr id="7" name="Picture 6"/>
+          <p:cNvPicPr>
+            <a:picLocks noChangeAspect="1"/>
+          </p:cNvPicPr>
+          <p:nvPr/>
+        </p:nvPicPr>
+        <p:blipFill rotWithShape="1">
+          <a:blip r:embed="rId20">
             <a:extLst>
-              <a:ext uri="{FF2B5EF4-FFF2-40B4-BE49-F238E27FC236}">
-                <a16:creationId xmlns:a16="http://schemas.microsoft.com/office/drawing/2014/main" id="{F4E7A37C-0B7C-4216-B65C-E405708464AC}"/>
+              <a:ext uri="{28A0092B-C50C-407E-A947-70E740481C1C}">
+                <a14:useLocalDpi xmlns:a14="http://schemas.microsoft.com/office/drawing/2010/main" val="0"/>
               </a:ext>
             </a:extLst>
-          </p:cNvPr>
-          <p:cNvSpPr>
-            <a:spLocks noGrp="1"/>
-          </p:cNvSpPr>
-          <p:nvPr>
-            <p:ph type="body" idx="1"/>
-          </p:nvPr>
-        </p:nvSpPr>
+          </a:blip>
+          <a:srcRect l="35640"/>
+          <a:stretch/>
+        </p:blipFill>
         <p:spPr>
           <a:xfrm>
-            <a:off x="838200" y="1825625"/>
-            <a:ext cx="10515600" cy="4351338"/>
+            <a:off x="0" y="2892347"/>
+            <a:ext cx="1522412" cy="2365453"/>
           </a:xfrm>
           <a:prstGeom prst="rect">
             <a:avLst/>
           </a:prstGeom>
         </p:spPr>
-        <p:txBody>
-          <a:bodyPr vert="horz" lIns="91440" tIns="45720" rIns="91440" bIns="45720" rtlCol="0">
-            <a:normAutofit/>
-          </a:bodyPr>
-          <a:lstStyle/>
-          <a:p>
-            <a:pPr lvl="0"/>
-            <a:r>
-              <a:rPr lang="en-US"/>
-              <a:t>Click to edit Master text styles</a:t>
-            </a:r>
-          </a:p>
-          <a:p>
-            <a:pPr lvl="1"/>
-            <a:r>
-              <a:rPr lang="en-US"/>
-              <a:t>Second level</a:t>
-            </a:r>
-          </a:p>
-          <a:p>
-            <a:pPr lvl="2"/>
-            <a:r>
-              <a:rPr lang="en-US"/>
-              <a:t>Third level</a:t>
-            </a:r>
-          </a:p>
-          <a:p>
-            <a:pPr lvl="3"/>
-            <a:r>
-              <a:rPr lang="en-US"/>
-              <a:t>Fourth level</a:t>
-            </a:r>
-          </a:p>
-          <a:p>
-            <a:pPr lvl="4"/>
-            <a:r>
-              <a:rPr lang="en-US"/>
-              <a:t>Fifth level</a:t>
-            </a:r>
-          </a:p>
-        </p:txBody>
-      </p:sp>
-      <p:sp>
-        <p:nvSpPr>
-          <p:cNvPr id="4" name="Date Placeholder 3">
+      </p:pic>
+      <p:sp>
+        <p:nvSpPr>
+          <p:cNvPr id="16" name="Oval 15"/>
+          <p:cNvSpPr/>
+          <p:nvPr/>
+        </p:nvSpPr>
+        <p:spPr>
+          <a:xfrm>
+            <a:off x="8609012" y="1676400"/>
+            <a:ext cx="2819400" cy="2819400"/>
+          </a:xfrm>
+          <a:prstGeom prst="ellipse">
+            <a:avLst/>
+          </a:prstGeom>
+          <a:gradFill flip="none" rotWithShape="1">
+            <a:gsLst>
+              <a:gs pos="0">
+                <a:schemeClr val="bg2">
+                  <a:lumMod val="60000"/>
+                  <a:lumOff val="40000"/>
+                  <a:alpha val="7000"/>
+                </a:schemeClr>
+              </a:gs>
+              <a:gs pos="69000">
+                <a:schemeClr val="bg2">
+                  <a:lumMod val="60000"/>
+                  <a:lumOff val="40000"/>
+                  <a:alpha val="0"/>
+                </a:schemeClr>
+              </a:gs>
+              <a:gs pos="36000">
+                <a:schemeClr val="bg2">
+                  <a:lumMod val="60000"/>
+                  <a:lumOff val="40000"/>
+                  <a:alpha val="6000"/>
+                </a:schemeClr>
+              </a:gs>
+            </a:gsLst>
+            <a:path path="circle">
+              <a:fillToRect l="50000" t="50000" r="50000" b="50000"/>
+            </a:path>
+            <a:tileRect/>
+          </a:gradFill>
+          <a:ln>
+            <a:noFill/>
+          </a:ln>
+          <a:effectLst/>
+        </p:spPr>
+        <p:style>
+          <a:lnRef idx="1">
+            <a:schemeClr val="accent1"/>
+          </a:lnRef>
+          <a:fillRef idx="3">
+            <a:schemeClr val="accent1"/>
+          </a:fillRef>
+          <a:effectRef idx="2">
+            <a:schemeClr val="accent1"/>
+          </a:effectRef>
+          <a:fontRef idx="minor">
+            <a:schemeClr val="lt1"/>
+          </a:fontRef>
+        </p:style>
+      </p:sp>
+      <p:pic>
+        <p:nvPicPr>
+          <p:cNvPr id="9" name="Picture 8"/>
+          <p:cNvPicPr>
+            <a:picLocks noChangeAspect="1"/>
+          </p:cNvPicPr>
+          <p:nvPr/>
+        </p:nvPicPr>
+        <p:blipFill rotWithShape="1">
+          <a:blip r:embed="rId21">
             <a:extLst>
-              <a:ext uri="{FF2B5EF4-FFF2-40B4-BE49-F238E27FC236}">
-                <a16:creationId xmlns:a16="http://schemas.microsoft.com/office/drawing/2014/main" id="{400EBB61-CD7D-4AC6-B6AD-6EA0CC27004D}"/>
+              <a:ext uri="{28A0092B-C50C-407E-A947-70E740481C1C}">
+                <a14:useLocalDpi xmlns:a14="http://schemas.microsoft.com/office/drawing/2010/main" val="0"/>
               </a:ext>
             </a:extLst>
-          </p:cNvPr>
-          <p:cNvSpPr>
-            <a:spLocks noGrp="1"/>
-          </p:cNvSpPr>
-          <p:nvPr>
-            <p:ph type="dt" sz="half" idx="2"/>
-          </p:nvPr>
-        </p:nvSpPr>
+          </a:blip>
+          <a:srcRect t="28813"/>
+          <a:stretch/>
+        </p:blipFill>
         <p:spPr>
           <a:xfrm>
-            <a:off x="838200" y="6356350"/>
-            <a:ext cx="2743200" cy="365125"/>
+            <a:off x="7999412" y="0"/>
+            <a:ext cx="1603387" cy="1141407"/>
           </a:xfrm>
           <a:prstGeom prst="rect">
             <a:avLst/>
           </a:prstGeom>
         </p:spPr>
-        <p:txBody>
-          <a:bodyPr vert="horz" lIns="91440" tIns="45720" rIns="91440" bIns="45720" rtlCol="0" anchor="ctr"/>
+      </p:pic>
+      <p:pic>
+        <p:nvPicPr>
+          <p:cNvPr id="10" name="Picture 9"/>
+          <p:cNvPicPr>
+            <a:picLocks noChangeAspect="1"/>
+          </p:cNvPicPr>
+          <p:nvPr/>
+        </p:nvPicPr>
+        <p:blipFill rotWithShape="1">
+          <a:blip r:embed="rId22">
+            <a:extLst>
+              <a:ext uri="{28A0092B-C50C-407E-A947-70E740481C1C}">
+                <a14:useLocalDpi xmlns:a14="http://schemas.microsoft.com/office/drawing/2010/main" val="0"/>
+              </a:ext>
+            </a:extLst>
+          </a:blip>
+          <a:srcRect b="23320"/>
+          <a:stretch/>
+        </p:blipFill>
+        <p:spPr>
+          <a:xfrm>
+            <a:off x="8605878" y="6096000"/>
+            <a:ext cx="993734" cy="762000"/>
+          </a:xfrm>
+          <a:prstGeom prst="rect">
+            <a:avLst/>
+          </a:prstGeom>
+        </p:spPr>
+      </p:pic>
+      <p:sp>
+        <p:nvSpPr>
+          <p:cNvPr id="14" name="Rectangle 13"/>
+          <p:cNvSpPr/>
+          <p:nvPr/>
+        </p:nvSpPr>
+        <p:spPr>
+          <a:xfrm>
+            <a:off x="10437812" y="0"/>
+            <a:ext cx="685800" cy="1143000"/>
+          </a:xfrm>
+          <a:prstGeom prst="rect">
+            <a:avLst/>
+          </a:prstGeom>
+          <a:solidFill>
+            <a:schemeClr val="accent1"/>
+          </a:solidFill>
+          <a:ln>
+            <a:noFill/>
+          </a:ln>
+        </p:spPr>
+        <p:style>
+          <a:lnRef idx="1">
+            <a:schemeClr val="accent1"/>
+          </a:lnRef>
+          <a:fillRef idx="3">
+            <a:schemeClr val="accent1"/>
+          </a:fillRef>
+          <a:effectRef idx="2">
+            <a:schemeClr val="accent1"/>
+          </a:effectRef>
+          <a:fontRef idx="minor">
+            <a:schemeClr val="lt1"/>
+          </a:fontRef>
+        </p:style>
+      </p:sp>
+      <p:sp>
+        <p:nvSpPr>
+          <p:cNvPr id="2" name="Title Placeholder 1"/>
+          <p:cNvSpPr>
+            <a:spLocks noGrp="1"/>
+          </p:cNvSpPr>
+          <p:nvPr>
+            <p:ph type="title"/>
+          </p:nvPr>
+        </p:nvSpPr>
+        <p:spPr>
+          <a:xfrm>
+            <a:off x="646111" y="452718"/>
+            <a:ext cx="9404723" cy="1400530"/>
+          </a:xfrm>
+          <a:prstGeom prst="rect">
+            <a:avLst/>
+          </a:prstGeom>
+        </p:spPr>
+        <p:txBody>
+          <a:bodyPr vert="horz" lIns="91440" tIns="45720" rIns="91440" bIns="45720" rtlCol="0" anchor="t">
+            <a:noAutofit/>
+          </a:bodyPr>
+          <a:lstStyle/>
+          <a:p>
+            <a:r>
+              <a:rPr lang="en-US"/>
+              <a:t>Click to edit Master title style</a:t>
+            </a:r>
+            <a:endParaRPr lang="en-US" dirty="0"/>
+          </a:p>
+        </p:txBody>
+      </p:sp>
+      <p:sp>
+        <p:nvSpPr>
+          <p:cNvPr id="3" name="Text Placeholder 2"/>
+          <p:cNvSpPr>
+            <a:spLocks noGrp="1"/>
+          </p:cNvSpPr>
+          <p:nvPr>
+            <p:ph type="body" idx="1"/>
+          </p:nvPr>
+        </p:nvSpPr>
+        <p:spPr>
+          <a:xfrm>
+            <a:off x="1103312" y="2052918"/>
+            <a:ext cx="8946541" cy="4195481"/>
+          </a:xfrm>
+          <a:prstGeom prst="rect">
+            <a:avLst/>
+          </a:prstGeom>
+        </p:spPr>
+        <p:txBody>
+          <a:bodyPr vert="horz" lIns="91440" tIns="45720" rIns="91440" bIns="45720" rtlCol="0">
+            <a:normAutofit/>
+          </a:bodyPr>
+          <a:lstStyle/>
+          <a:p>
+            <a:pPr lvl="0"/>
+            <a:r>
+              <a:rPr lang="en-US"/>
+              <a:t>Click to edit Master text styles</a:t>
+            </a:r>
+          </a:p>
+          <a:p>
+            <a:pPr lvl="1"/>
+            <a:r>
+              <a:rPr lang="en-US"/>
+              <a:t>Second level</a:t>
+            </a:r>
+          </a:p>
+          <a:p>
+            <a:pPr lvl="2"/>
+            <a:r>
+              <a:rPr lang="en-US"/>
+              <a:t>Third level</a:t>
+            </a:r>
+          </a:p>
+          <a:p>
+            <a:pPr lvl="3"/>
+            <a:r>
+              <a:rPr lang="en-US"/>
+              <a:t>Fourth level</a:t>
+            </a:r>
+          </a:p>
+          <a:p>
+            <a:pPr lvl="4"/>
+            <a:r>
+              <a:rPr lang="en-US"/>
+              <a:t>Fifth level</a:t>
+            </a:r>
+            <a:endParaRPr lang="en-US" dirty="0"/>
+          </a:p>
+        </p:txBody>
+      </p:sp>
+      <p:sp>
+        <p:nvSpPr>
+          <p:cNvPr id="4" name="Date Placeholder 3"/>
+          <p:cNvSpPr>
+            <a:spLocks noGrp="1"/>
+          </p:cNvSpPr>
+          <p:nvPr>
+            <p:ph type="dt" sz="half" idx="2"/>
+          </p:nvPr>
+        </p:nvSpPr>
+        <p:spPr>
+          <a:xfrm rot="5400000">
+            <a:off x="10155639" y="1790701"/>
+            <a:ext cx="990599" cy="304799"/>
+          </a:xfrm>
+          <a:prstGeom prst="rect">
+            <a:avLst/>
+          </a:prstGeom>
+        </p:spPr>
+        <p:txBody>
+          <a:bodyPr vert="horz" lIns="91440" tIns="45720" rIns="91440" bIns="45720" rtlCol="0" anchor="t"/>
           <a:lstStyle>
             <a:lvl1pPr algn="l">
-              <a:defRPr sz="1200">
+              <a:defRPr sz="1100" b="0" i="0">
+                <a:solidFill>
+                  <a:schemeClr val="tx1">
+                    <a:tint val="75000"/>
+                    <a:alpha val="60000"/>
+                  </a:schemeClr>
+                </a:solidFill>
+              </a:defRPr>
+            </a:lvl1pPr>
+          </a:lstStyle>
+          <a:p>
+            <a:fld id="{FC11D2D4-B333-4FEB-8465-4F54198D0FD8}" type="datetimeFigureOut">
+              <a:rPr lang="en-US" smtClean="0"/>
+              <a:t>7/2/2019</a:t>
+            </a:fld>
+            <a:endParaRPr lang="en-US"/>
+          </a:p>
+        </p:txBody>
+      </p:sp>
+      <p:sp>
+        <p:nvSpPr>
+          <p:cNvPr id="5" name="Footer Placeholder 4"/>
+          <p:cNvSpPr>
+            <a:spLocks noGrp="1"/>
+          </p:cNvSpPr>
+          <p:nvPr>
+            <p:ph type="ftr" sz="quarter" idx="3"/>
+          </p:nvPr>
+        </p:nvSpPr>
+        <p:spPr>
+          <a:xfrm rot="5400000">
+            <a:off x="8951573" y="3225297"/>
+            <a:ext cx="3859795" cy="304801"/>
+          </a:xfrm>
+          <a:prstGeom prst="rect">
+            <a:avLst/>
+          </a:prstGeom>
+        </p:spPr>
+        <p:txBody>
+          <a:bodyPr vert="horz" lIns="91440" tIns="45720" rIns="91440" bIns="45720" rtlCol="0" anchor="b"/>
+          <a:lstStyle>
+            <a:lvl1pPr algn="l">
+              <a:defRPr sz="1100" b="0" i="0">
+                <a:solidFill>
+                  <a:schemeClr val="tx1">
+                    <a:tint val="75000"/>
+                    <a:alpha val="60000"/>
+                  </a:schemeClr>
+                </a:solidFill>
+              </a:defRPr>
+            </a:lvl1pPr>
+          </a:lstStyle>
+          <a:p>
+            <a:endParaRPr lang="en-US"/>
+          </a:p>
+        </p:txBody>
+      </p:sp>
+      <p:sp>
+        <p:nvSpPr>
+          <p:cNvPr id="6" name="Slide Number Placeholder 5"/>
+          <p:cNvSpPr>
+            <a:spLocks noGrp="1"/>
+          </p:cNvSpPr>
+          <p:nvPr>
+            <p:ph type="sldNum" sz="quarter" idx="4"/>
+          </p:nvPr>
+        </p:nvSpPr>
+        <p:spPr bwMode="gray">
+          <a:xfrm>
+            <a:off x="10352540" y="295729"/>
+            <a:ext cx="838199" cy="767687"/>
+          </a:xfrm>
+          <a:prstGeom prst="rect">
+            <a:avLst/>
+          </a:prstGeom>
+        </p:spPr>
+        <p:txBody>
+          <a:bodyPr vert="horz" lIns="91440" tIns="45720" rIns="91440" bIns="45720" rtlCol="0" anchor="b"/>
+          <a:lstStyle>
+            <a:lvl1pPr algn="ctr">
+              <a:defRPr sz="2800" b="0" i="0">
                 <a:solidFill>
                   <a:schemeClr val="tx1">
                     <a:tint val="75000"/>
@@ -2921,96 +5654,6 @@
             </a:lvl1pPr>
           </a:lstStyle>
           <a:p>
-            <a:fld id="{FC11D2D4-B333-4FEB-8465-4F54198D0FD8}" type="datetimeFigureOut">
-              <a:rPr lang="en-US" smtClean="0"/>
-              <a:t>7/2/2019</a:t>
-            </a:fld>
-            <a:endParaRPr lang="en-US"/>
-          </a:p>
-        </p:txBody>
-      </p:sp>
-      <p:sp>
-        <p:nvSpPr>
-          <p:cNvPr id="5" name="Footer Placeholder 4">
-            <a:extLst>
-              <a:ext uri="{FF2B5EF4-FFF2-40B4-BE49-F238E27FC236}">
-                <a16:creationId xmlns:a16="http://schemas.microsoft.com/office/drawing/2014/main" id="{77713557-0033-499C-AB5E-0806A6FEFFBE}"/>
-              </a:ext>
-            </a:extLst>
-          </p:cNvPr>
-          <p:cNvSpPr>
-            <a:spLocks noGrp="1"/>
-          </p:cNvSpPr>
-          <p:nvPr>
-            <p:ph type="ftr" sz="quarter" idx="3"/>
-          </p:nvPr>
-        </p:nvSpPr>
-        <p:spPr>
-          <a:xfrm>
-            <a:off x="4038600" y="6356350"/>
-            <a:ext cx="4114800" cy="365125"/>
-          </a:xfrm>
-          <a:prstGeom prst="rect">
-            <a:avLst/>
-          </a:prstGeom>
-        </p:spPr>
-        <p:txBody>
-          <a:bodyPr vert="horz" lIns="91440" tIns="45720" rIns="91440" bIns="45720" rtlCol="0" anchor="ctr"/>
-          <a:lstStyle>
-            <a:lvl1pPr algn="ctr">
-              <a:defRPr sz="1200">
-                <a:solidFill>
-                  <a:schemeClr val="tx1">
-                    <a:tint val="75000"/>
-                  </a:schemeClr>
-                </a:solidFill>
-              </a:defRPr>
-            </a:lvl1pPr>
-          </a:lstStyle>
-          <a:p>
-            <a:endParaRPr lang="en-US"/>
-          </a:p>
-        </p:txBody>
-      </p:sp>
-      <p:sp>
-        <p:nvSpPr>
-          <p:cNvPr id="6" name="Slide Number Placeholder 5">
-            <a:extLst>
-              <a:ext uri="{FF2B5EF4-FFF2-40B4-BE49-F238E27FC236}">
-                <a16:creationId xmlns:a16="http://schemas.microsoft.com/office/drawing/2014/main" id="{DD2BBD6D-2CEC-4C18-8F02-43CD31BCF73C}"/>
-              </a:ext>
-            </a:extLst>
-          </p:cNvPr>
-          <p:cNvSpPr>
-            <a:spLocks noGrp="1"/>
-          </p:cNvSpPr>
-          <p:nvPr>
-            <p:ph type="sldNum" sz="quarter" idx="4"/>
-          </p:nvPr>
-        </p:nvSpPr>
-        <p:spPr>
-          <a:xfrm>
-            <a:off x="8610600" y="6356350"/>
-            <a:ext cx="2743200" cy="365125"/>
-          </a:xfrm>
-          <a:prstGeom prst="rect">
-            <a:avLst/>
-          </a:prstGeom>
-        </p:spPr>
-        <p:txBody>
-          <a:bodyPr vert="horz" lIns="91440" tIns="45720" rIns="91440" bIns="45720" rtlCol="0" anchor="ctr"/>
-          <a:lstStyle>
-            <a:lvl1pPr algn="r">
-              <a:defRPr sz="1200">
-                <a:solidFill>
-                  <a:schemeClr val="tx1">
-                    <a:tint val="75000"/>
-                  </a:schemeClr>
-                </a:solidFill>
-              </a:defRPr>
-            </a:lvl1pPr>
-          </a:lstStyle>
-          <a:p>
             <a:fld id="{B160623F-A96C-4351-AFA3-101C55409E2D}" type="slidenum">
               <a:rPr lang="en-US" smtClean="0"/>
               <a:t>‹#›</a:t>
@@ -3022,35 +5665,121 @@
     </p:spTree>
     <p:extLst>
       <p:ext uri="{BB962C8B-B14F-4D97-AF65-F5344CB8AC3E}">
-        <p14:creationId xmlns:p14="http://schemas.microsoft.com/office/powerpoint/2010/main" val="2123627572"/>
+        <p14:creationId xmlns:p14="http://schemas.microsoft.com/office/powerpoint/2010/main" val="386664265"/>
       </p:ext>
     </p:extLst>
   </p:cSld>
-  <p:clrMap bg1="lt1" tx1="dk1" bg2="lt2" tx2="dk2" accent1="accent1" accent2="accent2" accent3="accent3" accent4="accent4" accent5="accent5" accent6="accent6" hlink="hlink" folHlink="folHlink"/>
+  <p:clrMap bg1="dk1" tx1="lt1" bg2="dk2" tx2="lt2" accent1="accent1" accent2="accent2" accent3="accent3" accent4="accent4" accent5="accent5" accent6="accent6" hlink="hlink" folHlink="folHlink"/>
   <p:sldLayoutIdLst>
-    <p:sldLayoutId id="2147483649" r:id="rId1"/>
-    <p:sldLayoutId id="2147483650" r:id="rId2"/>
-    <p:sldLayoutId id="2147483651" r:id="rId3"/>
-    <p:sldLayoutId id="2147483652" r:id="rId4"/>
-    <p:sldLayoutId id="2147483653" r:id="rId5"/>
-    <p:sldLayoutId id="2147483654" r:id="rId6"/>
-    <p:sldLayoutId id="2147483655" r:id="rId7"/>
-    <p:sldLayoutId id="2147483656" r:id="rId8"/>
-    <p:sldLayoutId id="2147483657" r:id="rId9"/>
-    <p:sldLayoutId id="2147483658" r:id="rId10"/>
-    <p:sldLayoutId id="2147483659" r:id="rId11"/>
+    <p:sldLayoutId id="2147483661" r:id="rId1"/>
+    <p:sldLayoutId id="2147483662" r:id="rId2"/>
+    <p:sldLayoutId id="2147483663" r:id="rId3"/>
+    <p:sldLayoutId id="2147483664" r:id="rId4"/>
+    <p:sldLayoutId id="2147483665" r:id="rId5"/>
+    <p:sldLayoutId id="2147483666" r:id="rId6"/>
+    <p:sldLayoutId id="2147483667" r:id="rId7"/>
+    <p:sldLayoutId id="2147483668" r:id="rId8"/>
+    <p:sldLayoutId id="2147483669" r:id="rId9"/>
+    <p:sldLayoutId id="2147483670" r:id="rId10"/>
+    <p:sldLayoutId id="2147483671" r:id="rId11"/>
+    <p:sldLayoutId id="2147483672" r:id="rId12"/>
+    <p:sldLayoutId id="2147483673" r:id="rId13"/>
+    <p:sldLayoutId id="2147483674" r:id="rId14"/>
+    <p:sldLayoutId id="2147483675" r:id="rId15"/>
+    <p:sldLayoutId id="2147483676" r:id="rId16"/>
+    <p:sldLayoutId id="2147483677" r:id="rId17"/>
   </p:sldLayoutIdLst>
   <p:txStyles>
     <p:titleStyle>
-      <a:lvl1pPr algn="l" defTabSz="914400" rtl="0" eaLnBrk="1" latinLnBrk="0" hangingPunct="1">
-        <a:lnSpc>
-          <a:spcPct val="90000"/>
-        </a:lnSpc>
+      <a:lvl1pPr algn="l" defTabSz="457200" rtl="0" eaLnBrk="1" latinLnBrk="0" hangingPunct="1">
         <a:spcBef>
           <a:spcPct val="0"/>
         </a:spcBef>
         <a:buNone/>
-        <a:defRPr sz="4400" kern="1200">
+        <a:defRPr sz="4200" b="0" i="0" kern="1200">
+          <a:solidFill>
+            <a:schemeClr val="tx2"/>
+          </a:solidFill>
+          <a:latin typeface="+mj-lt"/>
+          <a:ea typeface="+mj-ea"/>
+          <a:cs typeface="+mj-cs"/>
+        </a:defRPr>
+      </a:lvl1pPr>
+      <a:lvl2pPr eaLnBrk="1" hangingPunct="1">
+        <a:defRPr>
+          <a:solidFill>
+            <a:schemeClr val="tx2"/>
+          </a:solidFill>
+        </a:defRPr>
+      </a:lvl2pPr>
+      <a:lvl3pPr eaLnBrk="1" hangingPunct="1">
+        <a:defRPr>
+          <a:solidFill>
+            <a:schemeClr val="tx2"/>
+          </a:solidFill>
+        </a:defRPr>
+      </a:lvl3pPr>
+      <a:lvl4pPr eaLnBrk="1" hangingPunct="1">
+        <a:defRPr>
+          <a:solidFill>
+            <a:schemeClr val="tx2"/>
+          </a:solidFill>
+        </a:defRPr>
+      </a:lvl4pPr>
+      <a:lvl5pPr eaLnBrk="1" hangingPunct="1">
+        <a:defRPr>
+          <a:solidFill>
+            <a:schemeClr val="tx2"/>
+          </a:solidFill>
+        </a:defRPr>
+      </a:lvl5pPr>
+      <a:lvl6pPr eaLnBrk="1" hangingPunct="1">
+        <a:defRPr>
+          <a:solidFill>
+            <a:schemeClr val="tx2"/>
+          </a:solidFill>
+        </a:defRPr>
+      </a:lvl6pPr>
+      <a:lvl7pPr eaLnBrk="1" hangingPunct="1">
+        <a:defRPr>
+          <a:solidFill>
+            <a:schemeClr val="tx2"/>
+          </a:solidFill>
+        </a:defRPr>
+      </a:lvl7pPr>
+      <a:lvl8pPr eaLnBrk="1" hangingPunct="1">
+        <a:defRPr>
+          <a:solidFill>
+            <a:schemeClr val="tx2"/>
+          </a:solidFill>
+        </a:defRPr>
+      </a:lvl8pPr>
+      <a:lvl9pPr eaLnBrk="1" hangingPunct="1">
+        <a:defRPr>
+          <a:solidFill>
+            <a:schemeClr val="tx2"/>
+          </a:solidFill>
+        </a:defRPr>
+      </a:lvl9pPr>
+    </p:titleStyle>
+    <p:bodyStyle>
+      <a:lvl1pPr marL="342900" indent="-342900" algn="l" defTabSz="457200" rtl="0" eaLnBrk="1" latinLnBrk="0" hangingPunct="1">
+        <a:spcBef>
+          <a:spcPts val="1000"/>
+        </a:spcBef>
+        <a:spcAft>
+          <a:spcPts val="0"/>
+        </a:spcAft>
+        <a:buClr>
+          <a:schemeClr val="bg2">
+            <a:lumMod val="40000"/>
+            <a:lumOff val="60000"/>
+          </a:schemeClr>
+        </a:buClr>
+        <a:buSzPct val="80000"/>
+        <a:buFont typeface="Wingdings 3" charset="2"/>
+        <a:buChar char=""/>
+        <a:defRPr sz="2000" b="0" i="0" kern="1200">
           <a:solidFill>
             <a:schemeClr val="tx1"/>
           </a:solidFill>
@@ -3059,18 +5788,213 @@
           <a:cs typeface="+mj-cs"/>
         </a:defRPr>
       </a:lvl1pPr>
-    </p:titleStyle>
-    <p:bodyStyle>
-      <a:lvl1pPr marL="228600" indent="-228600" algn="l" defTabSz="914400" rtl="0" eaLnBrk="1" latinLnBrk="0" hangingPunct="1">
-        <a:lnSpc>
-          <a:spcPct val="90000"/>
-        </a:lnSpc>
+      <a:lvl2pPr marL="742950" indent="-285750" algn="l" defTabSz="457200" rtl="0" eaLnBrk="1" latinLnBrk="0" hangingPunct="1">
         <a:spcBef>
           <a:spcPts val="1000"/>
         </a:spcBef>
-        <a:buFont typeface="Arial" panose="020B0604020202020204" pitchFamily="34" charset="0"/>
-        <a:buChar char="•"/>
-        <a:defRPr sz="2800" kern="1200">
+        <a:spcAft>
+          <a:spcPts val="0"/>
+        </a:spcAft>
+        <a:buClr>
+          <a:schemeClr val="bg2">
+            <a:lumMod val="40000"/>
+            <a:lumOff val="60000"/>
+          </a:schemeClr>
+        </a:buClr>
+        <a:buSzPct val="80000"/>
+        <a:buFont typeface="Wingdings 3" charset="2"/>
+        <a:buChar char=""/>
+        <a:defRPr sz="1800" b="0" i="0" kern="1200">
+          <a:solidFill>
+            <a:schemeClr val="tx1"/>
+          </a:solidFill>
+          <a:latin typeface="+mj-lt"/>
+          <a:ea typeface="+mj-ea"/>
+          <a:cs typeface="+mj-cs"/>
+        </a:defRPr>
+      </a:lvl2pPr>
+      <a:lvl3pPr marL="1143000" indent="-228600" algn="l" defTabSz="457200" rtl="0" eaLnBrk="1" latinLnBrk="0" hangingPunct="1">
+        <a:spcBef>
+          <a:spcPts val="1000"/>
+        </a:spcBef>
+        <a:spcAft>
+          <a:spcPts val="0"/>
+        </a:spcAft>
+        <a:buClr>
+          <a:schemeClr val="bg2">
+            <a:lumMod val="40000"/>
+            <a:lumOff val="60000"/>
+          </a:schemeClr>
+        </a:buClr>
+        <a:buSzPct val="80000"/>
+        <a:buFont typeface="Wingdings 3" charset="2"/>
+        <a:buChar char=""/>
+        <a:defRPr sz="1600" b="0" i="0" kern="1200">
+          <a:solidFill>
+            <a:schemeClr val="tx1"/>
+          </a:solidFill>
+          <a:latin typeface="+mj-lt"/>
+          <a:ea typeface="+mj-ea"/>
+          <a:cs typeface="+mj-cs"/>
+        </a:defRPr>
+      </a:lvl3pPr>
+      <a:lvl4pPr marL="1600200" indent="-228600" algn="l" defTabSz="457200" rtl="0" eaLnBrk="1" latinLnBrk="0" hangingPunct="1">
+        <a:spcBef>
+          <a:spcPts val="1000"/>
+        </a:spcBef>
+        <a:spcAft>
+          <a:spcPts val="0"/>
+        </a:spcAft>
+        <a:buClr>
+          <a:schemeClr val="bg2">
+            <a:lumMod val="40000"/>
+            <a:lumOff val="60000"/>
+          </a:schemeClr>
+        </a:buClr>
+        <a:buSzPct val="80000"/>
+        <a:buFont typeface="Wingdings 3" charset="2"/>
+        <a:buChar char=""/>
+        <a:defRPr sz="1400" b="0" i="0" kern="1200">
+          <a:solidFill>
+            <a:schemeClr val="tx1"/>
+          </a:solidFill>
+          <a:latin typeface="+mj-lt"/>
+          <a:ea typeface="+mj-ea"/>
+          <a:cs typeface="+mj-cs"/>
+        </a:defRPr>
+      </a:lvl4pPr>
+      <a:lvl5pPr marL="2057400" indent="-228600" algn="l" defTabSz="457200" rtl="0" eaLnBrk="1" latinLnBrk="0" hangingPunct="1">
+        <a:spcBef>
+          <a:spcPts val="1000"/>
+        </a:spcBef>
+        <a:spcAft>
+          <a:spcPts val="0"/>
+        </a:spcAft>
+        <a:buClr>
+          <a:schemeClr val="bg2">
+            <a:lumMod val="40000"/>
+            <a:lumOff val="60000"/>
+          </a:schemeClr>
+        </a:buClr>
+        <a:buSzPct val="80000"/>
+        <a:buFont typeface="Wingdings 3" charset="2"/>
+        <a:buChar char=""/>
+        <a:defRPr sz="1400" b="0" i="0" kern="1200">
+          <a:solidFill>
+            <a:schemeClr val="tx1"/>
+          </a:solidFill>
+          <a:latin typeface="+mj-lt"/>
+          <a:ea typeface="+mj-ea"/>
+          <a:cs typeface="+mj-cs"/>
+        </a:defRPr>
+      </a:lvl5pPr>
+      <a:lvl6pPr marL="2506000" indent="-228600" algn="l" defTabSz="457200" rtl="0" eaLnBrk="1" latinLnBrk="0" hangingPunct="1">
+        <a:spcBef>
+          <a:spcPts val="1000"/>
+        </a:spcBef>
+        <a:spcAft>
+          <a:spcPts val="0"/>
+        </a:spcAft>
+        <a:buClr>
+          <a:schemeClr val="bg2">
+            <a:lumMod val="40000"/>
+            <a:lumOff val="60000"/>
+          </a:schemeClr>
+        </a:buClr>
+        <a:buSzPct val="80000"/>
+        <a:buFont typeface="Wingdings 3" charset="2"/>
+        <a:buChar char=""/>
+        <a:defRPr sz="1400" b="0" i="0" kern="1200">
+          <a:solidFill>
+            <a:schemeClr val="tx1"/>
+          </a:solidFill>
+          <a:latin typeface="+mj-lt"/>
+          <a:ea typeface="+mj-ea"/>
+          <a:cs typeface="+mj-cs"/>
+        </a:defRPr>
+      </a:lvl6pPr>
+      <a:lvl7pPr marL="2971800" indent="-228600" algn="l" defTabSz="457200" rtl="0" eaLnBrk="1" latinLnBrk="0" hangingPunct="1">
+        <a:spcBef>
+          <a:spcPts val="1000"/>
+        </a:spcBef>
+        <a:spcAft>
+          <a:spcPts val="0"/>
+        </a:spcAft>
+        <a:buClr>
+          <a:schemeClr val="bg2">
+            <a:lumMod val="40000"/>
+            <a:lumOff val="60000"/>
+          </a:schemeClr>
+        </a:buClr>
+        <a:buSzPct val="80000"/>
+        <a:buFont typeface="Wingdings 3" charset="2"/>
+        <a:buChar char=""/>
+        <a:defRPr sz="1400" b="0" i="0" kern="1200">
+          <a:solidFill>
+            <a:schemeClr val="tx1"/>
+          </a:solidFill>
+          <a:latin typeface="+mj-lt"/>
+          <a:ea typeface="+mj-ea"/>
+          <a:cs typeface="+mj-cs"/>
+        </a:defRPr>
+      </a:lvl7pPr>
+      <a:lvl8pPr marL="3429000" indent="-228600" algn="l" defTabSz="457200" rtl="0" eaLnBrk="1" latinLnBrk="0" hangingPunct="1">
+        <a:spcBef>
+          <a:spcPts val="1000"/>
+        </a:spcBef>
+        <a:spcAft>
+          <a:spcPts val="0"/>
+        </a:spcAft>
+        <a:buClr>
+          <a:schemeClr val="bg2">
+            <a:lumMod val="40000"/>
+            <a:lumOff val="60000"/>
+          </a:schemeClr>
+        </a:buClr>
+        <a:buSzPct val="80000"/>
+        <a:buFont typeface="Wingdings 3" charset="2"/>
+        <a:buChar char=""/>
+        <a:defRPr sz="1400" b="0" i="0" kern="1200">
+          <a:solidFill>
+            <a:schemeClr val="tx1"/>
+          </a:solidFill>
+          <a:latin typeface="+mj-lt"/>
+          <a:ea typeface="+mj-ea"/>
+          <a:cs typeface="+mj-cs"/>
+        </a:defRPr>
+      </a:lvl8pPr>
+      <a:lvl9pPr marL="3886200" indent="-228600" algn="l" defTabSz="457200" rtl="0" eaLnBrk="1" latinLnBrk="0" hangingPunct="1">
+        <a:spcBef>
+          <a:spcPts val="1000"/>
+        </a:spcBef>
+        <a:spcAft>
+          <a:spcPts val="0"/>
+        </a:spcAft>
+        <a:buClr>
+          <a:schemeClr val="bg2">
+            <a:lumMod val="40000"/>
+            <a:lumOff val="60000"/>
+          </a:schemeClr>
+        </a:buClr>
+        <a:buSzPct val="80000"/>
+        <a:buFont typeface="Wingdings 3" charset="2"/>
+        <a:buChar char=""/>
+        <a:defRPr sz="1400" b="0" i="0" kern="1200">
+          <a:solidFill>
+            <a:schemeClr val="tx1"/>
+          </a:solidFill>
+          <a:latin typeface="+mj-lt"/>
+          <a:ea typeface="+mj-ea"/>
+          <a:cs typeface="+mj-cs"/>
+        </a:defRPr>
+      </a:lvl9pPr>
+    </p:bodyStyle>
+    <p:otherStyle>
+      <a:defPPr>
+        <a:defRPr lang="en-US"/>
+      </a:defPPr>
+      <a:lvl1pPr marL="0" algn="l" defTabSz="457200" rtl="0" eaLnBrk="1" latinLnBrk="0" hangingPunct="1">
+        <a:defRPr sz="1800" kern="1200">
           <a:solidFill>
             <a:schemeClr val="tx1"/>
           </a:solidFill>
@@ -3079,16 +6003,8 @@
           <a:cs typeface="+mn-cs"/>
         </a:defRPr>
       </a:lvl1pPr>
-      <a:lvl2pPr marL="685800" indent="-228600" algn="l" defTabSz="914400" rtl="0" eaLnBrk="1" latinLnBrk="0" hangingPunct="1">
-        <a:lnSpc>
-          <a:spcPct val="90000"/>
-        </a:lnSpc>
-        <a:spcBef>
-          <a:spcPts val="500"/>
-        </a:spcBef>
-        <a:buFont typeface="Arial" panose="020B0604020202020204" pitchFamily="34" charset="0"/>
-        <a:buChar char="•"/>
-        <a:defRPr sz="2400" kern="1200">
+      <a:lvl2pPr marL="457200" algn="l" defTabSz="457200" rtl="0" eaLnBrk="1" latinLnBrk="0" hangingPunct="1">
+        <a:defRPr sz="1800" kern="1200">
           <a:solidFill>
             <a:schemeClr val="tx1"/>
           </a:solidFill>
@@ -3097,16 +6013,8 @@
           <a:cs typeface="+mn-cs"/>
         </a:defRPr>
       </a:lvl2pPr>
-      <a:lvl3pPr marL="1143000" indent="-228600" algn="l" defTabSz="914400" rtl="0" eaLnBrk="1" latinLnBrk="0" hangingPunct="1">
-        <a:lnSpc>
-          <a:spcPct val="90000"/>
-        </a:lnSpc>
-        <a:spcBef>
-          <a:spcPts val="500"/>
-        </a:spcBef>
-        <a:buFont typeface="Arial" panose="020B0604020202020204" pitchFamily="34" charset="0"/>
-        <a:buChar char="•"/>
-        <a:defRPr sz="2000" kern="1200">
+      <a:lvl3pPr marL="914400" algn="l" defTabSz="457200" rtl="0" eaLnBrk="1" latinLnBrk="0" hangingPunct="1">
+        <a:defRPr sz="1800" kern="1200">
           <a:solidFill>
             <a:schemeClr val="tx1"/>
           </a:solidFill>
@@ -3115,15 +6023,7 @@
           <a:cs typeface="+mn-cs"/>
         </a:defRPr>
       </a:lvl3pPr>
-      <a:lvl4pPr marL="1600200" indent="-228600" algn="l" defTabSz="914400" rtl="0" eaLnBrk="1" latinLnBrk="0" hangingPunct="1">
-        <a:lnSpc>
-          <a:spcPct val="90000"/>
-        </a:lnSpc>
-        <a:spcBef>
-          <a:spcPts val="500"/>
-        </a:spcBef>
-        <a:buFont typeface="Arial" panose="020B0604020202020204" pitchFamily="34" charset="0"/>
-        <a:buChar char="•"/>
+      <a:lvl4pPr marL="1371600" algn="l" defTabSz="457200" rtl="0" eaLnBrk="1" latinLnBrk="0" hangingPunct="1">
         <a:defRPr sz="1800" kern="1200">
           <a:solidFill>
             <a:schemeClr val="tx1"/>
@@ -3133,15 +6033,7 @@
           <a:cs typeface="+mn-cs"/>
         </a:defRPr>
       </a:lvl4pPr>
-      <a:lvl5pPr marL="2057400" indent="-228600" algn="l" defTabSz="914400" rtl="0" eaLnBrk="1" latinLnBrk="0" hangingPunct="1">
-        <a:lnSpc>
-          <a:spcPct val="90000"/>
-        </a:lnSpc>
-        <a:spcBef>
-          <a:spcPts val="500"/>
-        </a:spcBef>
-        <a:buFont typeface="Arial" panose="020B0604020202020204" pitchFamily="34" charset="0"/>
-        <a:buChar char="•"/>
+      <a:lvl5pPr marL="1828800" algn="l" defTabSz="457200" rtl="0" eaLnBrk="1" latinLnBrk="0" hangingPunct="1">
         <a:defRPr sz="1800" kern="1200">
           <a:solidFill>
             <a:schemeClr val="tx1"/>
@@ -3151,15 +6043,7 @@
           <a:cs typeface="+mn-cs"/>
         </a:defRPr>
       </a:lvl5pPr>
-      <a:lvl6pPr marL="2514600" indent="-228600" algn="l" defTabSz="914400" rtl="0" eaLnBrk="1" latinLnBrk="0" hangingPunct="1">
-        <a:lnSpc>
-          <a:spcPct val="90000"/>
-        </a:lnSpc>
-        <a:spcBef>
-          <a:spcPts val="500"/>
-        </a:spcBef>
-        <a:buFont typeface="Arial" panose="020B0604020202020204" pitchFamily="34" charset="0"/>
-        <a:buChar char="•"/>
+      <a:lvl6pPr marL="2286000" algn="l" defTabSz="457200" rtl="0" eaLnBrk="1" latinLnBrk="0" hangingPunct="1">
         <a:defRPr sz="1800" kern="1200">
           <a:solidFill>
             <a:schemeClr val="tx1"/>
@@ -3169,15 +6053,7 @@
           <a:cs typeface="+mn-cs"/>
         </a:defRPr>
       </a:lvl6pPr>
-      <a:lvl7pPr marL="2971800" indent="-228600" algn="l" defTabSz="914400" rtl="0" eaLnBrk="1" latinLnBrk="0" hangingPunct="1">
-        <a:lnSpc>
-          <a:spcPct val="90000"/>
-        </a:lnSpc>
-        <a:spcBef>
-          <a:spcPts val="500"/>
-        </a:spcBef>
-        <a:buFont typeface="Arial" panose="020B0604020202020204" pitchFamily="34" charset="0"/>
-        <a:buChar char="•"/>
+      <a:lvl7pPr marL="2743200" algn="l" defTabSz="457200" rtl="0" eaLnBrk="1" latinLnBrk="0" hangingPunct="1">
         <a:defRPr sz="1800" kern="1200">
           <a:solidFill>
             <a:schemeClr val="tx1"/>
@@ -3187,15 +6063,7 @@
           <a:cs typeface="+mn-cs"/>
         </a:defRPr>
       </a:lvl7pPr>
-      <a:lvl8pPr marL="3429000" indent="-228600" algn="l" defTabSz="914400" rtl="0" eaLnBrk="1" latinLnBrk="0" hangingPunct="1">
-        <a:lnSpc>
-          <a:spcPct val="90000"/>
-        </a:lnSpc>
-        <a:spcBef>
-          <a:spcPts val="500"/>
-        </a:spcBef>
-        <a:buFont typeface="Arial" panose="020B0604020202020204" pitchFamily="34" charset="0"/>
-        <a:buChar char="•"/>
+      <a:lvl8pPr marL="3200400" algn="l" defTabSz="457200" rtl="0" eaLnBrk="1" latinLnBrk="0" hangingPunct="1">
         <a:defRPr sz="1800" kern="1200">
           <a:solidFill>
             <a:schemeClr val="tx1"/>
@@ -3205,110 +6073,7 @@
           <a:cs typeface="+mn-cs"/>
         </a:defRPr>
       </a:lvl8pPr>
-      <a:lvl9pPr marL="3886200" indent="-228600" algn="l" defTabSz="914400" rtl="0" eaLnBrk="1" latinLnBrk="0" hangingPunct="1">
-        <a:lnSpc>
-          <a:spcPct val="90000"/>
-        </a:lnSpc>
-        <a:spcBef>
-          <a:spcPts val="500"/>
-        </a:spcBef>
-        <a:buFont typeface="Arial" panose="020B0604020202020204" pitchFamily="34" charset="0"/>
-        <a:buChar char="•"/>
-        <a:defRPr sz="1800" kern="1200">
-          <a:solidFill>
-            <a:schemeClr val="tx1"/>
-          </a:solidFill>
-          <a:latin typeface="+mn-lt"/>
-          <a:ea typeface="+mn-ea"/>
-          <a:cs typeface="+mn-cs"/>
-        </a:defRPr>
-      </a:lvl9pPr>
-    </p:bodyStyle>
-    <p:otherStyle>
-      <a:defPPr>
-        <a:defRPr lang="en-US"/>
-      </a:defPPr>
-      <a:lvl1pPr marL="0" algn="l" defTabSz="914400" rtl="0" eaLnBrk="1" latinLnBrk="0" hangingPunct="1">
-        <a:defRPr sz="1800" kern="1200">
-          <a:solidFill>
-            <a:schemeClr val="tx1"/>
-          </a:solidFill>
-          <a:latin typeface="+mn-lt"/>
-          <a:ea typeface="+mn-ea"/>
-          <a:cs typeface="+mn-cs"/>
-        </a:defRPr>
-      </a:lvl1pPr>
-      <a:lvl2pPr marL="457200" algn="l" defTabSz="914400" rtl="0" eaLnBrk="1" latinLnBrk="0" hangingPunct="1">
-        <a:defRPr sz="1800" kern="1200">
-          <a:solidFill>
-            <a:schemeClr val="tx1"/>
-          </a:solidFill>
-          <a:latin typeface="+mn-lt"/>
-          <a:ea typeface="+mn-ea"/>
-          <a:cs typeface="+mn-cs"/>
-        </a:defRPr>
-      </a:lvl2pPr>
-      <a:lvl3pPr marL="914400" algn="l" defTabSz="914400" rtl="0" eaLnBrk="1" latinLnBrk="0" hangingPunct="1">
-        <a:defRPr sz="1800" kern="1200">
-          <a:solidFill>
-            <a:schemeClr val="tx1"/>
-          </a:solidFill>
-          <a:latin typeface="+mn-lt"/>
-          <a:ea typeface="+mn-ea"/>
-          <a:cs typeface="+mn-cs"/>
-        </a:defRPr>
-      </a:lvl3pPr>
-      <a:lvl4pPr marL="1371600" algn="l" defTabSz="914400" rtl="0" eaLnBrk="1" latinLnBrk="0" hangingPunct="1">
-        <a:defRPr sz="1800" kern="1200">
-          <a:solidFill>
-            <a:schemeClr val="tx1"/>
-          </a:solidFill>
-          <a:latin typeface="+mn-lt"/>
-          <a:ea typeface="+mn-ea"/>
-          <a:cs typeface="+mn-cs"/>
-        </a:defRPr>
-      </a:lvl4pPr>
-      <a:lvl5pPr marL="1828800" algn="l" defTabSz="914400" rtl="0" eaLnBrk="1" latinLnBrk="0" hangingPunct="1">
-        <a:defRPr sz="1800" kern="1200">
-          <a:solidFill>
-            <a:schemeClr val="tx1"/>
-          </a:solidFill>
-          <a:latin typeface="+mn-lt"/>
-          <a:ea typeface="+mn-ea"/>
-          <a:cs typeface="+mn-cs"/>
-        </a:defRPr>
-      </a:lvl5pPr>
-      <a:lvl6pPr marL="2286000" algn="l" defTabSz="914400" rtl="0" eaLnBrk="1" latinLnBrk="0" hangingPunct="1">
-        <a:defRPr sz="1800" kern="1200">
-          <a:solidFill>
-            <a:schemeClr val="tx1"/>
-          </a:solidFill>
-          <a:latin typeface="+mn-lt"/>
-          <a:ea typeface="+mn-ea"/>
-          <a:cs typeface="+mn-cs"/>
-        </a:defRPr>
-      </a:lvl6pPr>
-      <a:lvl7pPr marL="2743200" algn="l" defTabSz="914400" rtl="0" eaLnBrk="1" latinLnBrk="0" hangingPunct="1">
-        <a:defRPr sz="1800" kern="1200">
-          <a:solidFill>
-            <a:schemeClr val="tx1"/>
-          </a:solidFill>
-          <a:latin typeface="+mn-lt"/>
-          <a:ea typeface="+mn-ea"/>
-          <a:cs typeface="+mn-cs"/>
-        </a:defRPr>
-      </a:lvl7pPr>
-      <a:lvl8pPr marL="3200400" algn="l" defTabSz="914400" rtl="0" eaLnBrk="1" latinLnBrk="0" hangingPunct="1">
-        <a:defRPr sz="1800" kern="1200">
-          <a:solidFill>
-            <a:schemeClr val="tx1"/>
-          </a:solidFill>
-          <a:latin typeface="+mn-lt"/>
-          <a:ea typeface="+mn-ea"/>
-          <a:cs typeface="+mn-cs"/>
-        </a:defRPr>
-      </a:lvl8pPr>
-      <a:lvl9pPr marL="3657600" algn="l" defTabSz="914400" rtl="0" eaLnBrk="1" latinLnBrk="0" hangingPunct="1">
+      <a:lvl9pPr marL="3657600" algn="l" defTabSz="457200" rtl="0" eaLnBrk="1" latinLnBrk="0" hangingPunct="1">
         <a:defRPr sz="1800" kern="1200">
           <a:solidFill>
             <a:schemeClr val="tx1"/>
@@ -5278,7 +8043,7 @@
         <p:spPr/>
         <p:txBody>
           <a:bodyPr>
-            <a:normAutofit fontScale="70000" lnSpcReduction="20000"/>
+            <a:normAutofit fontScale="55000" lnSpcReduction="20000"/>
           </a:bodyPr>
           <a:lstStyle/>
           <a:p>
@@ -5501,7 +8266,7 @@
         <p:spPr/>
         <p:txBody>
           <a:bodyPr>
-            <a:normAutofit fontScale="92500" lnSpcReduction="20000"/>
+            <a:normAutofit fontScale="85000" lnSpcReduction="20000"/>
           </a:bodyPr>
           <a:lstStyle/>
           <a:p>
@@ -6167,8 +8932,8 @@
           </a:p>
         </p:txBody>
       </p:sp>
-      <mc:AlternateContent xmlns:mc="http://schemas.openxmlformats.org/markup-compatibility/2006">
-        <mc:Choice xmlns:a14="http://schemas.microsoft.com/office/drawing/2010/main" Requires="a14">
+      <mc:AlternateContent xmlns:mc="http://schemas.openxmlformats.org/markup-compatibility/2006" xmlns:a14="http://schemas.microsoft.com/office/drawing/2010/main">
+        <mc:Choice Requires="a14">
           <p:sp>
             <p:nvSpPr>
               <p:cNvPr id="3" name="Content Placeholder 2">
@@ -6540,7 +9305,7 @@
             </p:txBody>
           </p:sp>
         </mc:Choice>
-        <mc:Fallback>
+        <mc:Fallback xmlns="">
           <p:sp>
             <p:nvSpPr>
               <p:cNvPr id="3" name="Content Placeholder 2">
@@ -6830,9 +9595,9 @@
 </file>
 
 <file path=ppt/theme/theme1.xml><?xml version="1.0" encoding="utf-8"?>
-<a:theme xmlns:a="http://schemas.openxmlformats.org/drawingml/2006/main" name="Office Theme">
+<a:theme xmlns:a="http://schemas.openxmlformats.org/drawingml/2006/main" name="Ion">
   <a:themeElements>
-    <a:clrScheme name="Office">
+    <a:clrScheme name="Ion">
       <a:dk1>
         <a:sysClr val="windowText" lastClr="000000"/>
       </a:dk1>
@@ -6840,44 +9605,44 @@
         <a:sysClr val="window" lastClr="FFFFFF"/>
       </a:lt1>
       <a:dk2>
-        <a:srgbClr val="44546A"/>
+        <a:srgbClr val="1E5155"/>
       </a:dk2>
       <a:lt2>
-        <a:srgbClr val="E7E6E6"/>
+        <a:srgbClr val="EBEBEB"/>
       </a:lt2>
       <a:accent1>
-        <a:srgbClr val="4472C4"/>
+        <a:srgbClr val="B01513"/>
       </a:accent1>
       <a:accent2>
-        <a:srgbClr val="ED7D31"/>
+        <a:srgbClr val="EA6312"/>
       </a:accent2>
       <a:accent3>
-        <a:srgbClr val="A5A5A5"/>
+        <a:srgbClr val="E6B729"/>
       </a:accent3>
       <a:accent4>
-        <a:srgbClr val="FFC000"/>
+        <a:srgbClr val="6AAC90"/>
       </a:accent4>
       <a:accent5>
-        <a:srgbClr val="5B9BD5"/>
+        <a:srgbClr val="54849A"/>
       </a:accent5>
       <a:accent6>
-        <a:srgbClr val="70AD47"/>
+        <a:srgbClr val="9E5E9B"/>
       </a:accent6>
       <a:hlink>
-        <a:srgbClr val="0563C1"/>
+        <a:srgbClr val="58C1BA"/>
       </a:hlink>
       <a:folHlink>
-        <a:srgbClr val="954F72"/>
+        <a:srgbClr val="9DFFCB"/>
       </a:folHlink>
     </a:clrScheme>
-    <a:fontScheme name="Office">
+    <a:fontScheme name="Ion">
       <a:majorFont>
-        <a:latin typeface="Calibri Light" panose="020F0302020204030204"/>
+        <a:latin typeface="Century Gothic" panose="020B0502020202020204"/>
         <a:ea typeface=""/>
         <a:cs typeface=""/>
-        <a:font script="Jpan" typeface="游ゴシック Light"/>
+        <a:font script="Jpan" typeface="メイリオ"/>
         <a:font script="Hang" typeface="맑은 고딕"/>
-        <a:font script="Hans" typeface="等线 Light"/>
+        <a:font script="Hans" typeface="宋体"/>
         <a:font script="Hant" typeface="新細明體"/>
         <a:font script="Arab" typeface="Times New Roman"/>
         <a:font script="Hebr" typeface="Times New Roman"/>
@@ -6905,31 +9670,14 @@
         <a:font script="Viet" typeface="Times New Roman"/>
         <a:font script="Uigh" typeface="Microsoft Uighur"/>
         <a:font script="Geor" typeface="Sylfaen"/>
-        <a:font script="Armn" typeface="Arial"/>
-        <a:font script="Bugi" typeface="Leelawadee UI"/>
-        <a:font script="Bopo" typeface="Microsoft JhengHei"/>
-        <a:font script="Java" typeface="Javanese Text"/>
-        <a:font script="Lisu" typeface="Segoe UI"/>
-        <a:font script="Mymr" typeface="Myanmar Text"/>
-        <a:font script="Nkoo" typeface="Ebrima"/>
-        <a:font script="Olck" typeface="Nirmala UI"/>
-        <a:font script="Osma" typeface="Ebrima"/>
-        <a:font script="Phag" typeface="Phagspa"/>
-        <a:font script="Syrn" typeface="Estrangelo Edessa"/>
-        <a:font script="Syrj" typeface="Estrangelo Edessa"/>
-        <a:font script="Syre" typeface="Estrangelo Edessa"/>
-        <a:font script="Sora" typeface="Nirmala UI"/>
-        <a:font script="Tale" typeface="Microsoft Tai Le"/>
-        <a:font script="Talu" typeface="Microsoft New Tai Lue"/>
-        <a:font script="Tfng" typeface="Ebrima"/>
       </a:majorFont>
       <a:minorFont>
-        <a:latin typeface="Calibri" panose="020F0502020204030204"/>
+        <a:latin typeface="Century Gothic" panose="020B0502020202020204"/>
         <a:ea typeface=""/>
         <a:cs typeface=""/>
-        <a:font script="Jpan" typeface="游ゴシック"/>
+        <a:font script="Jpan" typeface="メイリオ"/>
         <a:font script="Hang" typeface="맑은 고딕"/>
-        <a:font script="Hans" typeface="等线"/>
+        <a:font script="Hans" typeface="宋体"/>
         <a:font script="Hant" typeface="新細明體"/>
         <a:font script="Arab" typeface="Arial"/>
         <a:font script="Hebr" typeface="Arial"/>
@@ -6957,26 +9705,9 @@
         <a:font script="Viet" typeface="Arial"/>
         <a:font script="Uigh" typeface="Microsoft Uighur"/>
         <a:font script="Geor" typeface="Sylfaen"/>
-        <a:font script="Armn" typeface="Arial"/>
-        <a:font script="Bugi" typeface="Leelawadee UI"/>
-        <a:font script="Bopo" typeface="Microsoft JhengHei"/>
-        <a:font script="Java" typeface="Javanese Text"/>
-        <a:font script="Lisu" typeface="Segoe UI"/>
-        <a:font script="Mymr" typeface="Myanmar Text"/>
-        <a:font script="Nkoo" typeface="Ebrima"/>
-        <a:font script="Olck" typeface="Nirmala UI"/>
-        <a:font script="Osma" typeface="Ebrima"/>
-        <a:font script="Phag" typeface="Phagspa"/>
-        <a:font script="Syrn" typeface="Estrangelo Edessa"/>
-        <a:font script="Syrj" typeface="Estrangelo Edessa"/>
-        <a:font script="Syre" typeface="Estrangelo Edessa"/>
-        <a:font script="Sora" typeface="Nirmala UI"/>
-        <a:font script="Tale" typeface="Microsoft Tai Le"/>
-        <a:font script="Talu" typeface="Microsoft New Tai Lue"/>
-        <a:font script="Tfng" typeface="Ebrima"/>
       </a:minorFont>
     </a:fontScheme>
-    <a:fmtScheme name="Office">
+    <a:fmtScheme name="Ion">
       <a:fillStyleLst>
         <a:solidFill>
           <a:schemeClr val="phClr"/>
@@ -6985,23 +9716,15 @@
           <a:gsLst>
             <a:gs pos="0">
               <a:schemeClr val="phClr">
-                <a:lumMod val="110000"/>
-                <a:satMod val="105000"/>
-                <a:tint val="67000"/>
-              </a:schemeClr>
-            </a:gs>
-            <a:gs pos="50000">
-              <a:schemeClr val="phClr">
-                <a:lumMod val="105000"/>
-                <a:satMod val="103000"/>
-                <a:tint val="73000"/>
+                <a:tint val="64000"/>
+                <a:lumMod val="118000"/>
               </a:schemeClr>
             </a:gs>
             <a:gs pos="100000">
               <a:schemeClr val="phClr">
-                <a:lumMod val="105000"/>
-                <a:satMod val="109000"/>
-                <a:tint val="81000"/>
+                <a:tint val="92000"/>
+                <a:alpha val="100000"/>
+                <a:lumMod val="110000"/>
               </a:schemeClr>
             </a:gs>
           </a:gsLst>
@@ -7011,23 +9734,14 @@
           <a:gsLst>
             <a:gs pos="0">
               <a:schemeClr val="phClr">
-                <a:satMod val="103000"/>
-                <a:lumMod val="102000"/>
-                <a:tint val="94000"/>
-              </a:schemeClr>
-            </a:gs>
-            <a:gs pos="50000">
-              <a:schemeClr val="phClr">
-                <a:satMod val="110000"/>
-                <a:lumMod val="100000"/>
-                <a:shade val="100000"/>
+                <a:tint val="98000"/>
+                <a:lumMod val="114000"/>
               </a:schemeClr>
             </a:gs>
             <a:gs pos="100000">
               <a:schemeClr val="phClr">
-                <a:lumMod val="99000"/>
-                <a:satMod val="120000"/>
-                <a:shade val="78000"/>
+                <a:shade val="90000"/>
+                <a:lumMod val="84000"/>
               </a:schemeClr>
             </a:gs>
           </a:gsLst>
@@ -7035,26 +9749,23 @@
         </a:gradFill>
       </a:fillStyleLst>
       <a:lnStyleLst>
-        <a:ln w="6350" cap="flat" cmpd="sng" algn="ctr">
+        <a:ln w="9525" cap="rnd" cmpd="sng" algn="ctr">
           <a:solidFill>
             <a:schemeClr val="phClr"/>
           </a:solidFill>
           <a:prstDash val="solid"/>
-          <a:miter lim="800000"/>
         </a:ln>
-        <a:ln w="12700" cap="flat" cmpd="sng" algn="ctr">
+        <a:ln w="19050" cap="rnd" cmpd="sng" algn="ctr">
           <a:solidFill>
             <a:schemeClr val="phClr"/>
           </a:solidFill>
           <a:prstDash val="solid"/>
-          <a:miter lim="800000"/>
         </a:ln>
-        <a:ln w="19050" cap="flat" cmpd="sng" algn="ctr">
+        <a:ln w="28575" cap="rnd" cmpd="sng" algn="ctr">
           <a:solidFill>
             <a:schemeClr val="phClr"/>
           </a:solidFill>
           <a:prstDash val="solid"/>
-          <a:miter lim="800000"/>
         </a:ln>
       </a:lnStyleLst>
       <a:effectStyleLst>
@@ -7062,55 +9773,80 @@
           <a:effectLst/>
         </a:effectStyle>
         <a:effectStyle>
-          <a:effectLst/>
+          <a:effectLst>
+            <a:outerShdw blurRad="38100" dist="25400" dir="5400000" rotWithShape="0">
+              <a:srgbClr val="000000">
+                <a:alpha val="45000"/>
+              </a:srgbClr>
+            </a:outerShdw>
+          </a:effectLst>
         </a:effectStyle>
         <a:effectStyle>
           <a:effectLst>
-            <a:outerShdw blurRad="57150" dist="19050" dir="5400000" algn="ctr" rotWithShape="0">
+            <a:outerShdw blurRad="63500" dist="38100" dir="5400000" rotWithShape="0">
               <a:srgbClr val="000000">
-                <a:alpha val="63000"/>
+                <a:alpha val="60000"/>
               </a:srgbClr>
             </a:outerShdw>
           </a:effectLst>
+          <a:scene3d>
+            <a:camera prst="orthographicFront">
+              <a:rot lat="0" lon="0" rev="0"/>
+            </a:camera>
+            <a:lightRig rig="threePt" dir="tl"/>
+          </a:scene3d>
+          <a:sp3d prstMaterial="plastic">
+            <a:bevelT w="0" h="0"/>
+          </a:sp3d>
         </a:effectStyle>
       </a:effectStyleLst>
       <a:bgFillStyleLst>
         <a:solidFill>
           <a:schemeClr val="phClr"/>
         </a:solidFill>
-        <a:solidFill>
-          <a:schemeClr val="phClr">
-            <a:tint val="95000"/>
-            <a:satMod val="170000"/>
-          </a:schemeClr>
-        </a:solidFill>
         <a:gradFill rotWithShape="1">
           <a:gsLst>
             <a:gs pos="0">
               <a:schemeClr val="phClr">
-                <a:tint val="93000"/>
-                <a:satMod val="150000"/>
-                <a:shade val="98000"/>
-                <a:lumMod val="102000"/>
-              </a:schemeClr>
-            </a:gs>
-            <a:gs pos="50000">
-              <a:schemeClr val="phClr">
-                <a:tint val="98000"/>
+                <a:tint val="97000"/>
+                <a:hueMod val="88000"/>
                 <a:satMod val="130000"/>
-                <a:shade val="90000"/>
-                <a:lumMod val="103000"/>
+                <a:lumMod val="124000"/>
               </a:schemeClr>
             </a:gs>
             <a:gs pos="100000">
               <a:schemeClr val="phClr">
-                <a:shade val="63000"/>
-                <a:satMod val="120000"/>
+                <a:tint val="96000"/>
+                <a:shade val="88000"/>
+                <a:hueMod val="108000"/>
+                <a:satMod val="164000"/>
+                <a:lumMod val="76000"/>
               </a:schemeClr>
             </a:gs>
           </a:gsLst>
-          <a:lin ang="5400000" scaled="0"/>
+          <a:path path="circle">
+            <a:fillToRect l="45000" t="65000" r="125000" b="100000"/>
+          </a:path>
         </a:gradFill>
+        <a:blipFill rotWithShape="1">
+          <a:blip xmlns:r="http://schemas.openxmlformats.org/officeDocument/2006/relationships" r:embed="rId1">
+            <a:duotone>
+              <a:schemeClr val="phClr">
+                <a:shade val="69000"/>
+                <a:hueMod val="108000"/>
+                <a:satMod val="164000"/>
+                <a:lumMod val="74000"/>
+              </a:schemeClr>
+              <a:schemeClr val="phClr">
+                <a:tint val="96000"/>
+                <a:hueMod val="88000"/>
+                <a:satMod val="140000"/>
+                <a:lumMod val="132000"/>
+              </a:schemeClr>
+            </a:duotone>
+          </a:blip>
+          <a:stretch/>
+        </a:blipFill>
       </a:bgFillStyleLst>
     </a:fmtScheme>
   </a:themeElements>
@@ -7118,7 +9854,7 @@
   <a:extraClrSchemeLst/>
   <a:extLst>
     <a:ext uri="{05A4C25C-085E-4340-85A3-A5531E510DB2}">
-      <thm15:themeFamily xmlns:thm15="http://schemas.microsoft.com/office/thememl/2012/main" name="Office Theme" id="{62F939B6-93AF-4DB8-9C6B-D6C7DFDC589F}" vid="{4A3C46E8-61CC-4603-A589-7422A47A8E4A}"/>
+      <thm15:themeFamily xmlns:thm15="http://schemas.microsoft.com/office/thememl/2012/main" name="Ion" id="{B8441ADB-2E43-4AF7-B97A-BD870242C6A8}" vid="{292E63A9-BB86-4E3D-B92A-7223C6510D2E}"/>
     </a:ext>
   </a:extLst>
 </a:theme>
